--- a/KMeans_Presentation.pptx
+++ b/KMeans_Presentation.pptx
@@ -13,14 +13,19 @@
     <p:sldId id="261" r:id="rId7"/>
     <p:sldId id="262" r:id="rId8"/>
     <p:sldId id="263" r:id="rId9"/>
-    <p:sldId id="264" r:id="rId10"/>
-    <p:sldId id="265" r:id="rId11"/>
-    <p:sldId id="272" r:id="rId12"/>
-    <p:sldId id="267" r:id="rId13"/>
-    <p:sldId id="268" r:id="rId14"/>
-    <p:sldId id="269" r:id="rId15"/>
-    <p:sldId id="270" r:id="rId16"/>
-    <p:sldId id="271" r:id="rId17"/>
+    <p:sldId id="277" r:id="rId10"/>
+    <p:sldId id="264" r:id="rId11"/>
+    <p:sldId id="265" r:id="rId12"/>
+    <p:sldId id="272" r:id="rId13"/>
+    <p:sldId id="273" r:id="rId14"/>
+    <p:sldId id="274" r:id="rId15"/>
+    <p:sldId id="275" r:id="rId16"/>
+    <p:sldId id="276" r:id="rId17"/>
+    <p:sldId id="267" r:id="rId18"/>
+    <p:sldId id="268" r:id="rId19"/>
+    <p:sldId id="269" r:id="rId20"/>
+    <p:sldId id="270" r:id="rId21"/>
+    <p:sldId id="271" r:id="rId22"/>
   </p:sldIdLst>
   <p:sldSz cx="4610100" cy="3460750"/>
   <p:notesSz cx="4610100" cy="3460750"/>
@@ -199,7 +204,7 @@
           <a:p>
             <a:fld id="{1D8BD707-D9CF-40AE-B4C6-C98DA3205C09}" type="datetimeFigureOut">
               <a:rPr lang="en-US"/>
-              <a:t>1/5/2025</a:t>
+              <a:t>1/7/2025</a:t>
             </a:fld>
             <a:endParaRPr lang="en-US"/>
           </a:p>
@@ -376,7 +381,7 @@
           <a:p>
             <a:fld id="{1D8BD707-D9CF-40AE-B4C6-C98DA3205C09}" type="datetimeFigureOut">
               <a:rPr lang="en-US"/>
-              <a:t>1/5/2025</a:t>
+              <a:t>1/7/2025</a:t>
             </a:fld>
             <a:endParaRPr lang="en-US"/>
           </a:p>
@@ -590,7 +595,7 @@
           <a:p>
             <a:fld id="{1D8BD707-D9CF-40AE-B4C6-C98DA3205C09}" type="datetimeFigureOut">
               <a:rPr lang="en-US"/>
-              <a:t>1/5/2025</a:t>
+              <a:t>1/7/2025</a:t>
             </a:fld>
             <a:endParaRPr lang="en-US"/>
           </a:p>
@@ -738,7 +743,7 @@
           <a:p>
             <a:fld id="{1D8BD707-D9CF-40AE-B4C6-C98DA3205C09}" type="datetimeFigureOut">
               <a:rPr lang="en-US"/>
-              <a:t>1/5/2025</a:t>
+              <a:t>1/7/2025</a:t>
             </a:fld>
             <a:endParaRPr lang="en-US"/>
           </a:p>
@@ -857,7 +862,7 @@
           <a:p>
             <a:fld id="{1D8BD707-D9CF-40AE-B4C6-C98DA3205C09}" type="datetimeFigureOut">
               <a:rPr lang="en-US"/>
-              <a:t>1/5/2025</a:t>
+              <a:t>1/7/2025</a:t>
             </a:fld>
             <a:endParaRPr lang="en-US"/>
           </a:p>
@@ -1132,7 +1137,7 @@
           <a:p>
             <a:fld id="{1D8BD707-D9CF-40AE-B4C6-C98DA3205C09}" type="datetimeFigureOut">
               <a:rPr lang="en-US"/>
-              <a:t>1/5/2025</a:t>
+              <a:t>1/7/2025</a:t>
             </a:fld>
             <a:endParaRPr lang="en-US"/>
           </a:p>
@@ -2256,6 +2261,726 @@
 </file>
 
 <file path=ppt/slides/slide10.xml><?xml version="1.0" encoding="utf-8"?>
+<p:sld xmlns:a="http://schemas.openxmlformats.org/drawingml/2006/main" xmlns:r="http://schemas.openxmlformats.org/officeDocument/2006/relationships" xmlns:p="http://schemas.openxmlformats.org/presentationml/2006/main">
+  <p:cSld>
+    <p:spTree>
+      <p:nvGrpSpPr>
+        <p:cNvPr id="1" name=""/>
+        <p:cNvGrpSpPr/>
+        <p:nvPr/>
+      </p:nvGrpSpPr>
+      <p:grpSpPr>
+        <a:xfrm>
+          <a:off x="0" y="0"/>
+          <a:ext cx="0" cy="0"/>
+          <a:chOff x="0" y="0"/>
+          <a:chExt cx="0" cy="0"/>
+        </a:xfrm>
+      </p:grpSpPr>
+      <p:sp>
+        <p:nvSpPr>
+          <p:cNvPr id="2" name="object 2"/>
+          <p:cNvSpPr txBox="1"/>
+          <p:nvPr/>
+        </p:nvSpPr>
+        <p:spPr>
+          <a:xfrm>
+            <a:off x="103924" y="14509"/>
+            <a:ext cx="1229995" cy="100027"/>
+          </a:xfrm>
+          <a:prstGeom prst="rect">
+            <a:avLst/>
+          </a:prstGeom>
+        </p:spPr>
+        <p:txBody>
+          <a:bodyPr vert="horz" wrap="square" lIns="0" tIns="15240" rIns="0" bIns="0" rtlCol="0">
+            <a:spAutoFit/>
+          </a:bodyPr>
+          <a:lstStyle/>
+          <a:p>
+            <a:pPr marL="12700">
+              <a:lnSpc>
+                <a:spcPct val="100000"/>
+              </a:lnSpc>
+              <a:spcBef>
+                <a:spcPts val="120"/>
+              </a:spcBef>
+            </a:pPr>
+            <a:r>
+              <a:rPr lang="it-IT" sz="550" spc="-30" dirty="0">
+                <a:solidFill>
+                  <a:srgbClr val="434D58"/>
+                </a:solidFill>
+                <a:latin typeface="Tahoma"/>
+                <a:cs typeface="Tahoma"/>
+              </a:rPr>
+              <a:t>Francesco Gigli</a:t>
+            </a:r>
+            <a:r>
+              <a:rPr lang="it-IT" sz="550" spc="-40" dirty="0">
+                <a:solidFill>
+                  <a:srgbClr val="434D58"/>
+                </a:solidFill>
+                <a:latin typeface="Tahoma"/>
+                <a:cs typeface="Tahoma"/>
+              </a:rPr>
+              <a:t>|</a:t>
+            </a:r>
+            <a:r>
+              <a:rPr lang="it-IT" sz="550" spc="-25" dirty="0">
+                <a:solidFill>
+                  <a:srgbClr val="434D58"/>
+                </a:solidFill>
+                <a:latin typeface="Tahoma"/>
+                <a:cs typeface="Tahoma"/>
+              </a:rPr>
+              <a:t> </a:t>
+            </a:r>
+            <a:r>
+              <a:rPr lang="it-IT" sz="550" spc="-10" dirty="0">
+                <a:solidFill>
+                  <a:srgbClr val="434D58"/>
+                </a:solidFill>
+                <a:latin typeface="Tahoma"/>
+                <a:cs typeface="Tahoma"/>
+                <a:hlinkClick r:id="rId2" action="ppaction://hlinksldjump"/>
+              </a:rPr>
+              <a:t>K-Means</a:t>
+            </a:r>
+            <a:endParaRPr lang="it-IT" sz="550" dirty="0">
+              <a:latin typeface="Tahoma"/>
+              <a:cs typeface="Tahoma"/>
+            </a:endParaRPr>
+          </a:p>
+        </p:txBody>
+      </p:sp>
+      <p:grpSp>
+        <p:nvGrpSpPr>
+          <p:cNvPr id="3" name="object 3"/>
+          <p:cNvGrpSpPr/>
+          <p:nvPr/>
+        </p:nvGrpSpPr>
+        <p:grpSpPr>
+          <a:xfrm>
+            <a:off x="0" y="21616"/>
+            <a:ext cx="4608195" cy="660400"/>
+            <a:chOff x="0" y="21616"/>
+            <a:chExt cx="4608195" cy="660400"/>
+          </a:xfrm>
+        </p:grpSpPr>
+        <p:sp>
+          <p:nvSpPr>
+            <p:cNvPr id="4" name="object 4"/>
+            <p:cNvSpPr/>
+            <p:nvPr/>
+          </p:nvSpPr>
+          <p:spPr>
+            <a:xfrm>
+              <a:off x="0" y="146608"/>
+              <a:ext cx="4608195" cy="410209"/>
+            </a:xfrm>
+            <a:custGeom>
+              <a:avLst/>
+              <a:gdLst/>
+              <a:ahLst/>
+              <a:cxnLst/>
+              <a:rect l="l" t="t" r="r" b="b"/>
+              <a:pathLst>
+                <a:path w="4608195" h="410209">
+                  <a:moveTo>
+                    <a:pt x="0" y="0"/>
+                  </a:moveTo>
+                  <a:lnTo>
+                    <a:pt x="0" y="409948"/>
+                  </a:lnTo>
+                  <a:lnTo>
+                    <a:pt x="4608060" y="409948"/>
+                  </a:lnTo>
+                  <a:lnTo>
+                    <a:pt x="4608060" y="0"/>
+                  </a:lnTo>
+                  <a:lnTo>
+                    <a:pt x="0" y="0"/>
+                  </a:lnTo>
+                  <a:close/>
+                </a:path>
+              </a:pathLst>
+            </a:custGeom>
+            <a:solidFill>
+              <a:srgbClr val="002646"/>
+            </a:solidFill>
+          </p:spPr>
+          <p:txBody>
+            <a:bodyPr wrap="square" lIns="0" tIns="0" rIns="0" bIns="0" rtlCol="0"/>
+            <a:lstStyle/>
+            <a:p>
+              <a:endParaRPr/>
+            </a:p>
+          </p:txBody>
+        </p:sp>
+        <p:sp>
+          <p:nvSpPr>
+            <p:cNvPr id="5" name="object 5"/>
+            <p:cNvSpPr/>
+            <p:nvPr/>
+          </p:nvSpPr>
+          <p:spPr>
+            <a:xfrm>
+              <a:off x="3888725" y="21616"/>
+              <a:ext cx="660400" cy="660400"/>
+            </a:xfrm>
+            <a:custGeom>
+              <a:avLst/>
+              <a:gdLst/>
+              <a:ahLst/>
+              <a:cxnLst/>
+              <a:rect l="l" t="t" r="r" b="b"/>
+              <a:pathLst>
+                <a:path w="660400" h="660400">
+                  <a:moveTo>
+                    <a:pt x="329967" y="0"/>
+                  </a:moveTo>
+                  <a:lnTo>
+                    <a:pt x="281206" y="3577"/>
+                  </a:lnTo>
+                  <a:lnTo>
+                    <a:pt x="234667" y="13970"/>
+                  </a:lnTo>
+                  <a:lnTo>
+                    <a:pt x="190860" y="30667"/>
+                  </a:lnTo>
+                  <a:lnTo>
+                    <a:pt x="150295" y="53159"/>
+                  </a:lnTo>
+                  <a:lnTo>
+                    <a:pt x="113483" y="80934"/>
+                  </a:lnTo>
+                  <a:lnTo>
+                    <a:pt x="80934" y="113483"/>
+                  </a:lnTo>
+                  <a:lnTo>
+                    <a:pt x="53159" y="150295"/>
+                  </a:lnTo>
+                  <a:lnTo>
+                    <a:pt x="30667" y="190860"/>
+                  </a:lnTo>
+                  <a:lnTo>
+                    <a:pt x="13970" y="234667"/>
+                  </a:lnTo>
+                  <a:lnTo>
+                    <a:pt x="3577" y="281206"/>
+                  </a:lnTo>
+                  <a:lnTo>
+                    <a:pt x="0" y="329967"/>
+                  </a:lnTo>
+                  <a:lnTo>
+                    <a:pt x="3577" y="378727"/>
+                  </a:lnTo>
+                  <a:lnTo>
+                    <a:pt x="13970" y="425266"/>
+                  </a:lnTo>
+                  <a:lnTo>
+                    <a:pt x="30667" y="469073"/>
+                  </a:lnTo>
+                  <a:lnTo>
+                    <a:pt x="53159" y="509638"/>
+                  </a:lnTo>
+                  <a:lnTo>
+                    <a:pt x="80934" y="546450"/>
+                  </a:lnTo>
+                  <a:lnTo>
+                    <a:pt x="113483" y="578999"/>
+                  </a:lnTo>
+                  <a:lnTo>
+                    <a:pt x="150295" y="606774"/>
+                  </a:lnTo>
+                  <a:lnTo>
+                    <a:pt x="190860" y="629266"/>
+                  </a:lnTo>
+                  <a:lnTo>
+                    <a:pt x="234667" y="645963"/>
+                  </a:lnTo>
+                  <a:lnTo>
+                    <a:pt x="281206" y="656356"/>
+                  </a:lnTo>
+                  <a:lnTo>
+                    <a:pt x="329967" y="659934"/>
+                  </a:lnTo>
+                  <a:lnTo>
+                    <a:pt x="378727" y="656356"/>
+                  </a:lnTo>
+                  <a:lnTo>
+                    <a:pt x="425266" y="645963"/>
+                  </a:lnTo>
+                  <a:lnTo>
+                    <a:pt x="469074" y="629266"/>
+                  </a:lnTo>
+                  <a:lnTo>
+                    <a:pt x="509638" y="606774"/>
+                  </a:lnTo>
+                  <a:lnTo>
+                    <a:pt x="546450" y="578999"/>
+                  </a:lnTo>
+                  <a:lnTo>
+                    <a:pt x="578999" y="546450"/>
+                  </a:lnTo>
+                  <a:lnTo>
+                    <a:pt x="606775" y="509638"/>
+                  </a:lnTo>
+                  <a:lnTo>
+                    <a:pt x="629266" y="469073"/>
+                  </a:lnTo>
+                  <a:lnTo>
+                    <a:pt x="645964" y="425266"/>
+                  </a:lnTo>
+                  <a:lnTo>
+                    <a:pt x="656356" y="378727"/>
+                  </a:lnTo>
+                  <a:lnTo>
+                    <a:pt x="659934" y="329967"/>
+                  </a:lnTo>
+                  <a:lnTo>
+                    <a:pt x="656356" y="281206"/>
+                  </a:lnTo>
+                  <a:lnTo>
+                    <a:pt x="645964" y="234667"/>
+                  </a:lnTo>
+                  <a:lnTo>
+                    <a:pt x="629266" y="190860"/>
+                  </a:lnTo>
+                  <a:lnTo>
+                    <a:pt x="606775" y="150295"/>
+                  </a:lnTo>
+                  <a:lnTo>
+                    <a:pt x="578999" y="113483"/>
+                  </a:lnTo>
+                  <a:lnTo>
+                    <a:pt x="546450" y="80934"/>
+                  </a:lnTo>
+                  <a:lnTo>
+                    <a:pt x="509638" y="53159"/>
+                  </a:lnTo>
+                  <a:lnTo>
+                    <a:pt x="469074" y="30667"/>
+                  </a:lnTo>
+                  <a:lnTo>
+                    <a:pt x="425266" y="13970"/>
+                  </a:lnTo>
+                  <a:lnTo>
+                    <a:pt x="378727" y="3577"/>
+                  </a:lnTo>
+                  <a:lnTo>
+                    <a:pt x="329967" y="0"/>
+                  </a:lnTo>
+                  <a:close/>
+                </a:path>
+              </a:pathLst>
+            </a:custGeom>
+            <a:solidFill>
+              <a:srgbClr val="C1C1CC"/>
+            </a:solidFill>
+          </p:spPr>
+          <p:txBody>
+            <a:bodyPr wrap="square" lIns="0" tIns="0" rIns="0" bIns="0" rtlCol="0"/>
+            <a:lstStyle/>
+            <a:p>
+              <a:endParaRPr/>
+            </a:p>
+          </p:txBody>
+        </p:sp>
+        <p:pic>
+          <p:nvPicPr>
+            <p:cNvPr id="6" name="object 6"/>
+            <p:cNvPicPr/>
+            <p:nvPr/>
+          </p:nvPicPr>
+          <p:blipFill>
+            <a:blip r:embed="rId3" cstate="print"/>
+            <a:stretch>
+              <a:fillRect/>
+            </a:stretch>
+          </p:blipFill>
+          <p:spPr>
+            <a:xfrm>
+              <a:off x="3948125" y="81016"/>
+              <a:ext cx="541133" cy="541133"/>
+            </a:xfrm>
+            <a:prstGeom prst="rect">
+              <a:avLst/>
+            </a:prstGeom>
+          </p:spPr>
+        </p:pic>
+        <p:sp>
+          <p:nvSpPr>
+            <p:cNvPr id="7" name="object 7"/>
+            <p:cNvSpPr/>
+            <p:nvPr/>
+          </p:nvSpPr>
+          <p:spPr>
+            <a:xfrm>
+              <a:off x="3918524" y="289152"/>
+              <a:ext cx="600710" cy="363220"/>
+            </a:xfrm>
+            <a:custGeom>
+              <a:avLst/>
+              <a:gdLst/>
+              <a:ahLst/>
+              <a:cxnLst/>
+              <a:rect l="l" t="t" r="r" b="b"/>
+              <a:pathLst>
+                <a:path w="600710" h="363220">
+                  <a:moveTo>
+                    <a:pt x="600435" y="62430"/>
+                  </a:moveTo>
+                  <a:lnTo>
+                    <a:pt x="596505" y="111135"/>
+                  </a:lnTo>
+                  <a:lnTo>
+                    <a:pt x="585127" y="157338"/>
+                  </a:lnTo>
+                  <a:lnTo>
+                    <a:pt x="566920" y="200421"/>
+                  </a:lnTo>
+                  <a:lnTo>
+                    <a:pt x="542501" y="239764"/>
+                  </a:lnTo>
+                  <a:lnTo>
+                    <a:pt x="512489" y="274751"/>
+                  </a:lnTo>
+                  <a:lnTo>
+                    <a:pt x="477502" y="304763"/>
+                  </a:lnTo>
+                  <a:lnTo>
+                    <a:pt x="438159" y="329182"/>
+                  </a:lnTo>
+                  <a:lnTo>
+                    <a:pt x="395076" y="347389"/>
+                  </a:lnTo>
+                  <a:lnTo>
+                    <a:pt x="348873" y="358767"/>
+                  </a:lnTo>
+                  <a:lnTo>
+                    <a:pt x="300168" y="362697"/>
+                  </a:lnTo>
+                  <a:lnTo>
+                    <a:pt x="247386" y="358026"/>
+                  </a:lnTo>
+                  <a:lnTo>
+                    <a:pt x="196996" y="344416"/>
+                  </a:lnTo>
+                  <a:lnTo>
+                    <a:pt x="150036" y="322464"/>
+                  </a:lnTo>
+                  <a:lnTo>
+                    <a:pt x="107546" y="292772"/>
+                  </a:lnTo>
+                  <a:lnTo>
+                    <a:pt x="70564" y="255938"/>
+                  </a:lnTo>
+                  <a:lnTo>
+                    <a:pt x="40128" y="212563"/>
+                  </a:lnTo>
+                  <a:lnTo>
+                    <a:pt x="17051" y="162451"/>
+                  </a:lnTo>
+                  <a:lnTo>
+                    <a:pt x="3602" y="109400"/>
+                  </a:lnTo>
+                  <a:lnTo>
+                    <a:pt x="0" y="54790"/>
+                  </a:lnTo>
+                  <a:lnTo>
+                    <a:pt x="6462" y="0"/>
+                  </a:lnTo>
+                </a:path>
+              </a:pathLst>
+            </a:custGeom>
+            <a:ln w="29700">
+              <a:solidFill>
+                <a:srgbClr val="002646"/>
+              </a:solidFill>
+            </a:ln>
+          </p:spPr>
+          <p:txBody>
+            <a:bodyPr wrap="square" lIns="0" tIns="0" rIns="0" bIns="0" rtlCol="0"/>
+            <a:lstStyle/>
+            <a:p>
+              <a:endParaRPr/>
+            </a:p>
+          </p:txBody>
+        </p:sp>
+        <p:sp>
+          <p:nvSpPr>
+            <p:cNvPr id="8" name="object 8"/>
+            <p:cNvSpPr/>
+            <p:nvPr/>
+          </p:nvSpPr>
+          <p:spPr>
+            <a:xfrm>
+              <a:off x="3910136" y="274302"/>
+              <a:ext cx="29845" cy="29845"/>
+            </a:xfrm>
+            <a:custGeom>
+              <a:avLst/>
+              <a:gdLst/>
+              <a:ahLst/>
+              <a:cxnLst/>
+              <a:rect l="l" t="t" r="r" b="b"/>
+              <a:pathLst>
+                <a:path w="29845" h="29845">
+                  <a:moveTo>
+                    <a:pt x="23051" y="0"/>
+                  </a:moveTo>
+                  <a:lnTo>
+                    <a:pt x="6648" y="0"/>
+                  </a:lnTo>
+                  <a:lnTo>
+                    <a:pt x="0" y="6648"/>
+                  </a:lnTo>
+                  <a:lnTo>
+                    <a:pt x="0" y="23051"/>
+                  </a:lnTo>
+                  <a:lnTo>
+                    <a:pt x="6648" y="29699"/>
+                  </a:lnTo>
+                  <a:lnTo>
+                    <a:pt x="23051" y="29699"/>
+                  </a:lnTo>
+                  <a:lnTo>
+                    <a:pt x="29699" y="23051"/>
+                  </a:lnTo>
+                  <a:lnTo>
+                    <a:pt x="29699" y="6648"/>
+                  </a:lnTo>
+                  <a:lnTo>
+                    <a:pt x="23051" y="0"/>
+                  </a:lnTo>
+                  <a:close/>
+                </a:path>
+              </a:pathLst>
+            </a:custGeom>
+            <a:solidFill>
+              <a:srgbClr val="002646"/>
+            </a:solidFill>
+          </p:spPr>
+          <p:txBody>
+            <a:bodyPr wrap="square" lIns="0" tIns="0" rIns="0" bIns="0" rtlCol="0"/>
+            <a:lstStyle/>
+            <a:p>
+              <a:endParaRPr/>
+            </a:p>
+          </p:txBody>
+        </p:sp>
+        <p:pic>
+          <p:nvPicPr>
+            <p:cNvPr id="9" name="object 9"/>
+            <p:cNvPicPr/>
+            <p:nvPr/>
+          </p:nvPicPr>
+          <p:blipFill>
+            <a:blip r:embed="rId4" cstate="print"/>
+            <a:stretch>
+              <a:fillRect/>
+            </a:stretch>
+          </p:blipFill>
+          <p:spPr>
+            <a:xfrm>
+              <a:off x="4454497" y="287121"/>
+              <a:ext cx="128923" cy="128923"/>
+            </a:xfrm>
+            <a:prstGeom prst="rect">
+              <a:avLst/>
+            </a:prstGeom>
+          </p:spPr>
+        </p:pic>
+      </p:grpSp>
+      <p:sp>
+        <p:nvSpPr>
+          <p:cNvPr id="10" name="object 10"/>
+          <p:cNvSpPr txBox="1"/>
+          <p:nvPr/>
+        </p:nvSpPr>
+        <p:spPr>
+          <a:xfrm>
+            <a:off x="4488954" y="287788"/>
+            <a:ext cx="60325" cy="113030"/>
+          </a:xfrm>
+          <a:prstGeom prst="rect">
+            <a:avLst/>
+          </a:prstGeom>
+        </p:spPr>
+        <p:txBody>
+          <a:bodyPr vert="horz" wrap="square" lIns="0" tIns="15240" rIns="0" bIns="0" rtlCol="0">
+            <a:spAutoFit/>
+          </a:bodyPr>
+          <a:lstStyle/>
+          <a:p>
+            <a:pPr marL="12700">
+              <a:lnSpc>
+                <a:spcPct val="100000"/>
+              </a:lnSpc>
+              <a:spcBef>
+                <a:spcPts val="120"/>
+              </a:spcBef>
+            </a:pPr>
+            <a:r>
+              <a:rPr sz="550" spc="-50" dirty="0">
+                <a:solidFill>
+                  <a:srgbClr val="002646"/>
+                </a:solidFill>
+                <a:latin typeface="Tahoma"/>
+                <a:cs typeface="Tahoma"/>
+              </a:rPr>
+              <a:t>8</a:t>
+            </a:r>
+            <a:endParaRPr sz="550">
+              <a:latin typeface="Tahoma"/>
+              <a:cs typeface="Tahoma"/>
+            </a:endParaRPr>
+          </a:p>
+        </p:txBody>
+      </p:sp>
+      <p:sp>
+        <p:nvSpPr>
+          <p:cNvPr id="11" name="object 11"/>
+          <p:cNvSpPr txBox="1"/>
+          <p:nvPr/>
+        </p:nvSpPr>
+        <p:spPr>
+          <a:xfrm>
+            <a:off x="347294" y="131965"/>
+            <a:ext cx="2804795" cy="259045"/>
+          </a:xfrm>
+          <a:prstGeom prst="rect">
+            <a:avLst/>
+          </a:prstGeom>
+        </p:spPr>
+        <p:txBody>
+          <a:bodyPr vert="horz" wrap="square" lIns="0" tIns="12700" rIns="0" bIns="0" rtlCol="0">
+            <a:spAutoFit/>
+          </a:bodyPr>
+          <a:lstStyle/>
+          <a:p>
+            <a:pPr marL="12700">
+              <a:lnSpc>
+                <a:spcPct val="100000"/>
+              </a:lnSpc>
+              <a:spcBef>
+                <a:spcPts val="100"/>
+              </a:spcBef>
+            </a:pPr>
+            <a:r>
+              <a:rPr lang="it-IT" sz="1600" dirty="0" err="1">
+                <a:solidFill>
+                  <a:schemeClr val="bg1"/>
+                </a:solidFill>
+              </a:rPr>
+              <a:t>Parallel</a:t>
+            </a:r>
+            <a:r>
+              <a:rPr lang="it-IT" sz="1600" dirty="0">
+                <a:solidFill>
+                  <a:schemeClr val="bg1"/>
+                </a:solidFill>
+              </a:rPr>
+              <a:t> Version: CUDA</a:t>
+            </a:r>
+            <a:endParaRPr lang="it-IT" sz="1650" dirty="0">
+              <a:solidFill>
+                <a:schemeClr val="bg1"/>
+              </a:solidFill>
+              <a:latin typeface="Tahoma"/>
+              <a:cs typeface="Tahoma"/>
+            </a:endParaRPr>
+          </a:p>
+        </p:txBody>
+      </p:sp>
+      <p:sp>
+        <p:nvSpPr>
+          <p:cNvPr id="26" name="CasellaDiTesto 25">
+            <a:extLst>
+              <a:ext uri="{FF2B5EF4-FFF2-40B4-BE49-F238E27FC236}">
+                <a16:creationId xmlns:a16="http://schemas.microsoft.com/office/drawing/2014/main" id="{FBB03641-4912-26DC-C31E-F2792BCB3108}"/>
+              </a:ext>
+            </a:extLst>
+          </p:cNvPr>
+          <p:cNvSpPr txBox="1"/>
+          <p:nvPr/>
+        </p:nvSpPr>
+        <p:spPr>
+          <a:xfrm>
+            <a:off x="247650" y="681362"/>
+            <a:ext cx="4170238" cy="369332"/>
+          </a:xfrm>
+          <a:prstGeom prst="rect">
+            <a:avLst/>
+          </a:prstGeom>
+          <a:noFill/>
+        </p:spPr>
+        <p:txBody>
+          <a:bodyPr wrap="square" rtlCol="0">
+            <a:spAutoFit/>
+          </a:bodyPr>
+          <a:lstStyle/>
+          <a:p>
+            <a:r>
+              <a:rPr lang="en-US" sz="900" dirty="0">
+                <a:latin typeface="Tahoma" panose="020B0604030504040204" pitchFamily="34" charset="0"/>
+                <a:ea typeface="Tahoma" panose="020B0604030504040204" pitchFamily="34" charset="0"/>
+                <a:cs typeface="Tahoma" panose="020B0604030504040204" pitchFamily="34" charset="0"/>
+              </a:rPr>
+              <a:t>The complete CUDA implementation of the K-Means algorithm using GPU and the previously defined kernels.</a:t>
+            </a:r>
+            <a:endParaRPr lang="it-IT" sz="900" dirty="0">
+              <a:latin typeface="Tahoma" panose="020B0604030504040204" pitchFamily="34" charset="0"/>
+              <a:ea typeface="Tahoma" panose="020B0604030504040204" pitchFamily="34" charset="0"/>
+              <a:cs typeface="Tahoma" panose="020B0604030504040204" pitchFamily="34" charset="0"/>
+            </a:endParaRPr>
+          </a:p>
+        </p:txBody>
+      </p:sp>
+      <p:pic>
+        <p:nvPicPr>
+          <p:cNvPr id="22" name="Immagine 21">
+            <a:extLst>
+              <a:ext uri="{FF2B5EF4-FFF2-40B4-BE49-F238E27FC236}">
+                <a16:creationId xmlns:a16="http://schemas.microsoft.com/office/drawing/2014/main" id="{C40CDCED-82F9-85AF-026A-E53248F96A78}"/>
+              </a:ext>
+            </a:extLst>
+          </p:cNvPr>
+          <p:cNvPicPr>
+            <a:picLocks noChangeAspect="1"/>
+          </p:cNvPicPr>
+          <p:nvPr/>
+        </p:nvPicPr>
+        <p:blipFill>
+          <a:blip r:embed="rId5"/>
+          <a:stretch>
+            <a:fillRect/>
+          </a:stretch>
+        </p:blipFill>
+        <p:spPr>
+          <a:xfrm>
+            <a:off x="1009650" y="1120775"/>
+            <a:ext cx="2686050" cy="2006196"/>
+          </a:xfrm>
+          <a:prstGeom prst="rect">
+            <a:avLst/>
+          </a:prstGeom>
+        </p:spPr>
+      </p:pic>
+    </p:spTree>
+  </p:cSld>
+  <p:clrMapOvr>
+    <a:masterClrMapping/>
+  </p:clrMapOvr>
+  <p:transition>
+    <p:cut/>
+  </p:transition>
+</p:sld>
+</file>
+
+<file path=ppt/slides/slide11.xml><?xml version="1.0" encoding="utf-8"?>
 <p:sld xmlns:a="http://schemas.openxmlformats.org/drawingml/2006/main" xmlns:r="http://schemas.openxmlformats.org/officeDocument/2006/relationships" xmlns:p="http://schemas.openxmlformats.org/presentationml/2006/main">
   <p:cSld>
     <p:spTree>
@@ -3476,7 +4201,7 @@
 </p:sld>
 </file>
 
-<file path=ppt/slides/slide11.xml><?xml version="1.0" encoding="utf-8"?>
+<file path=ppt/slides/slide12.xml><?xml version="1.0" encoding="utf-8"?>
 <p:sld xmlns:a="http://schemas.openxmlformats.org/drawingml/2006/main" xmlns:r="http://schemas.openxmlformats.org/officeDocument/2006/relationships" xmlns:p="http://schemas.openxmlformats.org/presentationml/2006/main">
   <p:cSld>
     <p:spTree>
@@ -4134,186 +4859,6 @@
           </a:p>
         </p:txBody>
       </p:sp>
-      <p:pic>
-        <p:nvPicPr>
-          <p:cNvPr id="14" name="Immagine 13" descr="Immagine che contiene testo, diagramma&#10;&#10;Descrizione generata automaticamente">
-            <a:extLst>
-              <a:ext uri="{FF2B5EF4-FFF2-40B4-BE49-F238E27FC236}">
-                <a16:creationId xmlns:a16="http://schemas.microsoft.com/office/drawing/2014/main" id="{43A70ACE-7DA7-3AAB-495A-4D91D93F64D8}"/>
-              </a:ext>
-            </a:extLst>
-          </p:cNvPr>
-          <p:cNvPicPr>
-            <a:picLocks noChangeAspect="1"/>
-          </p:cNvPicPr>
-          <p:nvPr/>
-        </p:nvPicPr>
-        <p:blipFill>
-          <a:blip r:embed="rId5" cstate="print">
-            <a:extLst>
-              <a:ext uri="{28A0092B-C50C-407E-A947-70E740481C1C}">
-                <a14:useLocalDpi xmlns:a14="http://schemas.microsoft.com/office/drawing/2010/main" val="0"/>
-              </a:ext>
-            </a:extLst>
-          </a:blip>
-          <a:stretch>
-            <a:fillRect/>
-          </a:stretch>
-        </p:blipFill>
-        <p:spPr>
-          <a:xfrm>
-            <a:off x="155603" y="719134"/>
-            <a:ext cx="1295400" cy="1295400"/>
-          </a:xfrm>
-          <a:prstGeom prst="rect">
-            <a:avLst/>
-          </a:prstGeom>
-        </p:spPr>
-      </p:pic>
-      <p:pic>
-        <p:nvPicPr>
-          <p:cNvPr id="16" name="Immagine 15" descr="Immagine che contiene testo, diagramma, schermata, linea&#10;&#10;Descrizione generata automaticamente">
-            <a:extLst>
-              <a:ext uri="{FF2B5EF4-FFF2-40B4-BE49-F238E27FC236}">
-                <a16:creationId xmlns:a16="http://schemas.microsoft.com/office/drawing/2014/main" id="{D9EEEB3E-73DB-474B-E82B-C0EE85E0EFDB}"/>
-              </a:ext>
-            </a:extLst>
-          </p:cNvPr>
-          <p:cNvPicPr>
-            <a:picLocks noChangeAspect="1"/>
-          </p:cNvPicPr>
-          <p:nvPr/>
-        </p:nvPicPr>
-        <p:blipFill>
-          <a:blip r:embed="rId6" cstate="print">
-            <a:extLst>
-              <a:ext uri="{28A0092B-C50C-407E-A947-70E740481C1C}">
-                <a14:useLocalDpi xmlns:a14="http://schemas.microsoft.com/office/drawing/2010/main" val="0"/>
-              </a:ext>
-            </a:extLst>
-          </a:blip>
-          <a:stretch>
-            <a:fillRect/>
-          </a:stretch>
-        </p:blipFill>
-        <p:spPr>
-          <a:xfrm>
-            <a:off x="1649472" y="719134"/>
-            <a:ext cx="1295400" cy="1295400"/>
-          </a:xfrm>
-          <a:prstGeom prst="rect">
-            <a:avLst/>
-          </a:prstGeom>
-        </p:spPr>
-      </p:pic>
-      <p:pic>
-        <p:nvPicPr>
-          <p:cNvPr id="18" name="Immagine 17" descr="Immagine che contiene testo, diagramma, schermata, Diagramma&#10;&#10;Descrizione generata automaticamente">
-            <a:extLst>
-              <a:ext uri="{FF2B5EF4-FFF2-40B4-BE49-F238E27FC236}">
-                <a16:creationId xmlns:a16="http://schemas.microsoft.com/office/drawing/2014/main" id="{FBFF61D6-07AC-216D-A52F-D855CD1E99F8}"/>
-              </a:ext>
-            </a:extLst>
-          </p:cNvPr>
-          <p:cNvPicPr>
-            <a:picLocks noChangeAspect="1"/>
-          </p:cNvPicPr>
-          <p:nvPr/>
-        </p:nvPicPr>
-        <p:blipFill>
-          <a:blip r:embed="rId7" cstate="print">
-            <a:extLst>
-              <a:ext uri="{28A0092B-C50C-407E-A947-70E740481C1C}">
-                <a14:useLocalDpi xmlns:a14="http://schemas.microsoft.com/office/drawing/2010/main" val="0"/>
-              </a:ext>
-            </a:extLst>
-          </a:blip>
-          <a:stretch>
-            <a:fillRect/>
-          </a:stretch>
-        </p:blipFill>
-        <p:spPr>
-          <a:xfrm>
-            <a:off x="3159097" y="714088"/>
-            <a:ext cx="1295400" cy="1295400"/>
-          </a:xfrm>
-          <a:prstGeom prst="rect">
-            <a:avLst/>
-          </a:prstGeom>
-        </p:spPr>
-      </p:pic>
-      <p:pic>
-        <p:nvPicPr>
-          <p:cNvPr id="20" name="Immagine 19" descr="Immagine che contiene testo, schermata, diagramma, Diagramma&#10;&#10;Descrizione generata automaticamente">
-            <a:extLst>
-              <a:ext uri="{FF2B5EF4-FFF2-40B4-BE49-F238E27FC236}">
-                <a16:creationId xmlns:a16="http://schemas.microsoft.com/office/drawing/2014/main" id="{E38084D5-F675-E35B-CF1B-C446F47CCC44}"/>
-              </a:ext>
-            </a:extLst>
-          </p:cNvPr>
-          <p:cNvPicPr>
-            <a:picLocks noChangeAspect="1"/>
-          </p:cNvPicPr>
-          <p:nvPr/>
-        </p:nvPicPr>
-        <p:blipFill>
-          <a:blip r:embed="rId8" cstate="print">
-            <a:extLst>
-              <a:ext uri="{28A0092B-C50C-407E-A947-70E740481C1C}">
-                <a14:useLocalDpi xmlns:a14="http://schemas.microsoft.com/office/drawing/2010/main" val="0"/>
-              </a:ext>
-            </a:extLst>
-          </a:blip>
-          <a:stretch>
-            <a:fillRect/>
-          </a:stretch>
-        </p:blipFill>
-        <p:spPr>
-          <a:xfrm>
-            <a:off x="770680" y="2053318"/>
-            <a:ext cx="1295400" cy="1295400"/>
-          </a:xfrm>
-          <a:prstGeom prst="rect">
-            <a:avLst/>
-          </a:prstGeom>
-        </p:spPr>
-      </p:pic>
-      <p:pic>
-        <p:nvPicPr>
-          <p:cNvPr id="22" name="Immagine 21" descr="Immagine che contiene testo, diagramma, schermata, Diagramma&#10;&#10;Descrizione generata automaticamente">
-            <a:extLst>
-              <a:ext uri="{FF2B5EF4-FFF2-40B4-BE49-F238E27FC236}">
-                <a16:creationId xmlns:a16="http://schemas.microsoft.com/office/drawing/2014/main" id="{5C4E5354-B0D4-8BB9-A8F1-C7D4AADE70DA}"/>
-              </a:ext>
-            </a:extLst>
-          </p:cNvPr>
-          <p:cNvPicPr>
-            <a:picLocks noChangeAspect="1"/>
-          </p:cNvPicPr>
-          <p:nvPr/>
-        </p:nvPicPr>
-        <p:blipFill>
-          <a:blip r:embed="rId9" cstate="print">
-            <a:extLst>
-              <a:ext uri="{28A0092B-C50C-407E-A947-70E740481C1C}">
-                <a14:useLocalDpi xmlns:a14="http://schemas.microsoft.com/office/drawing/2010/main" val="0"/>
-              </a:ext>
-            </a:extLst>
-          </a:blip>
-          <a:stretch>
-            <a:fillRect/>
-          </a:stretch>
-        </p:blipFill>
-        <p:spPr>
-          <a:xfrm>
-            <a:off x="2305050" y="2053318"/>
-            <a:ext cx="1295400" cy="1295400"/>
-          </a:xfrm>
-          <a:prstGeom prst="rect">
-            <a:avLst/>
-          </a:prstGeom>
-        </p:spPr>
-      </p:pic>
       <p:sp>
         <p:nvSpPr>
           <p:cNvPr id="15" name="object 11">
@@ -4383,6 +4928,42 @@
           </a:p>
         </p:txBody>
       </p:sp>
+      <p:pic>
+        <p:nvPicPr>
+          <p:cNvPr id="12" name="Immagine 11" descr="Immagine che contiene testo, diagramma&#10;&#10;Descrizione generata automaticamente">
+            <a:extLst>
+              <a:ext uri="{FF2B5EF4-FFF2-40B4-BE49-F238E27FC236}">
+                <a16:creationId xmlns:a16="http://schemas.microsoft.com/office/drawing/2014/main" id="{21A42C92-B3CE-2B2B-BDD5-2939D4E857E8}"/>
+              </a:ext>
+            </a:extLst>
+          </p:cNvPr>
+          <p:cNvPicPr>
+            <a:picLocks noChangeAspect="1"/>
+          </p:cNvPicPr>
+          <p:nvPr/>
+        </p:nvPicPr>
+        <p:blipFill>
+          <a:blip r:embed="rId5" cstate="print">
+            <a:extLst>
+              <a:ext uri="{28A0092B-C50C-407E-A947-70E740481C1C}">
+                <a14:useLocalDpi xmlns:a14="http://schemas.microsoft.com/office/drawing/2010/main" val="0"/>
+              </a:ext>
+            </a:extLst>
+          </a:blip>
+          <a:stretch>
+            <a:fillRect/>
+          </a:stretch>
+        </p:blipFill>
+        <p:spPr>
+          <a:xfrm>
+            <a:off x="933450" y="655232"/>
+            <a:ext cx="2644775" cy="2644775"/>
+          </a:xfrm>
+          <a:prstGeom prst="rect">
+            <a:avLst/>
+          </a:prstGeom>
+        </p:spPr>
+      </p:pic>
     </p:spTree>
     <p:extLst>
       <p:ext uri="{BB962C8B-B14F-4D97-AF65-F5344CB8AC3E}">
@@ -4399,7 +4980,3483 @@
 </p:sld>
 </file>
 
-<file path=ppt/slides/slide12.xml><?xml version="1.0" encoding="utf-8"?>
+<file path=ppt/slides/slide13.xml><?xml version="1.0" encoding="utf-8"?>
+<p:sld xmlns:a="http://schemas.openxmlformats.org/drawingml/2006/main" xmlns:r="http://schemas.openxmlformats.org/officeDocument/2006/relationships" xmlns:p="http://schemas.openxmlformats.org/presentationml/2006/main">
+  <p:cSld>
+    <p:spTree>
+      <p:nvGrpSpPr>
+        <p:cNvPr id="1" name="">
+          <a:extLst>
+            <a:ext uri="{FF2B5EF4-FFF2-40B4-BE49-F238E27FC236}">
+              <a16:creationId xmlns:a16="http://schemas.microsoft.com/office/drawing/2014/main" id="{C91E4CCF-8267-CC39-FCC8-1D2D052B904B}"/>
+            </a:ext>
+          </a:extLst>
+        </p:cNvPr>
+        <p:cNvGrpSpPr/>
+        <p:nvPr/>
+      </p:nvGrpSpPr>
+      <p:grpSpPr>
+        <a:xfrm>
+          <a:off x="0" y="0"/>
+          <a:ext cx="0" cy="0"/>
+          <a:chOff x="0" y="0"/>
+          <a:chExt cx="0" cy="0"/>
+        </a:xfrm>
+      </p:grpSpPr>
+      <p:sp>
+        <p:nvSpPr>
+          <p:cNvPr id="2" name="object 2">
+            <a:extLst>
+              <a:ext uri="{FF2B5EF4-FFF2-40B4-BE49-F238E27FC236}">
+                <a16:creationId xmlns:a16="http://schemas.microsoft.com/office/drawing/2014/main" id="{2EFA6C77-D643-A488-CDB6-150F6C4C2869}"/>
+              </a:ext>
+            </a:extLst>
+          </p:cNvPr>
+          <p:cNvSpPr txBox="1"/>
+          <p:nvPr/>
+        </p:nvSpPr>
+        <p:spPr>
+          <a:xfrm>
+            <a:off x="103924" y="14509"/>
+            <a:ext cx="1229995" cy="100027"/>
+          </a:xfrm>
+          <a:prstGeom prst="rect">
+            <a:avLst/>
+          </a:prstGeom>
+        </p:spPr>
+        <p:txBody>
+          <a:bodyPr vert="horz" wrap="square" lIns="0" tIns="15240" rIns="0" bIns="0" rtlCol="0">
+            <a:spAutoFit/>
+          </a:bodyPr>
+          <a:lstStyle/>
+          <a:p>
+            <a:pPr marL="12700">
+              <a:lnSpc>
+                <a:spcPct val="100000"/>
+              </a:lnSpc>
+              <a:spcBef>
+                <a:spcPts val="120"/>
+              </a:spcBef>
+            </a:pPr>
+            <a:r>
+              <a:rPr lang="it-IT" sz="550" spc="-30" dirty="0">
+                <a:solidFill>
+                  <a:srgbClr val="434D58"/>
+                </a:solidFill>
+                <a:latin typeface="Tahoma"/>
+                <a:cs typeface="Tahoma"/>
+              </a:rPr>
+              <a:t>Francesco Gigli</a:t>
+            </a:r>
+            <a:r>
+              <a:rPr lang="it-IT" sz="550" spc="-40" dirty="0">
+                <a:solidFill>
+                  <a:srgbClr val="434D58"/>
+                </a:solidFill>
+                <a:latin typeface="Tahoma"/>
+                <a:cs typeface="Tahoma"/>
+              </a:rPr>
+              <a:t>|</a:t>
+            </a:r>
+            <a:r>
+              <a:rPr lang="it-IT" sz="550" spc="-25" dirty="0">
+                <a:solidFill>
+                  <a:srgbClr val="434D58"/>
+                </a:solidFill>
+                <a:latin typeface="Tahoma"/>
+                <a:cs typeface="Tahoma"/>
+              </a:rPr>
+              <a:t> </a:t>
+            </a:r>
+            <a:r>
+              <a:rPr lang="it-IT" sz="550" spc="-10" dirty="0">
+                <a:solidFill>
+                  <a:srgbClr val="434D58"/>
+                </a:solidFill>
+                <a:latin typeface="Tahoma"/>
+                <a:cs typeface="Tahoma"/>
+                <a:hlinkClick r:id="rId2" action="ppaction://hlinksldjump"/>
+              </a:rPr>
+              <a:t>K-Means</a:t>
+            </a:r>
+            <a:endParaRPr lang="it-IT" sz="550" dirty="0">
+              <a:latin typeface="Tahoma"/>
+              <a:cs typeface="Tahoma"/>
+            </a:endParaRPr>
+          </a:p>
+        </p:txBody>
+      </p:sp>
+      <p:grpSp>
+        <p:nvGrpSpPr>
+          <p:cNvPr id="3" name="object 3">
+            <a:extLst>
+              <a:ext uri="{FF2B5EF4-FFF2-40B4-BE49-F238E27FC236}">
+                <a16:creationId xmlns:a16="http://schemas.microsoft.com/office/drawing/2014/main" id="{F8956AA6-DB4F-A589-6BDA-F5F1842176FA}"/>
+              </a:ext>
+            </a:extLst>
+          </p:cNvPr>
+          <p:cNvGrpSpPr/>
+          <p:nvPr/>
+        </p:nvGrpSpPr>
+        <p:grpSpPr>
+          <a:xfrm>
+            <a:off x="0" y="21616"/>
+            <a:ext cx="4608195" cy="660400"/>
+            <a:chOff x="0" y="21616"/>
+            <a:chExt cx="4608195" cy="660400"/>
+          </a:xfrm>
+        </p:grpSpPr>
+        <p:sp>
+          <p:nvSpPr>
+            <p:cNvPr id="4" name="object 4">
+              <a:extLst>
+                <a:ext uri="{FF2B5EF4-FFF2-40B4-BE49-F238E27FC236}">
+                  <a16:creationId xmlns:a16="http://schemas.microsoft.com/office/drawing/2014/main" id="{791A04E3-2BEB-046D-672B-FFC14A197478}"/>
+                </a:ext>
+              </a:extLst>
+            </p:cNvPr>
+            <p:cNvSpPr/>
+            <p:nvPr/>
+          </p:nvSpPr>
+          <p:spPr>
+            <a:xfrm>
+              <a:off x="0" y="146608"/>
+              <a:ext cx="4608195" cy="410209"/>
+            </a:xfrm>
+            <a:custGeom>
+              <a:avLst/>
+              <a:gdLst/>
+              <a:ahLst/>
+              <a:cxnLst/>
+              <a:rect l="l" t="t" r="r" b="b"/>
+              <a:pathLst>
+                <a:path w="4608195" h="410209">
+                  <a:moveTo>
+                    <a:pt x="0" y="0"/>
+                  </a:moveTo>
+                  <a:lnTo>
+                    <a:pt x="0" y="409948"/>
+                  </a:lnTo>
+                  <a:lnTo>
+                    <a:pt x="4608060" y="409948"/>
+                  </a:lnTo>
+                  <a:lnTo>
+                    <a:pt x="4608060" y="0"/>
+                  </a:lnTo>
+                  <a:lnTo>
+                    <a:pt x="0" y="0"/>
+                  </a:lnTo>
+                  <a:close/>
+                </a:path>
+              </a:pathLst>
+            </a:custGeom>
+            <a:solidFill>
+              <a:srgbClr val="002646"/>
+            </a:solidFill>
+          </p:spPr>
+          <p:txBody>
+            <a:bodyPr wrap="square" lIns="0" tIns="0" rIns="0" bIns="0" rtlCol="0"/>
+            <a:lstStyle/>
+            <a:p>
+              <a:endParaRPr/>
+            </a:p>
+          </p:txBody>
+        </p:sp>
+        <p:sp>
+          <p:nvSpPr>
+            <p:cNvPr id="5" name="object 5">
+              <a:extLst>
+                <a:ext uri="{FF2B5EF4-FFF2-40B4-BE49-F238E27FC236}">
+                  <a16:creationId xmlns:a16="http://schemas.microsoft.com/office/drawing/2014/main" id="{080D7787-CFDB-6DD3-720A-FC3DFFFBB528}"/>
+                </a:ext>
+              </a:extLst>
+            </p:cNvPr>
+            <p:cNvSpPr/>
+            <p:nvPr/>
+          </p:nvSpPr>
+          <p:spPr>
+            <a:xfrm>
+              <a:off x="3888725" y="21616"/>
+              <a:ext cx="660400" cy="660400"/>
+            </a:xfrm>
+            <a:custGeom>
+              <a:avLst/>
+              <a:gdLst/>
+              <a:ahLst/>
+              <a:cxnLst/>
+              <a:rect l="l" t="t" r="r" b="b"/>
+              <a:pathLst>
+                <a:path w="660400" h="660400">
+                  <a:moveTo>
+                    <a:pt x="329967" y="0"/>
+                  </a:moveTo>
+                  <a:lnTo>
+                    <a:pt x="281206" y="3577"/>
+                  </a:lnTo>
+                  <a:lnTo>
+                    <a:pt x="234667" y="13970"/>
+                  </a:lnTo>
+                  <a:lnTo>
+                    <a:pt x="190860" y="30667"/>
+                  </a:lnTo>
+                  <a:lnTo>
+                    <a:pt x="150295" y="53159"/>
+                  </a:lnTo>
+                  <a:lnTo>
+                    <a:pt x="113483" y="80934"/>
+                  </a:lnTo>
+                  <a:lnTo>
+                    <a:pt x="80934" y="113483"/>
+                  </a:lnTo>
+                  <a:lnTo>
+                    <a:pt x="53159" y="150295"/>
+                  </a:lnTo>
+                  <a:lnTo>
+                    <a:pt x="30667" y="190860"/>
+                  </a:lnTo>
+                  <a:lnTo>
+                    <a:pt x="13970" y="234667"/>
+                  </a:lnTo>
+                  <a:lnTo>
+                    <a:pt x="3577" y="281206"/>
+                  </a:lnTo>
+                  <a:lnTo>
+                    <a:pt x="0" y="329967"/>
+                  </a:lnTo>
+                  <a:lnTo>
+                    <a:pt x="3577" y="378727"/>
+                  </a:lnTo>
+                  <a:lnTo>
+                    <a:pt x="13970" y="425266"/>
+                  </a:lnTo>
+                  <a:lnTo>
+                    <a:pt x="30667" y="469073"/>
+                  </a:lnTo>
+                  <a:lnTo>
+                    <a:pt x="53159" y="509638"/>
+                  </a:lnTo>
+                  <a:lnTo>
+                    <a:pt x="80934" y="546450"/>
+                  </a:lnTo>
+                  <a:lnTo>
+                    <a:pt x="113483" y="578999"/>
+                  </a:lnTo>
+                  <a:lnTo>
+                    <a:pt x="150295" y="606774"/>
+                  </a:lnTo>
+                  <a:lnTo>
+                    <a:pt x="190860" y="629266"/>
+                  </a:lnTo>
+                  <a:lnTo>
+                    <a:pt x="234667" y="645963"/>
+                  </a:lnTo>
+                  <a:lnTo>
+                    <a:pt x="281206" y="656356"/>
+                  </a:lnTo>
+                  <a:lnTo>
+                    <a:pt x="329967" y="659934"/>
+                  </a:lnTo>
+                  <a:lnTo>
+                    <a:pt x="378727" y="656356"/>
+                  </a:lnTo>
+                  <a:lnTo>
+                    <a:pt x="425266" y="645963"/>
+                  </a:lnTo>
+                  <a:lnTo>
+                    <a:pt x="469074" y="629266"/>
+                  </a:lnTo>
+                  <a:lnTo>
+                    <a:pt x="509638" y="606774"/>
+                  </a:lnTo>
+                  <a:lnTo>
+                    <a:pt x="546450" y="578999"/>
+                  </a:lnTo>
+                  <a:lnTo>
+                    <a:pt x="578999" y="546450"/>
+                  </a:lnTo>
+                  <a:lnTo>
+                    <a:pt x="606775" y="509638"/>
+                  </a:lnTo>
+                  <a:lnTo>
+                    <a:pt x="629266" y="469073"/>
+                  </a:lnTo>
+                  <a:lnTo>
+                    <a:pt x="645964" y="425266"/>
+                  </a:lnTo>
+                  <a:lnTo>
+                    <a:pt x="656356" y="378727"/>
+                  </a:lnTo>
+                  <a:lnTo>
+                    <a:pt x="659934" y="329967"/>
+                  </a:lnTo>
+                  <a:lnTo>
+                    <a:pt x="656356" y="281206"/>
+                  </a:lnTo>
+                  <a:lnTo>
+                    <a:pt x="645964" y="234667"/>
+                  </a:lnTo>
+                  <a:lnTo>
+                    <a:pt x="629266" y="190860"/>
+                  </a:lnTo>
+                  <a:lnTo>
+                    <a:pt x="606775" y="150295"/>
+                  </a:lnTo>
+                  <a:lnTo>
+                    <a:pt x="578999" y="113483"/>
+                  </a:lnTo>
+                  <a:lnTo>
+                    <a:pt x="546450" y="80934"/>
+                  </a:lnTo>
+                  <a:lnTo>
+                    <a:pt x="509638" y="53159"/>
+                  </a:lnTo>
+                  <a:lnTo>
+                    <a:pt x="469074" y="30667"/>
+                  </a:lnTo>
+                  <a:lnTo>
+                    <a:pt x="425266" y="13970"/>
+                  </a:lnTo>
+                  <a:lnTo>
+                    <a:pt x="378727" y="3577"/>
+                  </a:lnTo>
+                  <a:lnTo>
+                    <a:pt x="329967" y="0"/>
+                  </a:lnTo>
+                  <a:close/>
+                </a:path>
+              </a:pathLst>
+            </a:custGeom>
+            <a:solidFill>
+              <a:srgbClr val="C1C1CC"/>
+            </a:solidFill>
+          </p:spPr>
+          <p:txBody>
+            <a:bodyPr wrap="square" lIns="0" tIns="0" rIns="0" bIns="0" rtlCol="0"/>
+            <a:lstStyle/>
+            <a:p>
+              <a:endParaRPr/>
+            </a:p>
+          </p:txBody>
+        </p:sp>
+        <p:pic>
+          <p:nvPicPr>
+            <p:cNvPr id="6" name="object 6">
+              <a:extLst>
+                <a:ext uri="{FF2B5EF4-FFF2-40B4-BE49-F238E27FC236}">
+                  <a16:creationId xmlns:a16="http://schemas.microsoft.com/office/drawing/2014/main" id="{7160B728-6066-9F95-F5BC-69FA3E0D9C98}"/>
+                </a:ext>
+              </a:extLst>
+            </p:cNvPr>
+            <p:cNvPicPr/>
+            <p:nvPr/>
+          </p:nvPicPr>
+          <p:blipFill>
+            <a:blip r:embed="rId3" cstate="print"/>
+            <a:stretch>
+              <a:fillRect/>
+            </a:stretch>
+          </p:blipFill>
+          <p:spPr>
+            <a:xfrm>
+              <a:off x="3948125" y="81016"/>
+              <a:ext cx="541133" cy="541133"/>
+            </a:xfrm>
+            <a:prstGeom prst="rect">
+              <a:avLst/>
+            </a:prstGeom>
+          </p:spPr>
+        </p:pic>
+        <p:sp>
+          <p:nvSpPr>
+            <p:cNvPr id="7" name="object 7">
+              <a:extLst>
+                <a:ext uri="{FF2B5EF4-FFF2-40B4-BE49-F238E27FC236}">
+                  <a16:creationId xmlns:a16="http://schemas.microsoft.com/office/drawing/2014/main" id="{DC21C34B-61CC-6C50-899B-E9FE37DF264A}"/>
+                </a:ext>
+              </a:extLst>
+            </p:cNvPr>
+            <p:cNvSpPr/>
+            <p:nvPr/>
+          </p:nvSpPr>
+          <p:spPr>
+            <a:xfrm>
+              <a:off x="3918425" y="91543"/>
+              <a:ext cx="600710" cy="560705"/>
+            </a:xfrm>
+            <a:custGeom>
+              <a:avLst/>
+              <a:gdLst/>
+              <a:ahLst/>
+              <a:cxnLst/>
+              <a:rect l="l" t="t" r="r" b="b"/>
+              <a:pathLst>
+                <a:path w="600710" h="560705">
+                  <a:moveTo>
+                    <a:pt x="600533" y="260039"/>
+                  </a:moveTo>
+                  <a:lnTo>
+                    <a:pt x="596603" y="308744"/>
+                  </a:lnTo>
+                  <a:lnTo>
+                    <a:pt x="585226" y="354947"/>
+                  </a:lnTo>
+                  <a:lnTo>
+                    <a:pt x="567018" y="398030"/>
+                  </a:lnTo>
+                  <a:lnTo>
+                    <a:pt x="542600" y="437373"/>
+                  </a:lnTo>
+                  <a:lnTo>
+                    <a:pt x="512588" y="472360"/>
+                  </a:lnTo>
+                  <a:lnTo>
+                    <a:pt x="477601" y="502372"/>
+                  </a:lnTo>
+                  <a:lnTo>
+                    <a:pt x="438257" y="526791"/>
+                  </a:lnTo>
+                  <a:lnTo>
+                    <a:pt x="395175" y="544998"/>
+                  </a:lnTo>
+                  <a:lnTo>
+                    <a:pt x="348972" y="556376"/>
+                  </a:lnTo>
+                  <a:lnTo>
+                    <a:pt x="300266" y="560306"/>
+                  </a:lnTo>
+                  <a:lnTo>
+                    <a:pt x="251561" y="556376"/>
+                  </a:lnTo>
+                  <a:lnTo>
+                    <a:pt x="205358" y="544998"/>
+                  </a:lnTo>
+                  <a:lnTo>
+                    <a:pt x="162276" y="526791"/>
+                  </a:lnTo>
+                  <a:lnTo>
+                    <a:pt x="122932" y="502372"/>
+                  </a:lnTo>
+                  <a:lnTo>
+                    <a:pt x="87945" y="472360"/>
+                  </a:lnTo>
+                  <a:lnTo>
+                    <a:pt x="57933" y="437373"/>
+                  </a:lnTo>
+                  <a:lnTo>
+                    <a:pt x="33514" y="398030"/>
+                  </a:lnTo>
+                  <a:lnTo>
+                    <a:pt x="15307" y="354947"/>
+                  </a:lnTo>
+                  <a:lnTo>
+                    <a:pt x="3929" y="308744"/>
+                  </a:lnTo>
+                  <a:lnTo>
+                    <a:pt x="0" y="260039"/>
+                  </a:lnTo>
+                  <a:lnTo>
+                    <a:pt x="4670" y="207257"/>
+                  </a:lnTo>
+                  <a:lnTo>
+                    <a:pt x="18280" y="156867"/>
+                  </a:lnTo>
+                  <a:lnTo>
+                    <a:pt x="40232" y="109907"/>
+                  </a:lnTo>
+                  <a:lnTo>
+                    <a:pt x="69924" y="67417"/>
+                  </a:lnTo>
+                  <a:lnTo>
+                    <a:pt x="106758" y="30435"/>
+                  </a:lnTo>
+                  <a:lnTo>
+                    <a:pt x="150133" y="0"/>
+                  </a:lnTo>
+                </a:path>
+              </a:pathLst>
+            </a:custGeom>
+            <a:ln w="29700">
+              <a:solidFill>
+                <a:srgbClr val="002646"/>
+              </a:solidFill>
+            </a:ln>
+          </p:spPr>
+          <p:txBody>
+            <a:bodyPr wrap="square" lIns="0" tIns="0" rIns="0" bIns="0" rtlCol="0"/>
+            <a:lstStyle/>
+            <a:p>
+              <a:endParaRPr/>
+            </a:p>
+          </p:txBody>
+        </p:sp>
+        <p:sp>
+          <p:nvSpPr>
+            <p:cNvPr id="8" name="object 8">
+              <a:extLst>
+                <a:ext uri="{FF2B5EF4-FFF2-40B4-BE49-F238E27FC236}">
+                  <a16:creationId xmlns:a16="http://schemas.microsoft.com/office/drawing/2014/main" id="{ECD93C11-A96C-72EB-03FA-F18D08463316}"/>
+                </a:ext>
+              </a:extLst>
+            </p:cNvPr>
+            <p:cNvSpPr/>
+            <p:nvPr/>
+          </p:nvSpPr>
+          <p:spPr>
+            <a:xfrm>
+              <a:off x="4053709" y="76693"/>
+              <a:ext cx="29845" cy="29845"/>
+            </a:xfrm>
+            <a:custGeom>
+              <a:avLst/>
+              <a:gdLst/>
+              <a:ahLst/>
+              <a:cxnLst/>
+              <a:rect l="l" t="t" r="r" b="b"/>
+              <a:pathLst>
+                <a:path w="29845" h="29844">
+                  <a:moveTo>
+                    <a:pt x="23051" y="0"/>
+                  </a:moveTo>
+                  <a:lnTo>
+                    <a:pt x="6648" y="0"/>
+                  </a:lnTo>
+                  <a:lnTo>
+                    <a:pt x="0" y="6648"/>
+                  </a:lnTo>
+                  <a:lnTo>
+                    <a:pt x="0" y="23051"/>
+                  </a:lnTo>
+                  <a:lnTo>
+                    <a:pt x="6648" y="29699"/>
+                  </a:lnTo>
+                  <a:lnTo>
+                    <a:pt x="23051" y="29699"/>
+                  </a:lnTo>
+                  <a:lnTo>
+                    <a:pt x="29699" y="23051"/>
+                  </a:lnTo>
+                  <a:lnTo>
+                    <a:pt x="29699" y="6648"/>
+                  </a:lnTo>
+                  <a:lnTo>
+                    <a:pt x="23051" y="0"/>
+                  </a:lnTo>
+                  <a:close/>
+                </a:path>
+              </a:pathLst>
+            </a:custGeom>
+            <a:solidFill>
+              <a:srgbClr val="002646"/>
+            </a:solidFill>
+          </p:spPr>
+          <p:txBody>
+            <a:bodyPr wrap="square" lIns="0" tIns="0" rIns="0" bIns="0" rtlCol="0"/>
+            <a:lstStyle/>
+            <a:p>
+              <a:endParaRPr/>
+            </a:p>
+          </p:txBody>
+        </p:sp>
+        <p:pic>
+          <p:nvPicPr>
+            <p:cNvPr id="9" name="object 9">
+              <a:extLst>
+                <a:ext uri="{FF2B5EF4-FFF2-40B4-BE49-F238E27FC236}">
+                  <a16:creationId xmlns:a16="http://schemas.microsoft.com/office/drawing/2014/main" id="{852328BC-39A7-466D-4EE0-44D8CEB221F7}"/>
+                </a:ext>
+              </a:extLst>
+            </p:cNvPr>
+            <p:cNvPicPr/>
+            <p:nvPr/>
+          </p:nvPicPr>
+          <p:blipFill>
+            <a:blip r:embed="rId4" cstate="print"/>
+            <a:stretch>
+              <a:fillRect/>
+            </a:stretch>
+          </p:blipFill>
+          <p:spPr>
+            <a:xfrm>
+              <a:off x="4454497" y="287121"/>
+              <a:ext cx="128923" cy="128923"/>
+            </a:xfrm>
+            <a:prstGeom prst="rect">
+              <a:avLst/>
+            </a:prstGeom>
+          </p:spPr>
+        </p:pic>
+      </p:grpSp>
+      <p:sp>
+        <p:nvSpPr>
+          <p:cNvPr id="10" name="object 10">
+            <a:extLst>
+              <a:ext uri="{FF2B5EF4-FFF2-40B4-BE49-F238E27FC236}">
+                <a16:creationId xmlns:a16="http://schemas.microsoft.com/office/drawing/2014/main" id="{E55108FE-658A-7DFA-F565-F3E1664B9DD1}"/>
+              </a:ext>
+            </a:extLst>
+          </p:cNvPr>
+          <p:cNvSpPr txBox="1"/>
+          <p:nvPr/>
+        </p:nvSpPr>
+        <p:spPr>
+          <a:xfrm>
+            <a:off x="4473930" y="287788"/>
+            <a:ext cx="90170" cy="113030"/>
+          </a:xfrm>
+          <a:prstGeom prst="rect">
+            <a:avLst/>
+          </a:prstGeom>
+        </p:spPr>
+        <p:txBody>
+          <a:bodyPr vert="horz" wrap="square" lIns="0" tIns="15240" rIns="0" bIns="0" rtlCol="0">
+            <a:spAutoFit/>
+          </a:bodyPr>
+          <a:lstStyle/>
+          <a:p>
+            <a:pPr marL="12700">
+              <a:lnSpc>
+                <a:spcPct val="100000"/>
+              </a:lnSpc>
+              <a:spcBef>
+                <a:spcPts val="120"/>
+              </a:spcBef>
+            </a:pPr>
+            <a:r>
+              <a:rPr sz="550" spc="-25" dirty="0">
+                <a:solidFill>
+                  <a:srgbClr val="002646"/>
+                </a:solidFill>
+                <a:latin typeface="Tahoma"/>
+                <a:cs typeface="Tahoma"/>
+              </a:rPr>
+              <a:t>10</a:t>
+            </a:r>
+            <a:endParaRPr sz="550">
+              <a:latin typeface="Tahoma"/>
+              <a:cs typeface="Tahoma"/>
+            </a:endParaRPr>
+          </a:p>
+        </p:txBody>
+      </p:sp>
+      <p:sp>
+        <p:nvSpPr>
+          <p:cNvPr id="15" name="object 11">
+            <a:extLst>
+              <a:ext uri="{FF2B5EF4-FFF2-40B4-BE49-F238E27FC236}">
+                <a16:creationId xmlns:a16="http://schemas.microsoft.com/office/drawing/2014/main" id="{AF747E87-CCB7-23ED-EBAA-7AB4E1FB9CCF}"/>
+              </a:ext>
+            </a:extLst>
+          </p:cNvPr>
+          <p:cNvSpPr txBox="1"/>
+          <p:nvPr/>
+        </p:nvSpPr>
+        <p:spPr>
+          <a:xfrm>
+            <a:off x="347294" y="131965"/>
+            <a:ext cx="2804795" cy="259045"/>
+          </a:xfrm>
+          <a:prstGeom prst="rect">
+            <a:avLst/>
+          </a:prstGeom>
+        </p:spPr>
+        <p:txBody>
+          <a:bodyPr vert="horz" wrap="square" lIns="0" tIns="12700" rIns="0" bIns="0" rtlCol="0">
+            <a:spAutoFit/>
+          </a:bodyPr>
+          <a:lstStyle/>
+          <a:p>
+            <a:pPr marL="12700">
+              <a:lnSpc>
+                <a:spcPct val="100000"/>
+              </a:lnSpc>
+              <a:spcBef>
+                <a:spcPts val="100"/>
+              </a:spcBef>
+            </a:pPr>
+            <a:r>
+              <a:rPr lang="it-IT" sz="1600" dirty="0" err="1">
+                <a:solidFill>
+                  <a:schemeClr val="bg1"/>
+                </a:solidFill>
+              </a:rPr>
+              <a:t>Experimental</a:t>
+            </a:r>
+            <a:r>
+              <a:rPr lang="it-IT" sz="1600" dirty="0">
+                <a:solidFill>
+                  <a:schemeClr val="bg1"/>
+                </a:solidFill>
+              </a:rPr>
+              <a:t> </a:t>
+            </a:r>
+            <a:r>
+              <a:rPr lang="it-IT" sz="1600" dirty="0" err="1">
+                <a:solidFill>
+                  <a:schemeClr val="bg1"/>
+                </a:solidFill>
+              </a:rPr>
+              <a:t>Visualization</a:t>
+            </a:r>
+            <a:endParaRPr lang="it-IT" sz="1650" dirty="0">
+              <a:solidFill>
+                <a:schemeClr val="bg1"/>
+              </a:solidFill>
+              <a:latin typeface="Tahoma"/>
+              <a:cs typeface="Tahoma"/>
+            </a:endParaRPr>
+          </a:p>
+        </p:txBody>
+      </p:sp>
+      <p:pic>
+        <p:nvPicPr>
+          <p:cNvPr id="12" name="Immagine 11" descr="Immagine che contiene testo, diagramma&#10;&#10;Descrizione generata automaticamente">
+            <a:extLst>
+              <a:ext uri="{FF2B5EF4-FFF2-40B4-BE49-F238E27FC236}">
+                <a16:creationId xmlns:a16="http://schemas.microsoft.com/office/drawing/2014/main" id="{9FAABE96-1D82-52E9-7A7D-62C22E68F820}"/>
+              </a:ext>
+            </a:extLst>
+          </p:cNvPr>
+          <p:cNvPicPr>
+            <a:picLocks noChangeAspect="1"/>
+          </p:cNvPicPr>
+          <p:nvPr/>
+        </p:nvPicPr>
+        <p:blipFill>
+          <a:blip r:embed="rId5" cstate="print">
+            <a:extLst>
+              <a:ext uri="{28A0092B-C50C-407E-A947-70E740481C1C}">
+                <a14:useLocalDpi xmlns:a14="http://schemas.microsoft.com/office/drawing/2010/main" val="0"/>
+              </a:ext>
+            </a:extLst>
+          </a:blip>
+          <a:stretch>
+            <a:fillRect/>
+          </a:stretch>
+        </p:blipFill>
+        <p:spPr>
+          <a:xfrm>
+            <a:off x="933450" y="655232"/>
+            <a:ext cx="2644775" cy="2644775"/>
+          </a:xfrm>
+          <a:prstGeom prst="rect">
+            <a:avLst/>
+          </a:prstGeom>
+        </p:spPr>
+      </p:pic>
+      <p:pic>
+        <p:nvPicPr>
+          <p:cNvPr id="16" name="Immagine 15" descr="Immagine che contiene testo, diagramma, schermata, linea&#10;&#10;Descrizione generata automaticamente">
+            <a:extLst>
+              <a:ext uri="{FF2B5EF4-FFF2-40B4-BE49-F238E27FC236}">
+                <a16:creationId xmlns:a16="http://schemas.microsoft.com/office/drawing/2014/main" id="{0AF83227-E3B2-E0BD-42F5-68F078B5C109}"/>
+              </a:ext>
+            </a:extLst>
+          </p:cNvPr>
+          <p:cNvPicPr>
+            <a:picLocks noChangeAspect="1"/>
+          </p:cNvPicPr>
+          <p:nvPr/>
+        </p:nvPicPr>
+        <p:blipFill>
+          <a:blip r:embed="rId6" cstate="print">
+            <a:extLst>
+              <a:ext uri="{28A0092B-C50C-407E-A947-70E740481C1C}">
+                <a14:useLocalDpi xmlns:a14="http://schemas.microsoft.com/office/drawing/2010/main" val="0"/>
+              </a:ext>
+            </a:extLst>
+          </a:blip>
+          <a:stretch>
+            <a:fillRect/>
+          </a:stretch>
+        </p:blipFill>
+        <p:spPr>
+          <a:xfrm>
+            <a:off x="933450" y="655518"/>
+            <a:ext cx="2617298" cy="2617298"/>
+          </a:xfrm>
+          <a:prstGeom prst="rect">
+            <a:avLst/>
+          </a:prstGeom>
+        </p:spPr>
+      </p:pic>
+    </p:spTree>
+    <p:extLst>
+      <p:ext uri="{BB962C8B-B14F-4D97-AF65-F5344CB8AC3E}">
+        <p14:creationId xmlns:p14="http://schemas.microsoft.com/office/powerpoint/2010/main" val="1289589972"/>
+      </p:ext>
+    </p:extLst>
+  </p:cSld>
+  <p:clrMapOvr>
+    <a:masterClrMapping/>
+  </p:clrMapOvr>
+  <p:transition>
+    <p:cut/>
+  </p:transition>
+</p:sld>
+</file>
+
+<file path=ppt/slides/slide14.xml><?xml version="1.0" encoding="utf-8"?>
+<p:sld xmlns:a="http://schemas.openxmlformats.org/drawingml/2006/main" xmlns:r="http://schemas.openxmlformats.org/officeDocument/2006/relationships" xmlns:p="http://schemas.openxmlformats.org/presentationml/2006/main">
+  <p:cSld>
+    <p:spTree>
+      <p:nvGrpSpPr>
+        <p:cNvPr id="1" name="">
+          <a:extLst>
+            <a:ext uri="{FF2B5EF4-FFF2-40B4-BE49-F238E27FC236}">
+              <a16:creationId xmlns:a16="http://schemas.microsoft.com/office/drawing/2014/main" id="{36C7B639-9899-BDBA-A3B5-2DD04C8CFFA2}"/>
+            </a:ext>
+          </a:extLst>
+        </p:cNvPr>
+        <p:cNvGrpSpPr/>
+        <p:nvPr/>
+      </p:nvGrpSpPr>
+      <p:grpSpPr>
+        <a:xfrm>
+          <a:off x="0" y="0"/>
+          <a:ext cx="0" cy="0"/>
+          <a:chOff x="0" y="0"/>
+          <a:chExt cx="0" cy="0"/>
+        </a:xfrm>
+      </p:grpSpPr>
+      <p:sp>
+        <p:nvSpPr>
+          <p:cNvPr id="2" name="object 2">
+            <a:extLst>
+              <a:ext uri="{FF2B5EF4-FFF2-40B4-BE49-F238E27FC236}">
+                <a16:creationId xmlns:a16="http://schemas.microsoft.com/office/drawing/2014/main" id="{2B9239D2-D4DC-9B1A-D954-1BE0C9CCA7CE}"/>
+              </a:ext>
+            </a:extLst>
+          </p:cNvPr>
+          <p:cNvSpPr txBox="1"/>
+          <p:nvPr/>
+        </p:nvSpPr>
+        <p:spPr>
+          <a:xfrm>
+            <a:off x="103924" y="14509"/>
+            <a:ext cx="1229995" cy="100027"/>
+          </a:xfrm>
+          <a:prstGeom prst="rect">
+            <a:avLst/>
+          </a:prstGeom>
+        </p:spPr>
+        <p:txBody>
+          <a:bodyPr vert="horz" wrap="square" lIns="0" tIns="15240" rIns="0" bIns="0" rtlCol="0">
+            <a:spAutoFit/>
+          </a:bodyPr>
+          <a:lstStyle/>
+          <a:p>
+            <a:pPr marL="12700">
+              <a:lnSpc>
+                <a:spcPct val="100000"/>
+              </a:lnSpc>
+              <a:spcBef>
+                <a:spcPts val="120"/>
+              </a:spcBef>
+            </a:pPr>
+            <a:r>
+              <a:rPr lang="it-IT" sz="550" spc="-30" dirty="0">
+                <a:solidFill>
+                  <a:srgbClr val="434D58"/>
+                </a:solidFill>
+                <a:latin typeface="Tahoma"/>
+                <a:cs typeface="Tahoma"/>
+              </a:rPr>
+              <a:t>Francesco Gigli</a:t>
+            </a:r>
+            <a:r>
+              <a:rPr lang="it-IT" sz="550" spc="-40" dirty="0">
+                <a:solidFill>
+                  <a:srgbClr val="434D58"/>
+                </a:solidFill>
+                <a:latin typeface="Tahoma"/>
+                <a:cs typeface="Tahoma"/>
+              </a:rPr>
+              <a:t>|</a:t>
+            </a:r>
+            <a:r>
+              <a:rPr lang="it-IT" sz="550" spc="-25" dirty="0">
+                <a:solidFill>
+                  <a:srgbClr val="434D58"/>
+                </a:solidFill>
+                <a:latin typeface="Tahoma"/>
+                <a:cs typeface="Tahoma"/>
+              </a:rPr>
+              <a:t> </a:t>
+            </a:r>
+            <a:r>
+              <a:rPr lang="it-IT" sz="550" spc="-10" dirty="0">
+                <a:solidFill>
+                  <a:srgbClr val="434D58"/>
+                </a:solidFill>
+                <a:latin typeface="Tahoma"/>
+                <a:cs typeface="Tahoma"/>
+                <a:hlinkClick r:id="rId2" action="ppaction://hlinksldjump"/>
+              </a:rPr>
+              <a:t>K-Means</a:t>
+            </a:r>
+            <a:endParaRPr lang="it-IT" sz="550" dirty="0">
+              <a:latin typeface="Tahoma"/>
+              <a:cs typeface="Tahoma"/>
+            </a:endParaRPr>
+          </a:p>
+        </p:txBody>
+      </p:sp>
+      <p:grpSp>
+        <p:nvGrpSpPr>
+          <p:cNvPr id="3" name="object 3">
+            <a:extLst>
+              <a:ext uri="{FF2B5EF4-FFF2-40B4-BE49-F238E27FC236}">
+                <a16:creationId xmlns:a16="http://schemas.microsoft.com/office/drawing/2014/main" id="{E46B2DB8-0213-46BC-9719-582F27C1589F}"/>
+              </a:ext>
+            </a:extLst>
+          </p:cNvPr>
+          <p:cNvGrpSpPr/>
+          <p:nvPr/>
+        </p:nvGrpSpPr>
+        <p:grpSpPr>
+          <a:xfrm>
+            <a:off x="0" y="21616"/>
+            <a:ext cx="4608195" cy="660400"/>
+            <a:chOff x="0" y="21616"/>
+            <a:chExt cx="4608195" cy="660400"/>
+          </a:xfrm>
+        </p:grpSpPr>
+        <p:sp>
+          <p:nvSpPr>
+            <p:cNvPr id="4" name="object 4">
+              <a:extLst>
+                <a:ext uri="{FF2B5EF4-FFF2-40B4-BE49-F238E27FC236}">
+                  <a16:creationId xmlns:a16="http://schemas.microsoft.com/office/drawing/2014/main" id="{8ED53BA0-D66A-1036-AE5E-38361390EE87}"/>
+                </a:ext>
+              </a:extLst>
+            </p:cNvPr>
+            <p:cNvSpPr/>
+            <p:nvPr/>
+          </p:nvSpPr>
+          <p:spPr>
+            <a:xfrm>
+              <a:off x="0" y="146608"/>
+              <a:ext cx="4608195" cy="410209"/>
+            </a:xfrm>
+            <a:custGeom>
+              <a:avLst/>
+              <a:gdLst/>
+              <a:ahLst/>
+              <a:cxnLst/>
+              <a:rect l="l" t="t" r="r" b="b"/>
+              <a:pathLst>
+                <a:path w="4608195" h="410209">
+                  <a:moveTo>
+                    <a:pt x="0" y="0"/>
+                  </a:moveTo>
+                  <a:lnTo>
+                    <a:pt x="0" y="409948"/>
+                  </a:lnTo>
+                  <a:lnTo>
+                    <a:pt x="4608060" y="409948"/>
+                  </a:lnTo>
+                  <a:lnTo>
+                    <a:pt x="4608060" y="0"/>
+                  </a:lnTo>
+                  <a:lnTo>
+                    <a:pt x="0" y="0"/>
+                  </a:lnTo>
+                  <a:close/>
+                </a:path>
+              </a:pathLst>
+            </a:custGeom>
+            <a:solidFill>
+              <a:srgbClr val="002646"/>
+            </a:solidFill>
+          </p:spPr>
+          <p:txBody>
+            <a:bodyPr wrap="square" lIns="0" tIns="0" rIns="0" bIns="0" rtlCol="0"/>
+            <a:lstStyle/>
+            <a:p>
+              <a:endParaRPr/>
+            </a:p>
+          </p:txBody>
+        </p:sp>
+        <p:sp>
+          <p:nvSpPr>
+            <p:cNvPr id="5" name="object 5">
+              <a:extLst>
+                <a:ext uri="{FF2B5EF4-FFF2-40B4-BE49-F238E27FC236}">
+                  <a16:creationId xmlns:a16="http://schemas.microsoft.com/office/drawing/2014/main" id="{13A2B198-510E-790E-575C-A1CB1088D7D5}"/>
+                </a:ext>
+              </a:extLst>
+            </p:cNvPr>
+            <p:cNvSpPr/>
+            <p:nvPr/>
+          </p:nvSpPr>
+          <p:spPr>
+            <a:xfrm>
+              <a:off x="3888725" y="21616"/>
+              <a:ext cx="660400" cy="660400"/>
+            </a:xfrm>
+            <a:custGeom>
+              <a:avLst/>
+              <a:gdLst/>
+              <a:ahLst/>
+              <a:cxnLst/>
+              <a:rect l="l" t="t" r="r" b="b"/>
+              <a:pathLst>
+                <a:path w="660400" h="660400">
+                  <a:moveTo>
+                    <a:pt x="329967" y="0"/>
+                  </a:moveTo>
+                  <a:lnTo>
+                    <a:pt x="281206" y="3577"/>
+                  </a:lnTo>
+                  <a:lnTo>
+                    <a:pt x="234667" y="13970"/>
+                  </a:lnTo>
+                  <a:lnTo>
+                    <a:pt x="190860" y="30667"/>
+                  </a:lnTo>
+                  <a:lnTo>
+                    <a:pt x="150295" y="53159"/>
+                  </a:lnTo>
+                  <a:lnTo>
+                    <a:pt x="113483" y="80934"/>
+                  </a:lnTo>
+                  <a:lnTo>
+                    <a:pt x="80934" y="113483"/>
+                  </a:lnTo>
+                  <a:lnTo>
+                    <a:pt x="53159" y="150295"/>
+                  </a:lnTo>
+                  <a:lnTo>
+                    <a:pt x="30667" y="190860"/>
+                  </a:lnTo>
+                  <a:lnTo>
+                    <a:pt x="13970" y="234667"/>
+                  </a:lnTo>
+                  <a:lnTo>
+                    <a:pt x="3577" y="281206"/>
+                  </a:lnTo>
+                  <a:lnTo>
+                    <a:pt x="0" y="329967"/>
+                  </a:lnTo>
+                  <a:lnTo>
+                    <a:pt x="3577" y="378727"/>
+                  </a:lnTo>
+                  <a:lnTo>
+                    <a:pt x="13970" y="425266"/>
+                  </a:lnTo>
+                  <a:lnTo>
+                    <a:pt x="30667" y="469073"/>
+                  </a:lnTo>
+                  <a:lnTo>
+                    <a:pt x="53159" y="509638"/>
+                  </a:lnTo>
+                  <a:lnTo>
+                    <a:pt x="80934" y="546450"/>
+                  </a:lnTo>
+                  <a:lnTo>
+                    <a:pt x="113483" y="578999"/>
+                  </a:lnTo>
+                  <a:lnTo>
+                    <a:pt x="150295" y="606774"/>
+                  </a:lnTo>
+                  <a:lnTo>
+                    <a:pt x="190860" y="629266"/>
+                  </a:lnTo>
+                  <a:lnTo>
+                    <a:pt x="234667" y="645963"/>
+                  </a:lnTo>
+                  <a:lnTo>
+                    <a:pt x="281206" y="656356"/>
+                  </a:lnTo>
+                  <a:lnTo>
+                    <a:pt x="329967" y="659934"/>
+                  </a:lnTo>
+                  <a:lnTo>
+                    <a:pt x="378727" y="656356"/>
+                  </a:lnTo>
+                  <a:lnTo>
+                    <a:pt x="425266" y="645963"/>
+                  </a:lnTo>
+                  <a:lnTo>
+                    <a:pt x="469074" y="629266"/>
+                  </a:lnTo>
+                  <a:lnTo>
+                    <a:pt x="509638" y="606774"/>
+                  </a:lnTo>
+                  <a:lnTo>
+                    <a:pt x="546450" y="578999"/>
+                  </a:lnTo>
+                  <a:lnTo>
+                    <a:pt x="578999" y="546450"/>
+                  </a:lnTo>
+                  <a:lnTo>
+                    <a:pt x="606775" y="509638"/>
+                  </a:lnTo>
+                  <a:lnTo>
+                    <a:pt x="629266" y="469073"/>
+                  </a:lnTo>
+                  <a:lnTo>
+                    <a:pt x="645964" y="425266"/>
+                  </a:lnTo>
+                  <a:lnTo>
+                    <a:pt x="656356" y="378727"/>
+                  </a:lnTo>
+                  <a:lnTo>
+                    <a:pt x="659934" y="329967"/>
+                  </a:lnTo>
+                  <a:lnTo>
+                    <a:pt x="656356" y="281206"/>
+                  </a:lnTo>
+                  <a:lnTo>
+                    <a:pt x="645964" y="234667"/>
+                  </a:lnTo>
+                  <a:lnTo>
+                    <a:pt x="629266" y="190860"/>
+                  </a:lnTo>
+                  <a:lnTo>
+                    <a:pt x="606775" y="150295"/>
+                  </a:lnTo>
+                  <a:lnTo>
+                    <a:pt x="578999" y="113483"/>
+                  </a:lnTo>
+                  <a:lnTo>
+                    <a:pt x="546450" y="80934"/>
+                  </a:lnTo>
+                  <a:lnTo>
+                    <a:pt x="509638" y="53159"/>
+                  </a:lnTo>
+                  <a:lnTo>
+                    <a:pt x="469074" y="30667"/>
+                  </a:lnTo>
+                  <a:lnTo>
+                    <a:pt x="425266" y="13970"/>
+                  </a:lnTo>
+                  <a:lnTo>
+                    <a:pt x="378727" y="3577"/>
+                  </a:lnTo>
+                  <a:lnTo>
+                    <a:pt x="329967" y="0"/>
+                  </a:lnTo>
+                  <a:close/>
+                </a:path>
+              </a:pathLst>
+            </a:custGeom>
+            <a:solidFill>
+              <a:srgbClr val="C1C1CC"/>
+            </a:solidFill>
+          </p:spPr>
+          <p:txBody>
+            <a:bodyPr wrap="square" lIns="0" tIns="0" rIns="0" bIns="0" rtlCol="0"/>
+            <a:lstStyle/>
+            <a:p>
+              <a:endParaRPr/>
+            </a:p>
+          </p:txBody>
+        </p:sp>
+        <p:pic>
+          <p:nvPicPr>
+            <p:cNvPr id="6" name="object 6">
+              <a:extLst>
+                <a:ext uri="{FF2B5EF4-FFF2-40B4-BE49-F238E27FC236}">
+                  <a16:creationId xmlns:a16="http://schemas.microsoft.com/office/drawing/2014/main" id="{214B51C2-009E-AFE2-E65B-7C3842C8A883}"/>
+                </a:ext>
+              </a:extLst>
+            </p:cNvPr>
+            <p:cNvPicPr/>
+            <p:nvPr/>
+          </p:nvPicPr>
+          <p:blipFill>
+            <a:blip r:embed="rId3" cstate="print"/>
+            <a:stretch>
+              <a:fillRect/>
+            </a:stretch>
+          </p:blipFill>
+          <p:spPr>
+            <a:xfrm>
+              <a:off x="3948125" y="81016"/>
+              <a:ext cx="541133" cy="541133"/>
+            </a:xfrm>
+            <a:prstGeom prst="rect">
+              <a:avLst/>
+            </a:prstGeom>
+          </p:spPr>
+        </p:pic>
+        <p:sp>
+          <p:nvSpPr>
+            <p:cNvPr id="7" name="object 7">
+              <a:extLst>
+                <a:ext uri="{FF2B5EF4-FFF2-40B4-BE49-F238E27FC236}">
+                  <a16:creationId xmlns:a16="http://schemas.microsoft.com/office/drawing/2014/main" id="{9272AD8E-8568-3EC0-7649-DB03FA1D44FD}"/>
+                </a:ext>
+              </a:extLst>
+            </p:cNvPr>
+            <p:cNvSpPr/>
+            <p:nvPr/>
+          </p:nvSpPr>
+          <p:spPr>
+            <a:xfrm>
+              <a:off x="3918425" y="91543"/>
+              <a:ext cx="600710" cy="560705"/>
+            </a:xfrm>
+            <a:custGeom>
+              <a:avLst/>
+              <a:gdLst/>
+              <a:ahLst/>
+              <a:cxnLst/>
+              <a:rect l="l" t="t" r="r" b="b"/>
+              <a:pathLst>
+                <a:path w="600710" h="560705">
+                  <a:moveTo>
+                    <a:pt x="600533" y="260039"/>
+                  </a:moveTo>
+                  <a:lnTo>
+                    <a:pt x="596603" y="308744"/>
+                  </a:lnTo>
+                  <a:lnTo>
+                    <a:pt x="585226" y="354947"/>
+                  </a:lnTo>
+                  <a:lnTo>
+                    <a:pt x="567018" y="398030"/>
+                  </a:lnTo>
+                  <a:lnTo>
+                    <a:pt x="542600" y="437373"/>
+                  </a:lnTo>
+                  <a:lnTo>
+                    <a:pt x="512588" y="472360"/>
+                  </a:lnTo>
+                  <a:lnTo>
+                    <a:pt x="477601" y="502372"/>
+                  </a:lnTo>
+                  <a:lnTo>
+                    <a:pt x="438257" y="526791"/>
+                  </a:lnTo>
+                  <a:lnTo>
+                    <a:pt x="395175" y="544998"/>
+                  </a:lnTo>
+                  <a:lnTo>
+                    <a:pt x="348972" y="556376"/>
+                  </a:lnTo>
+                  <a:lnTo>
+                    <a:pt x="300266" y="560306"/>
+                  </a:lnTo>
+                  <a:lnTo>
+                    <a:pt x="251561" y="556376"/>
+                  </a:lnTo>
+                  <a:lnTo>
+                    <a:pt x="205358" y="544998"/>
+                  </a:lnTo>
+                  <a:lnTo>
+                    <a:pt x="162276" y="526791"/>
+                  </a:lnTo>
+                  <a:lnTo>
+                    <a:pt x="122932" y="502372"/>
+                  </a:lnTo>
+                  <a:lnTo>
+                    <a:pt x="87945" y="472360"/>
+                  </a:lnTo>
+                  <a:lnTo>
+                    <a:pt x="57933" y="437373"/>
+                  </a:lnTo>
+                  <a:lnTo>
+                    <a:pt x="33514" y="398030"/>
+                  </a:lnTo>
+                  <a:lnTo>
+                    <a:pt x="15307" y="354947"/>
+                  </a:lnTo>
+                  <a:lnTo>
+                    <a:pt x="3929" y="308744"/>
+                  </a:lnTo>
+                  <a:lnTo>
+                    <a:pt x="0" y="260039"/>
+                  </a:lnTo>
+                  <a:lnTo>
+                    <a:pt x="4670" y="207257"/>
+                  </a:lnTo>
+                  <a:lnTo>
+                    <a:pt x="18280" y="156867"/>
+                  </a:lnTo>
+                  <a:lnTo>
+                    <a:pt x="40232" y="109907"/>
+                  </a:lnTo>
+                  <a:lnTo>
+                    <a:pt x="69924" y="67417"/>
+                  </a:lnTo>
+                  <a:lnTo>
+                    <a:pt x="106758" y="30435"/>
+                  </a:lnTo>
+                  <a:lnTo>
+                    <a:pt x="150133" y="0"/>
+                  </a:lnTo>
+                </a:path>
+              </a:pathLst>
+            </a:custGeom>
+            <a:ln w="29700">
+              <a:solidFill>
+                <a:srgbClr val="002646"/>
+              </a:solidFill>
+            </a:ln>
+          </p:spPr>
+          <p:txBody>
+            <a:bodyPr wrap="square" lIns="0" tIns="0" rIns="0" bIns="0" rtlCol="0"/>
+            <a:lstStyle/>
+            <a:p>
+              <a:endParaRPr/>
+            </a:p>
+          </p:txBody>
+        </p:sp>
+        <p:sp>
+          <p:nvSpPr>
+            <p:cNvPr id="8" name="object 8">
+              <a:extLst>
+                <a:ext uri="{FF2B5EF4-FFF2-40B4-BE49-F238E27FC236}">
+                  <a16:creationId xmlns:a16="http://schemas.microsoft.com/office/drawing/2014/main" id="{49CD35A1-C901-620C-155D-570DA79F5297}"/>
+                </a:ext>
+              </a:extLst>
+            </p:cNvPr>
+            <p:cNvSpPr/>
+            <p:nvPr/>
+          </p:nvSpPr>
+          <p:spPr>
+            <a:xfrm>
+              <a:off x="4053709" y="76693"/>
+              <a:ext cx="29845" cy="29845"/>
+            </a:xfrm>
+            <a:custGeom>
+              <a:avLst/>
+              <a:gdLst/>
+              <a:ahLst/>
+              <a:cxnLst/>
+              <a:rect l="l" t="t" r="r" b="b"/>
+              <a:pathLst>
+                <a:path w="29845" h="29844">
+                  <a:moveTo>
+                    <a:pt x="23051" y="0"/>
+                  </a:moveTo>
+                  <a:lnTo>
+                    <a:pt x="6648" y="0"/>
+                  </a:lnTo>
+                  <a:lnTo>
+                    <a:pt x="0" y="6648"/>
+                  </a:lnTo>
+                  <a:lnTo>
+                    <a:pt x="0" y="23051"/>
+                  </a:lnTo>
+                  <a:lnTo>
+                    <a:pt x="6648" y="29699"/>
+                  </a:lnTo>
+                  <a:lnTo>
+                    <a:pt x="23051" y="29699"/>
+                  </a:lnTo>
+                  <a:lnTo>
+                    <a:pt x="29699" y="23051"/>
+                  </a:lnTo>
+                  <a:lnTo>
+                    <a:pt x="29699" y="6648"/>
+                  </a:lnTo>
+                  <a:lnTo>
+                    <a:pt x="23051" y="0"/>
+                  </a:lnTo>
+                  <a:close/>
+                </a:path>
+              </a:pathLst>
+            </a:custGeom>
+            <a:solidFill>
+              <a:srgbClr val="002646"/>
+            </a:solidFill>
+          </p:spPr>
+          <p:txBody>
+            <a:bodyPr wrap="square" lIns="0" tIns="0" rIns="0" bIns="0" rtlCol="0"/>
+            <a:lstStyle/>
+            <a:p>
+              <a:endParaRPr/>
+            </a:p>
+          </p:txBody>
+        </p:sp>
+        <p:pic>
+          <p:nvPicPr>
+            <p:cNvPr id="9" name="object 9">
+              <a:extLst>
+                <a:ext uri="{FF2B5EF4-FFF2-40B4-BE49-F238E27FC236}">
+                  <a16:creationId xmlns:a16="http://schemas.microsoft.com/office/drawing/2014/main" id="{C5686F5C-13E4-2482-36AB-DD20070A1E80}"/>
+                </a:ext>
+              </a:extLst>
+            </p:cNvPr>
+            <p:cNvPicPr/>
+            <p:nvPr/>
+          </p:nvPicPr>
+          <p:blipFill>
+            <a:blip r:embed="rId4" cstate="print"/>
+            <a:stretch>
+              <a:fillRect/>
+            </a:stretch>
+          </p:blipFill>
+          <p:spPr>
+            <a:xfrm>
+              <a:off x="4454497" y="287121"/>
+              <a:ext cx="128923" cy="128923"/>
+            </a:xfrm>
+            <a:prstGeom prst="rect">
+              <a:avLst/>
+            </a:prstGeom>
+          </p:spPr>
+        </p:pic>
+      </p:grpSp>
+      <p:sp>
+        <p:nvSpPr>
+          <p:cNvPr id="10" name="object 10">
+            <a:extLst>
+              <a:ext uri="{FF2B5EF4-FFF2-40B4-BE49-F238E27FC236}">
+                <a16:creationId xmlns:a16="http://schemas.microsoft.com/office/drawing/2014/main" id="{C74B2A0F-EE03-FB91-253C-0D3CBFC68848}"/>
+              </a:ext>
+            </a:extLst>
+          </p:cNvPr>
+          <p:cNvSpPr txBox="1"/>
+          <p:nvPr/>
+        </p:nvSpPr>
+        <p:spPr>
+          <a:xfrm>
+            <a:off x="4473930" y="287788"/>
+            <a:ext cx="90170" cy="113030"/>
+          </a:xfrm>
+          <a:prstGeom prst="rect">
+            <a:avLst/>
+          </a:prstGeom>
+        </p:spPr>
+        <p:txBody>
+          <a:bodyPr vert="horz" wrap="square" lIns="0" tIns="15240" rIns="0" bIns="0" rtlCol="0">
+            <a:spAutoFit/>
+          </a:bodyPr>
+          <a:lstStyle/>
+          <a:p>
+            <a:pPr marL="12700">
+              <a:lnSpc>
+                <a:spcPct val="100000"/>
+              </a:lnSpc>
+              <a:spcBef>
+                <a:spcPts val="120"/>
+              </a:spcBef>
+            </a:pPr>
+            <a:r>
+              <a:rPr sz="550" spc="-25" dirty="0">
+                <a:solidFill>
+                  <a:srgbClr val="002646"/>
+                </a:solidFill>
+                <a:latin typeface="Tahoma"/>
+                <a:cs typeface="Tahoma"/>
+              </a:rPr>
+              <a:t>10</a:t>
+            </a:r>
+            <a:endParaRPr sz="550">
+              <a:latin typeface="Tahoma"/>
+              <a:cs typeface="Tahoma"/>
+            </a:endParaRPr>
+          </a:p>
+        </p:txBody>
+      </p:sp>
+      <p:sp>
+        <p:nvSpPr>
+          <p:cNvPr id="15" name="object 11">
+            <a:extLst>
+              <a:ext uri="{FF2B5EF4-FFF2-40B4-BE49-F238E27FC236}">
+                <a16:creationId xmlns:a16="http://schemas.microsoft.com/office/drawing/2014/main" id="{F4F52547-ACC6-4291-E61F-0C515A555C22}"/>
+              </a:ext>
+            </a:extLst>
+          </p:cNvPr>
+          <p:cNvSpPr txBox="1"/>
+          <p:nvPr/>
+        </p:nvSpPr>
+        <p:spPr>
+          <a:xfrm>
+            <a:off x="347294" y="131965"/>
+            <a:ext cx="2804795" cy="259045"/>
+          </a:xfrm>
+          <a:prstGeom prst="rect">
+            <a:avLst/>
+          </a:prstGeom>
+        </p:spPr>
+        <p:txBody>
+          <a:bodyPr vert="horz" wrap="square" lIns="0" tIns="12700" rIns="0" bIns="0" rtlCol="0">
+            <a:spAutoFit/>
+          </a:bodyPr>
+          <a:lstStyle/>
+          <a:p>
+            <a:pPr marL="12700">
+              <a:lnSpc>
+                <a:spcPct val="100000"/>
+              </a:lnSpc>
+              <a:spcBef>
+                <a:spcPts val="100"/>
+              </a:spcBef>
+            </a:pPr>
+            <a:r>
+              <a:rPr lang="it-IT" sz="1600" dirty="0" err="1">
+                <a:solidFill>
+                  <a:schemeClr val="bg1"/>
+                </a:solidFill>
+              </a:rPr>
+              <a:t>Experimental</a:t>
+            </a:r>
+            <a:r>
+              <a:rPr lang="it-IT" sz="1600" dirty="0">
+                <a:solidFill>
+                  <a:schemeClr val="bg1"/>
+                </a:solidFill>
+              </a:rPr>
+              <a:t> </a:t>
+            </a:r>
+            <a:r>
+              <a:rPr lang="it-IT" sz="1600" dirty="0" err="1">
+                <a:solidFill>
+                  <a:schemeClr val="bg1"/>
+                </a:solidFill>
+              </a:rPr>
+              <a:t>Visualization</a:t>
+            </a:r>
+            <a:endParaRPr lang="it-IT" sz="1650" dirty="0">
+              <a:solidFill>
+                <a:schemeClr val="bg1"/>
+              </a:solidFill>
+              <a:latin typeface="Tahoma"/>
+              <a:cs typeface="Tahoma"/>
+            </a:endParaRPr>
+          </a:p>
+        </p:txBody>
+      </p:sp>
+      <p:pic>
+        <p:nvPicPr>
+          <p:cNvPr id="12" name="Immagine 11" descr="Immagine che contiene testo, diagramma&#10;&#10;Descrizione generata automaticamente">
+            <a:extLst>
+              <a:ext uri="{FF2B5EF4-FFF2-40B4-BE49-F238E27FC236}">
+                <a16:creationId xmlns:a16="http://schemas.microsoft.com/office/drawing/2014/main" id="{2A321A5E-4B98-697E-ADCE-13E2A83A0D61}"/>
+              </a:ext>
+            </a:extLst>
+          </p:cNvPr>
+          <p:cNvPicPr>
+            <a:picLocks noChangeAspect="1"/>
+          </p:cNvPicPr>
+          <p:nvPr/>
+        </p:nvPicPr>
+        <p:blipFill>
+          <a:blip r:embed="rId5" cstate="print">
+            <a:extLst>
+              <a:ext uri="{28A0092B-C50C-407E-A947-70E740481C1C}">
+                <a14:useLocalDpi xmlns:a14="http://schemas.microsoft.com/office/drawing/2010/main" val="0"/>
+              </a:ext>
+            </a:extLst>
+          </a:blip>
+          <a:stretch>
+            <a:fillRect/>
+          </a:stretch>
+        </p:blipFill>
+        <p:spPr>
+          <a:xfrm>
+            <a:off x="933450" y="655232"/>
+            <a:ext cx="2644775" cy="2644775"/>
+          </a:xfrm>
+          <a:prstGeom prst="rect">
+            <a:avLst/>
+          </a:prstGeom>
+        </p:spPr>
+      </p:pic>
+      <p:pic>
+        <p:nvPicPr>
+          <p:cNvPr id="16" name="Immagine 15" descr="Immagine che contiene testo, diagramma, schermata, linea&#10;&#10;Descrizione generata automaticamente">
+            <a:extLst>
+              <a:ext uri="{FF2B5EF4-FFF2-40B4-BE49-F238E27FC236}">
+                <a16:creationId xmlns:a16="http://schemas.microsoft.com/office/drawing/2014/main" id="{D2E7BDC0-EF48-9C40-D8C1-B339A61D5BAD}"/>
+              </a:ext>
+            </a:extLst>
+          </p:cNvPr>
+          <p:cNvPicPr>
+            <a:picLocks noChangeAspect="1"/>
+          </p:cNvPicPr>
+          <p:nvPr/>
+        </p:nvPicPr>
+        <p:blipFill>
+          <a:blip r:embed="rId6" cstate="print">
+            <a:extLst>
+              <a:ext uri="{28A0092B-C50C-407E-A947-70E740481C1C}">
+                <a14:useLocalDpi xmlns:a14="http://schemas.microsoft.com/office/drawing/2010/main" val="0"/>
+              </a:ext>
+            </a:extLst>
+          </a:blip>
+          <a:stretch>
+            <a:fillRect/>
+          </a:stretch>
+        </p:blipFill>
+        <p:spPr>
+          <a:xfrm>
+            <a:off x="933450" y="655518"/>
+            <a:ext cx="2617298" cy="2617298"/>
+          </a:xfrm>
+          <a:prstGeom prst="rect">
+            <a:avLst/>
+          </a:prstGeom>
+        </p:spPr>
+      </p:pic>
+      <p:pic>
+        <p:nvPicPr>
+          <p:cNvPr id="13" name="Immagine 12" descr="Immagine che contiene testo, diagramma, schermata, Diagramma&#10;&#10;Descrizione generata automaticamente">
+            <a:extLst>
+              <a:ext uri="{FF2B5EF4-FFF2-40B4-BE49-F238E27FC236}">
+                <a16:creationId xmlns:a16="http://schemas.microsoft.com/office/drawing/2014/main" id="{DD2B295C-A801-7A1E-E8E9-4D863707832C}"/>
+              </a:ext>
+            </a:extLst>
+          </p:cNvPr>
+          <p:cNvPicPr>
+            <a:picLocks noChangeAspect="1"/>
+          </p:cNvPicPr>
+          <p:nvPr/>
+        </p:nvPicPr>
+        <p:blipFill>
+          <a:blip r:embed="rId7" cstate="print">
+            <a:extLst>
+              <a:ext uri="{28A0092B-C50C-407E-A947-70E740481C1C}">
+                <a14:useLocalDpi xmlns:a14="http://schemas.microsoft.com/office/drawing/2010/main" val="0"/>
+              </a:ext>
+            </a:extLst>
+          </a:blip>
+          <a:stretch>
+            <a:fillRect/>
+          </a:stretch>
+        </p:blipFill>
+        <p:spPr>
+          <a:xfrm>
+            <a:off x="933450" y="658364"/>
+            <a:ext cx="2617298" cy="2617298"/>
+          </a:xfrm>
+          <a:prstGeom prst="rect">
+            <a:avLst/>
+          </a:prstGeom>
+        </p:spPr>
+      </p:pic>
+    </p:spTree>
+    <p:extLst>
+      <p:ext uri="{BB962C8B-B14F-4D97-AF65-F5344CB8AC3E}">
+        <p14:creationId xmlns:p14="http://schemas.microsoft.com/office/powerpoint/2010/main" val="1909661648"/>
+      </p:ext>
+    </p:extLst>
+  </p:cSld>
+  <p:clrMapOvr>
+    <a:masterClrMapping/>
+  </p:clrMapOvr>
+  <p:transition>
+    <p:cut/>
+  </p:transition>
+</p:sld>
+</file>
+
+<file path=ppt/slides/slide15.xml><?xml version="1.0" encoding="utf-8"?>
+<p:sld xmlns:a="http://schemas.openxmlformats.org/drawingml/2006/main" xmlns:r="http://schemas.openxmlformats.org/officeDocument/2006/relationships" xmlns:p="http://schemas.openxmlformats.org/presentationml/2006/main">
+  <p:cSld>
+    <p:spTree>
+      <p:nvGrpSpPr>
+        <p:cNvPr id="1" name="">
+          <a:extLst>
+            <a:ext uri="{FF2B5EF4-FFF2-40B4-BE49-F238E27FC236}">
+              <a16:creationId xmlns:a16="http://schemas.microsoft.com/office/drawing/2014/main" id="{8B60F36B-FDB2-53EB-5232-75769D9766FB}"/>
+            </a:ext>
+          </a:extLst>
+        </p:cNvPr>
+        <p:cNvGrpSpPr/>
+        <p:nvPr/>
+      </p:nvGrpSpPr>
+      <p:grpSpPr>
+        <a:xfrm>
+          <a:off x="0" y="0"/>
+          <a:ext cx="0" cy="0"/>
+          <a:chOff x="0" y="0"/>
+          <a:chExt cx="0" cy="0"/>
+        </a:xfrm>
+      </p:grpSpPr>
+      <p:sp>
+        <p:nvSpPr>
+          <p:cNvPr id="2" name="object 2">
+            <a:extLst>
+              <a:ext uri="{FF2B5EF4-FFF2-40B4-BE49-F238E27FC236}">
+                <a16:creationId xmlns:a16="http://schemas.microsoft.com/office/drawing/2014/main" id="{A5468D7F-45EA-9671-BE06-AECB61452CF9}"/>
+              </a:ext>
+            </a:extLst>
+          </p:cNvPr>
+          <p:cNvSpPr txBox="1"/>
+          <p:nvPr/>
+        </p:nvSpPr>
+        <p:spPr>
+          <a:xfrm>
+            <a:off x="103924" y="14509"/>
+            <a:ext cx="1229995" cy="100027"/>
+          </a:xfrm>
+          <a:prstGeom prst="rect">
+            <a:avLst/>
+          </a:prstGeom>
+        </p:spPr>
+        <p:txBody>
+          <a:bodyPr vert="horz" wrap="square" lIns="0" tIns="15240" rIns="0" bIns="0" rtlCol="0">
+            <a:spAutoFit/>
+          </a:bodyPr>
+          <a:lstStyle/>
+          <a:p>
+            <a:pPr marL="12700">
+              <a:lnSpc>
+                <a:spcPct val="100000"/>
+              </a:lnSpc>
+              <a:spcBef>
+                <a:spcPts val="120"/>
+              </a:spcBef>
+            </a:pPr>
+            <a:r>
+              <a:rPr lang="it-IT" sz="550" spc="-30" dirty="0">
+                <a:solidFill>
+                  <a:srgbClr val="434D58"/>
+                </a:solidFill>
+                <a:latin typeface="Tahoma"/>
+                <a:cs typeface="Tahoma"/>
+              </a:rPr>
+              <a:t>Francesco Gigli</a:t>
+            </a:r>
+            <a:r>
+              <a:rPr lang="it-IT" sz="550" spc="-40" dirty="0">
+                <a:solidFill>
+                  <a:srgbClr val="434D58"/>
+                </a:solidFill>
+                <a:latin typeface="Tahoma"/>
+                <a:cs typeface="Tahoma"/>
+              </a:rPr>
+              <a:t>|</a:t>
+            </a:r>
+            <a:r>
+              <a:rPr lang="it-IT" sz="550" spc="-25" dirty="0">
+                <a:solidFill>
+                  <a:srgbClr val="434D58"/>
+                </a:solidFill>
+                <a:latin typeface="Tahoma"/>
+                <a:cs typeface="Tahoma"/>
+              </a:rPr>
+              <a:t> </a:t>
+            </a:r>
+            <a:r>
+              <a:rPr lang="it-IT" sz="550" spc="-10" dirty="0">
+                <a:solidFill>
+                  <a:srgbClr val="434D58"/>
+                </a:solidFill>
+                <a:latin typeface="Tahoma"/>
+                <a:cs typeface="Tahoma"/>
+                <a:hlinkClick r:id="rId2" action="ppaction://hlinksldjump"/>
+              </a:rPr>
+              <a:t>K-Means</a:t>
+            </a:r>
+            <a:endParaRPr lang="it-IT" sz="550" dirty="0">
+              <a:latin typeface="Tahoma"/>
+              <a:cs typeface="Tahoma"/>
+            </a:endParaRPr>
+          </a:p>
+        </p:txBody>
+      </p:sp>
+      <p:grpSp>
+        <p:nvGrpSpPr>
+          <p:cNvPr id="3" name="object 3">
+            <a:extLst>
+              <a:ext uri="{FF2B5EF4-FFF2-40B4-BE49-F238E27FC236}">
+                <a16:creationId xmlns:a16="http://schemas.microsoft.com/office/drawing/2014/main" id="{17E806C2-F2C8-EF4D-7EE3-277E7A43D697}"/>
+              </a:ext>
+            </a:extLst>
+          </p:cNvPr>
+          <p:cNvGrpSpPr/>
+          <p:nvPr/>
+        </p:nvGrpSpPr>
+        <p:grpSpPr>
+          <a:xfrm>
+            <a:off x="0" y="21616"/>
+            <a:ext cx="4608195" cy="660400"/>
+            <a:chOff x="0" y="21616"/>
+            <a:chExt cx="4608195" cy="660400"/>
+          </a:xfrm>
+        </p:grpSpPr>
+        <p:sp>
+          <p:nvSpPr>
+            <p:cNvPr id="4" name="object 4">
+              <a:extLst>
+                <a:ext uri="{FF2B5EF4-FFF2-40B4-BE49-F238E27FC236}">
+                  <a16:creationId xmlns:a16="http://schemas.microsoft.com/office/drawing/2014/main" id="{99A239B0-76A7-85D0-3357-94BDDD75CD0F}"/>
+                </a:ext>
+              </a:extLst>
+            </p:cNvPr>
+            <p:cNvSpPr/>
+            <p:nvPr/>
+          </p:nvSpPr>
+          <p:spPr>
+            <a:xfrm>
+              <a:off x="0" y="146608"/>
+              <a:ext cx="4608195" cy="410209"/>
+            </a:xfrm>
+            <a:custGeom>
+              <a:avLst/>
+              <a:gdLst/>
+              <a:ahLst/>
+              <a:cxnLst/>
+              <a:rect l="l" t="t" r="r" b="b"/>
+              <a:pathLst>
+                <a:path w="4608195" h="410209">
+                  <a:moveTo>
+                    <a:pt x="0" y="0"/>
+                  </a:moveTo>
+                  <a:lnTo>
+                    <a:pt x="0" y="409948"/>
+                  </a:lnTo>
+                  <a:lnTo>
+                    <a:pt x="4608060" y="409948"/>
+                  </a:lnTo>
+                  <a:lnTo>
+                    <a:pt x="4608060" y="0"/>
+                  </a:lnTo>
+                  <a:lnTo>
+                    <a:pt x="0" y="0"/>
+                  </a:lnTo>
+                  <a:close/>
+                </a:path>
+              </a:pathLst>
+            </a:custGeom>
+            <a:solidFill>
+              <a:srgbClr val="002646"/>
+            </a:solidFill>
+          </p:spPr>
+          <p:txBody>
+            <a:bodyPr wrap="square" lIns="0" tIns="0" rIns="0" bIns="0" rtlCol="0"/>
+            <a:lstStyle/>
+            <a:p>
+              <a:endParaRPr/>
+            </a:p>
+          </p:txBody>
+        </p:sp>
+        <p:sp>
+          <p:nvSpPr>
+            <p:cNvPr id="5" name="object 5">
+              <a:extLst>
+                <a:ext uri="{FF2B5EF4-FFF2-40B4-BE49-F238E27FC236}">
+                  <a16:creationId xmlns:a16="http://schemas.microsoft.com/office/drawing/2014/main" id="{33217540-A67C-E9E7-626C-92CA10AA8AF6}"/>
+                </a:ext>
+              </a:extLst>
+            </p:cNvPr>
+            <p:cNvSpPr/>
+            <p:nvPr/>
+          </p:nvSpPr>
+          <p:spPr>
+            <a:xfrm>
+              <a:off x="3888725" y="21616"/>
+              <a:ext cx="660400" cy="660400"/>
+            </a:xfrm>
+            <a:custGeom>
+              <a:avLst/>
+              <a:gdLst/>
+              <a:ahLst/>
+              <a:cxnLst/>
+              <a:rect l="l" t="t" r="r" b="b"/>
+              <a:pathLst>
+                <a:path w="660400" h="660400">
+                  <a:moveTo>
+                    <a:pt x="329967" y="0"/>
+                  </a:moveTo>
+                  <a:lnTo>
+                    <a:pt x="281206" y="3577"/>
+                  </a:lnTo>
+                  <a:lnTo>
+                    <a:pt x="234667" y="13970"/>
+                  </a:lnTo>
+                  <a:lnTo>
+                    <a:pt x="190860" y="30667"/>
+                  </a:lnTo>
+                  <a:lnTo>
+                    <a:pt x="150295" y="53159"/>
+                  </a:lnTo>
+                  <a:lnTo>
+                    <a:pt x="113483" y="80934"/>
+                  </a:lnTo>
+                  <a:lnTo>
+                    <a:pt x="80934" y="113483"/>
+                  </a:lnTo>
+                  <a:lnTo>
+                    <a:pt x="53159" y="150295"/>
+                  </a:lnTo>
+                  <a:lnTo>
+                    <a:pt x="30667" y="190860"/>
+                  </a:lnTo>
+                  <a:lnTo>
+                    <a:pt x="13970" y="234667"/>
+                  </a:lnTo>
+                  <a:lnTo>
+                    <a:pt x="3577" y="281206"/>
+                  </a:lnTo>
+                  <a:lnTo>
+                    <a:pt x="0" y="329967"/>
+                  </a:lnTo>
+                  <a:lnTo>
+                    <a:pt x="3577" y="378727"/>
+                  </a:lnTo>
+                  <a:lnTo>
+                    <a:pt x="13970" y="425266"/>
+                  </a:lnTo>
+                  <a:lnTo>
+                    <a:pt x="30667" y="469073"/>
+                  </a:lnTo>
+                  <a:lnTo>
+                    <a:pt x="53159" y="509638"/>
+                  </a:lnTo>
+                  <a:lnTo>
+                    <a:pt x="80934" y="546450"/>
+                  </a:lnTo>
+                  <a:lnTo>
+                    <a:pt x="113483" y="578999"/>
+                  </a:lnTo>
+                  <a:lnTo>
+                    <a:pt x="150295" y="606774"/>
+                  </a:lnTo>
+                  <a:lnTo>
+                    <a:pt x="190860" y="629266"/>
+                  </a:lnTo>
+                  <a:lnTo>
+                    <a:pt x="234667" y="645963"/>
+                  </a:lnTo>
+                  <a:lnTo>
+                    <a:pt x="281206" y="656356"/>
+                  </a:lnTo>
+                  <a:lnTo>
+                    <a:pt x="329967" y="659934"/>
+                  </a:lnTo>
+                  <a:lnTo>
+                    <a:pt x="378727" y="656356"/>
+                  </a:lnTo>
+                  <a:lnTo>
+                    <a:pt x="425266" y="645963"/>
+                  </a:lnTo>
+                  <a:lnTo>
+                    <a:pt x="469074" y="629266"/>
+                  </a:lnTo>
+                  <a:lnTo>
+                    <a:pt x="509638" y="606774"/>
+                  </a:lnTo>
+                  <a:lnTo>
+                    <a:pt x="546450" y="578999"/>
+                  </a:lnTo>
+                  <a:lnTo>
+                    <a:pt x="578999" y="546450"/>
+                  </a:lnTo>
+                  <a:lnTo>
+                    <a:pt x="606775" y="509638"/>
+                  </a:lnTo>
+                  <a:lnTo>
+                    <a:pt x="629266" y="469073"/>
+                  </a:lnTo>
+                  <a:lnTo>
+                    <a:pt x="645964" y="425266"/>
+                  </a:lnTo>
+                  <a:lnTo>
+                    <a:pt x="656356" y="378727"/>
+                  </a:lnTo>
+                  <a:lnTo>
+                    <a:pt x="659934" y="329967"/>
+                  </a:lnTo>
+                  <a:lnTo>
+                    <a:pt x="656356" y="281206"/>
+                  </a:lnTo>
+                  <a:lnTo>
+                    <a:pt x="645964" y="234667"/>
+                  </a:lnTo>
+                  <a:lnTo>
+                    <a:pt x="629266" y="190860"/>
+                  </a:lnTo>
+                  <a:lnTo>
+                    <a:pt x="606775" y="150295"/>
+                  </a:lnTo>
+                  <a:lnTo>
+                    <a:pt x="578999" y="113483"/>
+                  </a:lnTo>
+                  <a:lnTo>
+                    <a:pt x="546450" y="80934"/>
+                  </a:lnTo>
+                  <a:lnTo>
+                    <a:pt x="509638" y="53159"/>
+                  </a:lnTo>
+                  <a:lnTo>
+                    <a:pt x="469074" y="30667"/>
+                  </a:lnTo>
+                  <a:lnTo>
+                    <a:pt x="425266" y="13970"/>
+                  </a:lnTo>
+                  <a:lnTo>
+                    <a:pt x="378727" y="3577"/>
+                  </a:lnTo>
+                  <a:lnTo>
+                    <a:pt x="329967" y="0"/>
+                  </a:lnTo>
+                  <a:close/>
+                </a:path>
+              </a:pathLst>
+            </a:custGeom>
+            <a:solidFill>
+              <a:srgbClr val="C1C1CC"/>
+            </a:solidFill>
+          </p:spPr>
+          <p:txBody>
+            <a:bodyPr wrap="square" lIns="0" tIns="0" rIns="0" bIns="0" rtlCol="0"/>
+            <a:lstStyle/>
+            <a:p>
+              <a:endParaRPr/>
+            </a:p>
+          </p:txBody>
+        </p:sp>
+        <p:pic>
+          <p:nvPicPr>
+            <p:cNvPr id="6" name="object 6">
+              <a:extLst>
+                <a:ext uri="{FF2B5EF4-FFF2-40B4-BE49-F238E27FC236}">
+                  <a16:creationId xmlns:a16="http://schemas.microsoft.com/office/drawing/2014/main" id="{F4504542-95AC-B5B2-75EC-F53C01FD45D2}"/>
+                </a:ext>
+              </a:extLst>
+            </p:cNvPr>
+            <p:cNvPicPr/>
+            <p:nvPr/>
+          </p:nvPicPr>
+          <p:blipFill>
+            <a:blip r:embed="rId3" cstate="print"/>
+            <a:stretch>
+              <a:fillRect/>
+            </a:stretch>
+          </p:blipFill>
+          <p:spPr>
+            <a:xfrm>
+              <a:off x="3948125" y="81016"/>
+              <a:ext cx="541133" cy="541133"/>
+            </a:xfrm>
+            <a:prstGeom prst="rect">
+              <a:avLst/>
+            </a:prstGeom>
+          </p:spPr>
+        </p:pic>
+        <p:sp>
+          <p:nvSpPr>
+            <p:cNvPr id="7" name="object 7">
+              <a:extLst>
+                <a:ext uri="{FF2B5EF4-FFF2-40B4-BE49-F238E27FC236}">
+                  <a16:creationId xmlns:a16="http://schemas.microsoft.com/office/drawing/2014/main" id="{CA0ED324-FE69-DC64-2682-B3EB473260CF}"/>
+                </a:ext>
+              </a:extLst>
+            </p:cNvPr>
+            <p:cNvSpPr/>
+            <p:nvPr/>
+          </p:nvSpPr>
+          <p:spPr>
+            <a:xfrm>
+              <a:off x="3918425" y="91543"/>
+              <a:ext cx="600710" cy="560705"/>
+            </a:xfrm>
+            <a:custGeom>
+              <a:avLst/>
+              <a:gdLst/>
+              <a:ahLst/>
+              <a:cxnLst/>
+              <a:rect l="l" t="t" r="r" b="b"/>
+              <a:pathLst>
+                <a:path w="600710" h="560705">
+                  <a:moveTo>
+                    <a:pt x="600533" y="260039"/>
+                  </a:moveTo>
+                  <a:lnTo>
+                    <a:pt x="596603" y="308744"/>
+                  </a:lnTo>
+                  <a:lnTo>
+                    <a:pt x="585226" y="354947"/>
+                  </a:lnTo>
+                  <a:lnTo>
+                    <a:pt x="567018" y="398030"/>
+                  </a:lnTo>
+                  <a:lnTo>
+                    <a:pt x="542600" y="437373"/>
+                  </a:lnTo>
+                  <a:lnTo>
+                    <a:pt x="512588" y="472360"/>
+                  </a:lnTo>
+                  <a:lnTo>
+                    <a:pt x="477601" y="502372"/>
+                  </a:lnTo>
+                  <a:lnTo>
+                    <a:pt x="438257" y="526791"/>
+                  </a:lnTo>
+                  <a:lnTo>
+                    <a:pt x="395175" y="544998"/>
+                  </a:lnTo>
+                  <a:lnTo>
+                    <a:pt x="348972" y="556376"/>
+                  </a:lnTo>
+                  <a:lnTo>
+                    <a:pt x="300266" y="560306"/>
+                  </a:lnTo>
+                  <a:lnTo>
+                    <a:pt x="251561" y="556376"/>
+                  </a:lnTo>
+                  <a:lnTo>
+                    <a:pt x="205358" y="544998"/>
+                  </a:lnTo>
+                  <a:lnTo>
+                    <a:pt x="162276" y="526791"/>
+                  </a:lnTo>
+                  <a:lnTo>
+                    <a:pt x="122932" y="502372"/>
+                  </a:lnTo>
+                  <a:lnTo>
+                    <a:pt x="87945" y="472360"/>
+                  </a:lnTo>
+                  <a:lnTo>
+                    <a:pt x="57933" y="437373"/>
+                  </a:lnTo>
+                  <a:lnTo>
+                    <a:pt x="33514" y="398030"/>
+                  </a:lnTo>
+                  <a:lnTo>
+                    <a:pt x="15307" y="354947"/>
+                  </a:lnTo>
+                  <a:lnTo>
+                    <a:pt x="3929" y="308744"/>
+                  </a:lnTo>
+                  <a:lnTo>
+                    <a:pt x="0" y="260039"/>
+                  </a:lnTo>
+                  <a:lnTo>
+                    <a:pt x="4670" y="207257"/>
+                  </a:lnTo>
+                  <a:lnTo>
+                    <a:pt x="18280" y="156867"/>
+                  </a:lnTo>
+                  <a:lnTo>
+                    <a:pt x="40232" y="109907"/>
+                  </a:lnTo>
+                  <a:lnTo>
+                    <a:pt x="69924" y="67417"/>
+                  </a:lnTo>
+                  <a:lnTo>
+                    <a:pt x="106758" y="30435"/>
+                  </a:lnTo>
+                  <a:lnTo>
+                    <a:pt x="150133" y="0"/>
+                  </a:lnTo>
+                </a:path>
+              </a:pathLst>
+            </a:custGeom>
+            <a:ln w="29700">
+              <a:solidFill>
+                <a:srgbClr val="002646"/>
+              </a:solidFill>
+            </a:ln>
+          </p:spPr>
+          <p:txBody>
+            <a:bodyPr wrap="square" lIns="0" tIns="0" rIns="0" bIns="0" rtlCol="0"/>
+            <a:lstStyle/>
+            <a:p>
+              <a:endParaRPr/>
+            </a:p>
+          </p:txBody>
+        </p:sp>
+        <p:sp>
+          <p:nvSpPr>
+            <p:cNvPr id="8" name="object 8">
+              <a:extLst>
+                <a:ext uri="{FF2B5EF4-FFF2-40B4-BE49-F238E27FC236}">
+                  <a16:creationId xmlns:a16="http://schemas.microsoft.com/office/drawing/2014/main" id="{FEB61769-6B24-EFAB-7B7A-8991AFC1DB28}"/>
+                </a:ext>
+              </a:extLst>
+            </p:cNvPr>
+            <p:cNvSpPr/>
+            <p:nvPr/>
+          </p:nvSpPr>
+          <p:spPr>
+            <a:xfrm>
+              <a:off x="4053709" y="76693"/>
+              <a:ext cx="29845" cy="29845"/>
+            </a:xfrm>
+            <a:custGeom>
+              <a:avLst/>
+              <a:gdLst/>
+              <a:ahLst/>
+              <a:cxnLst/>
+              <a:rect l="l" t="t" r="r" b="b"/>
+              <a:pathLst>
+                <a:path w="29845" h="29844">
+                  <a:moveTo>
+                    <a:pt x="23051" y="0"/>
+                  </a:moveTo>
+                  <a:lnTo>
+                    <a:pt x="6648" y="0"/>
+                  </a:lnTo>
+                  <a:lnTo>
+                    <a:pt x="0" y="6648"/>
+                  </a:lnTo>
+                  <a:lnTo>
+                    <a:pt x="0" y="23051"/>
+                  </a:lnTo>
+                  <a:lnTo>
+                    <a:pt x="6648" y="29699"/>
+                  </a:lnTo>
+                  <a:lnTo>
+                    <a:pt x="23051" y="29699"/>
+                  </a:lnTo>
+                  <a:lnTo>
+                    <a:pt x="29699" y="23051"/>
+                  </a:lnTo>
+                  <a:lnTo>
+                    <a:pt x="29699" y="6648"/>
+                  </a:lnTo>
+                  <a:lnTo>
+                    <a:pt x="23051" y="0"/>
+                  </a:lnTo>
+                  <a:close/>
+                </a:path>
+              </a:pathLst>
+            </a:custGeom>
+            <a:solidFill>
+              <a:srgbClr val="002646"/>
+            </a:solidFill>
+          </p:spPr>
+          <p:txBody>
+            <a:bodyPr wrap="square" lIns="0" tIns="0" rIns="0" bIns="0" rtlCol="0"/>
+            <a:lstStyle/>
+            <a:p>
+              <a:endParaRPr/>
+            </a:p>
+          </p:txBody>
+        </p:sp>
+        <p:pic>
+          <p:nvPicPr>
+            <p:cNvPr id="9" name="object 9">
+              <a:extLst>
+                <a:ext uri="{FF2B5EF4-FFF2-40B4-BE49-F238E27FC236}">
+                  <a16:creationId xmlns:a16="http://schemas.microsoft.com/office/drawing/2014/main" id="{D4C04A27-A4F3-143F-AF4B-60D8BC5D7E87}"/>
+                </a:ext>
+              </a:extLst>
+            </p:cNvPr>
+            <p:cNvPicPr/>
+            <p:nvPr/>
+          </p:nvPicPr>
+          <p:blipFill>
+            <a:blip r:embed="rId4" cstate="print"/>
+            <a:stretch>
+              <a:fillRect/>
+            </a:stretch>
+          </p:blipFill>
+          <p:spPr>
+            <a:xfrm>
+              <a:off x="4454497" y="287121"/>
+              <a:ext cx="128923" cy="128923"/>
+            </a:xfrm>
+            <a:prstGeom prst="rect">
+              <a:avLst/>
+            </a:prstGeom>
+          </p:spPr>
+        </p:pic>
+      </p:grpSp>
+      <p:sp>
+        <p:nvSpPr>
+          <p:cNvPr id="10" name="object 10">
+            <a:extLst>
+              <a:ext uri="{FF2B5EF4-FFF2-40B4-BE49-F238E27FC236}">
+                <a16:creationId xmlns:a16="http://schemas.microsoft.com/office/drawing/2014/main" id="{43B37938-BC4F-88E0-0EFF-035FEAE964F4}"/>
+              </a:ext>
+            </a:extLst>
+          </p:cNvPr>
+          <p:cNvSpPr txBox="1"/>
+          <p:nvPr/>
+        </p:nvSpPr>
+        <p:spPr>
+          <a:xfrm>
+            <a:off x="4473930" y="287788"/>
+            <a:ext cx="90170" cy="113030"/>
+          </a:xfrm>
+          <a:prstGeom prst="rect">
+            <a:avLst/>
+          </a:prstGeom>
+        </p:spPr>
+        <p:txBody>
+          <a:bodyPr vert="horz" wrap="square" lIns="0" tIns="15240" rIns="0" bIns="0" rtlCol="0">
+            <a:spAutoFit/>
+          </a:bodyPr>
+          <a:lstStyle/>
+          <a:p>
+            <a:pPr marL="12700">
+              <a:lnSpc>
+                <a:spcPct val="100000"/>
+              </a:lnSpc>
+              <a:spcBef>
+                <a:spcPts val="120"/>
+              </a:spcBef>
+            </a:pPr>
+            <a:r>
+              <a:rPr sz="550" spc="-25" dirty="0">
+                <a:solidFill>
+                  <a:srgbClr val="002646"/>
+                </a:solidFill>
+                <a:latin typeface="Tahoma"/>
+                <a:cs typeface="Tahoma"/>
+              </a:rPr>
+              <a:t>10</a:t>
+            </a:r>
+            <a:endParaRPr sz="550">
+              <a:latin typeface="Tahoma"/>
+              <a:cs typeface="Tahoma"/>
+            </a:endParaRPr>
+          </a:p>
+        </p:txBody>
+      </p:sp>
+      <p:sp>
+        <p:nvSpPr>
+          <p:cNvPr id="15" name="object 11">
+            <a:extLst>
+              <a:ext uri="{FF2B5EF4-FFF2-40B4-BE49-F238E27FC236}">
+                <a16:creationId xmlns:a16="http://schemas.microsoft.com/office/drawing/2014/main" id="{72E0442C-661D-36AD-4532-0382010416C9}"/>
+              </a:ext>
+            </a:extLst>
+          </p:cNvPr>
+          <p:cNvSpPr txBox="1"/>
+          <p:nvPr/>
+        </p:nvSpPr>
+        <p:spPr>
+          <a:xfrm>
+            <a:off x="347294" y="131965"/>
+            <a:ext cx="2804795" cy="259045"/>
+          </a:xfrm>
+          <a:prstGeom prst="rect">
+            <a:avLst/>
+          </a:prstGeom>
+        </p:spPr>
+        <p:txBody>
+          <a:bodyPr vert="horz" wrap="square" lIns="0" tIns="12700" rIns="0" bIns="0" rtlCol="0">
+            <a:spAutoFit/>
+          </a:bodyPr>
+          <a:lstStyle/>
+          <a:p>
+            <a:pPr marL="12700">
+              <a:lnSpc>
+                <a:spcPct val="100000"/>
+              </a:lnSpc>
+              <a:spcBef>
+                <a:spcPts val="100"/>
+              </a:spcBef>
+            </a:pPr>
+            <a:r>
+              <a:rPr lang="it-IT" sz="1600" dirty="0" err="1">
+                <a:solidFill>
+                  <a:schemeClr val="bg1"/>
+                </a:solidFill>
+              </a:rPr>
+              <a:t>Experimental</a:t>
+            </a:r>
+            <a:r>
+              <a:rPr lang="it-IT" sz="1600" dirty="0">
+                <a:solidFill>
+                  <a:schemeClr val="bg1"/>
+                </a:solidFill>
+              </a:rPr>
+              <a:t> </a:t>
+            </a:r>
+            <a:r>
+              <a:rPr lang="it-IT" sz="1600" dirty="0" err="1">
+                <a:solidFill>
+                  <a:schemeClr val="bg1"/>
+                </a:solidFill>
+              </a:rPr>
+              <a:t>Visualization</a:t>
+            </a:r>
+            <a:endParaRPr lang="it-IT" sz="1650" dirty="0">
+              <a:solidFill>
+                <a:schemeClr val="bg1"/>
+              </a:solidFill>
+              <a:latin typeface="Tahoma"/>
+              <a:cs typeface="Tahoma"/>
+            </a:endParaRPr>
+          </a:p>
+        </p:txBody>
+      </p:sp>
+      <p:pic>
+        <p:nvPicPr>
+          <p:cNvPr id="12" name="Immagine 11" descr="Immagine che contiene testo, diagramma&#10;&#10;Descrizione generata automaticamente">
+            <a:extLst>
+              <a:ext uri="{FF2B5EF4-FFF2-40B4-BE49-F238E27FC236}">
+                <a16:creationId xmlns:a16="http://schemas.microsoft.com/office/drawing/2014/main" id="{D947F49F-6956-6377-5C3B-1D0A1BE2F126}"/>
+              </a:ext>
+            </a:extLst>
+          </p:cNvPr>
+          <p:cNvPicPr>
+            <a:picLocks noChangeAspect="1"/>
+          </p:cNvPicPr>
+          <p:nvPr/>
+        </p:nvPicPr>
+        <p:blipFill>
+          <a:blip r:embed="rId5" cstate="print">
+            <a:extLst>
+              <a:ext uri="{28A0092B-C50C-407E-A947-70E740481C1C}">
+                <a14:useLocalDpi xmlns:a14="http://schemas.microsoft.com/office/drawing/2010/main" val="0"/>
+              </a:ext>
+            </a:extLst>
+          </a:blip>
+          <a:stretch>
+            <a:fillRect/>
+          </a:stretch>
+        </p:blipFill>
+        <p:spPr>
+          <a:xfrm>
+            <a:off x="933450" y="655232"/>
+            <a:ext cx="2644775" cy="2644775"/>
+          </a:xfrm>
+          <a:prstGeom prst="rect">
+            <a:avLst/>
+          </a:prstGeom>
+        </p:spPr>
+      </p:pic>
+      <p:pic>
+        <p:nvPicPr>
+          <p:cNvPr id="16" name="Immagine 15" descr="Immagine che contiene testo, diagramma, schermata, linea&#10;&#10;Descrizione generata automaticamente">
+            <a:extLst>
+              <a:ext uri="{FF2B5EF4-FFF2-40B4-BE49-F238E27FC236}">
+                <a16:creationId xmlns:a16="http://schemas.microsoft.com/office/drawing/2014/main" id="{EE353F6E-2FB4-FA33-464C-92AC35CB84D0}"/>
+              </a:ext>
+            </a:extLst>
+          </p:cNvPr>
+          <p:cNvPicPr>
+            <a:picLocks noChangeAspect="1"/>
+          </p:cNvPicPr>
+          <p:nvPr/>
+        </p:nvPicPr>
+        <p:blipFill>
+          <a:blip r:embed="rId6" cstate="print">
+            <a:extLst>
+              <a:ext uri="{28A0092B-C50C-407E-A947-70E740481C1C}">
+                <a14:useLocalDpi xmlns:a14="http://schemas.microsoft.com/office/drawing/2010/main" val="0"/>
+              </a:ext>
+            </a:extLst>
+          </a:blip>
+          <a:stretch>
+            <a:fillRect/>
+          </a:stretch>
+        </p:blipFill>
+        <p:spPr>
+          <a:xfrm>
+            <a:off x="933450" y="655518"/>
+            <a:ext cx="2617298" cy="2617298"/>
+          </a:xfrm>
+          <a:prstGeom prst="rect">
+            <a:avLst/>
+          </a:prstGeom>
+        </p:spPr>
+      </p:pic>
+      <p:pic>
+        <p:nvPicPr>
+          <p:cNvPr id="13" name="Immagine 12" descr="Immagine che contiene testo, diagramma, schermata, Diagramma&#10;&#10;Descrizione generata automaticamente">
+            <a:extLst>
+              <a:ext uri="{FF2B5EF4-FFF2-40B4-BE49-F238E27FC236}">
+                <a16:creationId xmlns:a16="http://schemas.microsoft.com/office/drawing/2014/main" id="{F8335B6F-F16C-68DD-3C43-BFB214F2603F}"/>
+              </a:ext>
+            </a:extLst>
+          </p:cNvPr>
+          <p:cNvPicPr>
+            <a:picLocks noChangeAspect="1"/>
+          </p:cNvPicPr>
+          <p:nvPr/>
+        </p:nvPicPr>
+        <p:blipFill>
+          <a:blip r:embed="rId7" cstate="print">
+            <a:extLst>
+              <a:ext uri="{28A0092B-C50C-407E-A947-70E740481C1C}">
+                <a14:useLocalDpi xmlns:a14="http://schemas.microsoft.com/office/drawing/2010/main" val="0"/>
+              </a:ext>
+            </a:extLst>
+          </a:blip>
+          <a:stretch>
+            <a:fillRect/>
+          </a:stretch>
+        </p:blipFill>
+        <p:spPr>
+          <a:xfrm>
+            <a:off x="933450" y="658364"/>
+            <a:ext cx="2617298" cy="2617298"/>
+          </a:xfrm>
+          <a:prstGeom prst="rect">
+            <a:avLst/>
+          </a:prstGeom>
+        </p:spPr>
+      </p:pic>
+      <p:pic>
+        <p:nvPicPr>
+          <p:cNvPr id="14" name="Immagine 13" descr="Immagine che contiene testo, schermata, diagramma, Diagramma&#10;&#10;Descrizione generata automaticamente">
+            <a:extLst>
+              <a:ext uri="{FF2B5EF4-FFF2-40B4-BE49-F238E27FC236}">
+                <a16:creationId xmlns:a16="http://schemas.microsoft.com/office/drawing/2014/main" id="{E0F8B17B-8A69-CFFB-E967-17BBA6DD7C4B}"/>
+              </a:ext>
+            </a:extLst>
+          </p:cNvPr>
+          <p:cNvPicPr>
+            <a:picLocks noChangeAspect="1"/>
+          </p:cNvPicPr>
+          <p:nvPr/>
+        </p:nvPicPr>
+        <p:blipFill>
+          <a:blip r:embed="rId8" cstate="print">
+            <a:extLst>
+              <a:ext uri="{28A0092B-C50C-407E-A947-70E740481C1C}">
+                <a14:useLocalDpi xmlns:a14="http://schemas.microsoft.com/office/drawing/2010/main" val="0"/>
+              </a:ext>
+            </a:extLst>
+          </a:blip>
+          <a:stretch>
+            <a:fillRect/>
+          </a:stretch>
+        </p:blipFill>
+        <p:spPr>
+          <a:xfrm>
+            <a:off x="853651" y="673566"/>
+            <a:ext cx="2720975" cy="2720975"/>
+          </a:xfrm>
+          <a:prstGeom prst="rect">
+            <a:avLst/>
+          </a:prstGeom>
+        </p:spPr>
+      </p:pic>
+    </p:spTree>
+    <p:extLst>
+      <p:ext uri="{BB962C8B-B14F-4D97-AF65-F5344CB8AC3E}">
+        <p14:creationId xmlns:p14="http://schemas.microsoft.com/office/powerpoint/2010/main" val="2825788859"/>
+      </p:ext>
+    </p:extLst>
+  </p:cSld>
+  <p:clrMapOvr>
+    <a:masterClrMapping/>
+  </p:clrMapOvr>
+  <p:transition>
+    <p:cut/>
+  </p:transition>
+</p:sld>
+</file>
+
+<file path=ppt/slides/slide16.xml><?xml version="1.0" encoding="utf-8"?>
+<p:sld xmlns:a="http://schemas.openxmlformats.org/drawingml/2006/main" xmlns:r="http://schemas.openxmlformats.org/officeDocument/2006/relationships" xmlns:p="http://schemas.openxmlformats.org/presentationml/2006/main">
+  <p:cSld>
+    <p:spTree>
+      <p:nvGrpSpPr>
+        <p:cNvPr id="1" name="">
+          <a:extLst>
+            <a:ext uri="{FF2B5EF4-FFF2-40B4-BE49-F238E27FC236}">
+              <a16:creationId xmlns:a16="http://schemas.microsoft.com/office/drawing/2014/main" id="{0DAD5A0E-AAC2-771B-6987-898334D016AE}"/>
+            </a:ext>
+          </a:extLst>
+        </p:cNvPr>
+        <p:cNvGrpSpPr/>
+        <p:nvPr/>
+      </p:nvGrpSpPr>
+      <p:grpSpPr>
+        <a:xfrm>
+          <a:off x="0" y="0"/>
+          <a:ext cx="0" cy="0"/>
+          <a:chOff x="0" y="0"/>
+          <a:chExt cx="0" cy="0"/>
+        </a:xfrm>
+      </p:grpSpPr>
+      <p:sp>
+        <p:nvSpPr>
+          <p:cNvPr id="2" name="object 2">
+            <a:extLst>
+              <a:ext uri="{FF2B5EF4-FFF2-40B4-BE49-F238E27FC236}">
+                <a16:creationId xmlns:a16="http://schemas.microsoft.com/office/drawing/2014/main" id="{2FA7C69E-5853-C58C-B2EB-F02B69B2CCD9}"/>
+              </a:ext>
+            </a:extLst>
+          </p:cNvPr>
+          <p:cNvSpPr txBox="1"/>
+          <p:nvPr/>
+        </p:nvSpPr>
+        <p:spPr>
+          <a:xfrm>
+            <a:off x="103924" y="14509"/>
+            <a:ext cx="1229995" cy="100027"/>
+          </a:xfrm>
+          <a:prstGeom prst="rect">
+            <a:avLst/>
+          </a:prstGeom>
+        </p:spPr>
+        <p:txBody>
+          <a:bodyPr vert="horz" wrap="square" lIns="0" tIns="15240" rIns="0" bIns="0" rtlCol="0">
+            <a:spAutoFit/>
+          </a:bodyPr>
+          <a:lstStyle/>
+          <a:p>
+            <a:pPr marL="12700">
+              <a:lnSpc>
+                <a:spcPct val="100000"/>
+              </a:lnSpc>
+              <a:spcBef>
+                <a:spcPts val="120"/>
+              </a:spcBef>
+            </a:pPr>
+            <a:r>
+              <a:rPr lang="it-IT" sz="550" spc="-30" dirty="0">
+                <a:solidFill>
+                  <a:srgbClr val="434D58"/>
+                </a:solidFill>
+                <a:latin typeface="Tahoma"/>
+                <a:cs typeface="Tahoma"/>
+              </a:rPr>
+              <a:t>Francesco Gigli</a:t>
+            </a:r>
+            <a:r>
+              <a:rPr lang="it-IT" sz="550" spc="-40" dirty="0">
+                <a:solidFill>
+                  <a:srgbClr val="434D58"/>
+                </a:solidFill>
+                <a:latin typeface="Tahoma"/>
+                <a:cs typeface="Tahoma"/>
+              </a:rPr>
+              <a:t>|</a:t>
+            </a:r>
+            <a:r>
+              <a:rPr lang="it-IT" sz="550" spc="-25" dirty="0">
+                <a:solidFill>
+                  <a:srgbClr val="434D58"/>
+                </a:solidFill>
+                <a:latin typeface="Tahoma"/>
+                <a:cs typeface="Tahoma"/>
+              </a:rPr>
+              <a:t> </a:t>
+            </a:r>
+            <a:r>
+              <a:rPr lang="it-IT" sz="550" spc="-10" dirty="0">
+                <a:solidFill>
+                  <a:srgbClr val="434D58"/>
+                </a:solidFill>
+                <a:latin typeface="Tahoma"/>
+                <a:cs typeface="Tahoma"/>
+                <a:hlinkClick r:id="rId2" action="ppaction://hlinksldjump"/>
+              </a:rPr>
+              <a:t>K-Means</a:t>
+            </a:r>
+            <a:endParaRPr lang="it-IT" sz="550" dirty="0">
+              <a:latin typeface="Tahoma"/>
+              <a:cs typeface="Tahoma"/>
+            </a:endParaRPr>
+          </a:p>
+        </p:txBody>
+      </p:sp>
+      <p:grpSp>
+        <p:nvGrpSpPr>
+          <p:cNvPr id="3" name="object 3">
+            <a:extLst>
+              <a:ext uri="{FF2B5EF4-FFF2-40B4-BE49-F238E27FC236}">
+                <a16:creationId xmlns:a16="http://schemas.microsoft.com/office/drawing/2014/main" id="{D6648087-332F-D950-0393-943CD9115DBF}"/>
+              </a:ext>
+            </a:extLst>
+          </p:cNvPr>
+          <p:cNvGrpSpPr/>
+          <p:nvPr/>
+        </p:nvGrpSpPr>
+        <p:grpSpPr>
+          <a:xfrm>
+            <a:off x="0" y="21616"/>
+            <a:ext cx="4608195" cy="660400"/>
+            <a:chOff x="0" y="21616"/>
+            <a:chExt cx="4608195" cy="660400"/>
+          </a:xfrm>
+        </p:grpSpPr>
+        <p:sp>
+          <p:nvSpPr>
+            <p:cNvPr id="4" name="object 4">
+              <a:extLst>
+                <a:ext uri="{FF2B5EF4-FFF2-40B4-BE49-F238E27FC236}">
+                  <a16:creationId xmlns:a16="http://schemas.microsoft.com/office/drawing/2014/main" id="{9FAE1305-EE1A-1930-A6F4-395DC93B4E03}"/>
+                </a:ext>
+              </a:extLst>
+            </p:cNvPr>
+            <p:cNvSpPr/>
+            <p:nvPr/>
+          </p:nvSpPr>
+          <p:spPr>
+            <a:xfrm>
+              <a:off x="0" y="146608"/>
+              <a:ext cx="4608195" cy="410209"/>
+            </a:xfrm>
+            <a:custGeom>
+              <a:avLst/>
+              <a:gdLst/>
+              <a:ahLst/>
+              <a:cxnLst/>
+              <a:rect l="l" t="t" r="r" b="b"/>
+              <a:pathLst>
+                <a:path w="4608195" h="410209">
+                  <a:moveTo>
+                    <a:pt x="0" y="0"/>
+                  </a:moveTo>
+                  <a:lnTo>
+                    <a:pt x="0" y="409948"/>
+                  </a:lnTo>
+                  <a:lnTo>
+                    <a:pt x="4608060" y="409948"/>
+                  </a:lnTo>
+                  <a:lnTo>
+                    <a:pt x="4608060" y="0"/>
+                  </a:lnTo>
+                  <a:lnTo>
+                    <a:pt x="0" y="0"/>
+                  </a:lnTo>
+                  <a:close/>
+                </a:path>
+              </a:pathLst>
+            </a:custGeom>
+            <a:solidFill>
+              <a:srgbClr val="002646"/>
+            </a:solidFill>
+          </p:spPr>
+          <p:txBody>
+            <a:bodyPr wrap="square" lIns="0" tIns="0" rIns="0" bIns="0" rtlCol="0"/>
+            <a:lstStyle/>
+            <a:p>
+              <a:endParaRPr/>
+            </a:p>
+          </p:txBody>
+        </p:sp>
+        <p:sp>
+          <p:nvSpPr>
+            <p:cNvPr id="5" name="object 5">
+              <a:extLst>
+                <a:ext uri="{FF2B5EF4-FFF2-40B4-BE49-F238E27FC236}">
+                  <a16:creationId xmlns:a16="http://schemas.microsoft.com/office/drawing/2014/main" id="{69F0B856-7CB1-9302-D363-ABA193146F81}"/>
+                </a:ext>
+              </a:extLst>
+            </p:cNvPr>
+            <p:cNvSpPr/>
+            <p:nvPr/>
+          </p:nvSpPr>
+          <p:spPr>
+            <a:xfrm>
+              <a:off x="3888725" y="21616"/>
+              <a:ext cx="660400" cy="660400"/>
+            </a:xfrm>
+            <a:custGeom>
+              <a:avLst/>
+              <a:gdLst/>
+              <a:ahLst/>
+              <a:cxnLst/>
+              <a:rect l="l" t="t" r="r" b="b"/>
+              <a:pathLst>
+                <a:path w="660400" h="660400">
+                  <a:moveTo>
+                    <a:pt x="329967" y="0"/>
+                  </a:moveTo>
+                  <a:lnTo>
+                    <a:pt x="281206" y="3577"/>
+                  </a:lnTo>
+                  <a:lnTo>
+                    <a:pt x="234667" y="13970"/>
+                  </a:lnTo>
+                  <a:lnTo>
+                    <a:pt x="190860" y="30667"/>
+                  </a:lnTo>
+                  <a:lnTo>
+                    <a:pt x="150295" y="53159"/>
+                  </a:lnTo>
+                  <a:lnTo>
+                    <a:pt x="113483" y="80934"/>
+                  </a:lnTo>
+                  <a:lnTo>
+                    <a:pt x="80934" y="113483"/>
+                  </a:lnTo>
+                  <a:lnTo>
+                    <a:pt x="53159" y="150295"/>
+                  </a:lnTo>
+                  <a:lnTo>
+                    <a:pt x="30667" y="190860"/>
+                  </a:lnTo>
+                  <a:lnTo>
+                    <a:pt x="13970" y="234667"/>
+                  </a:lnTo>
+                  <a:lnTo>
+                    <a:pt x="3577" y="281206"/>
+                  </a:lnTo>
+                  <a:lnTo>
+                    <a:pt x="0" y="329967"/>
+                  </a:lnTo>
+                  <a:lnTo>
+                    <a:pt x="3577" y="378727"/>
+                  </a:lnTo>
+                  <a:lnTo>
+                    <a:pt x="13970" y="425266"/>
+                  </a:lnTo>
+                  <a:lnTo>
+                    <a:pt x="30667" y="469073"/>
+                  </a:lnTo>
+                  <a:lnTo>
+                    <a:pt x="53159" y="509638"/>
+                  </a:lnTo>
+                  <a:lnTo>
+                    <a:pt x="80934" y="546450"/>
+                  </a:lnTo>
+                  <a:lnTo>
+                    <a:pt x="113483" y="578999"/>
+                  </a:lnTo>
+                  <a:lnTo>
+                    <a:pt x="150295" y="606774"/>
+                  </a:lnTo>
+                  <a:lnTo>
+                    <a:pt x="190860" y="629266"/>
+                  </a:lnTo>
+                  <a:lnTo>
+                    <a:pt x="234667" y="645963"/>
+                  </a:lnTo>
+                  <a:lnTo>
+                    <a:pt x="281206" y="656356"/>
+                  </a:lnTo>
+                  <a:lnTo>
+                    <a:pt x="329967" y="659934"/>
+                  </a:lnTo>
+                  <a:lnTo>
+                    <a:pt x="378727" y="656356"/>
+                  </a:lnTo>
+                  <a:lnTo>
+                    <a:pt x="425266" y="645963"/>
+                  </a:lnTo>
+                  <a:lnTo>
+                    <a:pt x="469074" y="629266"/>
+                  </a:lnTo>
+                  <a:lnTo>
+                    <a:pt x="509638" y="606774"/>
+                  </a:lnTo>
+                  <a:lnTo>
+                    <a:pt x="546450" y="578999"/>
+                  </a:lnTo>
+                  <a:lnTo>
+                    <a:pt x="578999" y="546450"/>
+                  </a:lnTo>
+                  <a:lnTo>
+                    <a:pt x="606775" y="509638"/>
+                  </a:lnTo>
+                  <a:lnTo>
+                    <a:pt x="629266" y="469073"/>
+                  </a:lnTo>
+                  <a:lnTo>
+                    <a:pt x="645964" y="425266"/>
+                  </a:lnTo>
+                  <a:lnTo>
+                    <a:pt x="656356" y="378727"/>
+                  </a:lnTo>
+                  <a:lnTo>
+                    <a:pt x="659934" y="329967"/>
+                  </a:lnTo>
+                  <a:lnTo>
+                    <a:pt x="656356" y="281206"/>
+                  </a:lnTo>
+                  <a:lnTo>
+                    <a:pt x="645964" y="234667"/>
+                  </a:lnTo>
+                  <a:lnTo>
+                    <a:pt x="629266" y="190860"/>
+                  </a:lnTo>
+                  <a:lnTo>
+                    <a:pt x="606775" y="150295"/>
+                  </a:lnTo>
+                  <a:lnTo>
+                    <a:pt x="578999" y="113483"/>
+                  </a:lnTo>
+                  <a:lnTo>
+                    <a:pt x="546450" y="80934"/>
+                  </a:lnTo>
+                  <a:lnTo>
+                    <a:pt x="509638" y="53159"/>
+                  </a:lnTo>
+                  <a:lnTo>
+                    <a:pt x="469074" y="30667"/>
+                  </a:lnTo>
+                  <a:lnTo>
+                    <a:pt x="425266" y="13970"/>
+                  </a:lnTo>
+                  <a:lnTo>
+                    <a:pt x="378727" y="3577"/>
+                  </a:lnTo>
+                  <a:lnTo>
+                    <a:pt x="329967" y="0"/>
+                  </a:lnTo>
+                  <a:close/>
+                </a:path>
+              </a:pathLst>
+            </a:custGeom>
+            <a:solidFill>
+              <a:srgbClr val="C1C1CC"/>
+            </a:solidFill>
+          </p:spPr>
+          <p:txBody>
+            <a:bodyPr wrap="square" lIns="0" tIns="0" rIns="0" bIns="0" rtlCol="0"/>
+            <a:lstStyle/>
+            <a:p>
+              <a:endParaRPr/>
+            </a:p>
+          </p:txBody>
+        </p:sp>
+        <p:pic>
+          <p:nvPicPr>
+            <p:cNvPr id="6" name="object 6">
+              <a:extLst>
+                <a:ext uri="{FF2B5EF4-FFF2-40B4-BE49-F238E27FC236}">
+                  <a16:creationId xmlns:a16="http://schemas.microsoft.com/office/drawing/2014/main" id="{F1E486F3-24C1-C9DE-D46A-F7F925E1A1EB}"/>
+                </a:ext>
+              </a:extLst>
+            </p:cNvPr>
+            <p:cNvPicPr/>
+            <p:nvPr/>
+          </p:nvPicPr>
+          <p:blipFill>
+            <a:blip r:embed="rId3" cstate="print"/>
+            <a:stretch>
+              <a:fillRect/>
+            </a:stretch>
+          </p:blipFill>
+          <p:spPr>
+            <a:xfrm>
+              <a:off x="3948125" y="81016"/>
+              <a:ext cx="541133" cy="541133"/>
+            </a:xfrm>
+            <a:prstGeom prst="rect">
+              <a:avLst/>
+            </a:prstGeom>
+          </p:spPr>
+        </p:pic>
+        <p:sp>
+          <p:nvSpPr>
+            <p:cNvPr id="7" name="object 7">
+              <a:extLst>
+                <a:ext uri="{FF2B5EF4-FFF2-40B4-BE49-F238E27FC236}">
+                  <a16:creationId xmlns:a16="http://schemas.microsoft.com/office/drawing/2014/main" id="{D604AB46-79C1-7A00-1224-777E2C06B7AB}"/>
+                </a:ext>
+              </a:extLst>
+            </p:cNvPr>
+            <p:cNvSpPr/>
+            <p:nvPr/>
+          </p:nvSpPr>
+          <p:spPr>
+            <a:xfrm>
+              <a:off x="3918425" y="91543"/>
+              <a:ext cx="600710" cy="560705"/>
+            </a:xfrm>
+            <a:custGeom>
+              <a:avLst/>
+              <a:gdLst/>
+              <a:ahLst/>
+              <a:cxnLst/>
+              <a:rect l="l" t="t" r="r" b="b"/>
+              <a:pathLst>
+                <a:path w="600710" h="560705">
+                  <a:moveTo>
+                    <a:pt x="600533" y="260039"/>
+                  </a:moveTo>
+                  <a:lnTo>
+                    <a:pt x="596603" y="308744"/>
+                  </a:lnTo>
+                  <a:lnTo>
+                    <a:pt x="585226" y="354947"/>
+                  </a:lnTo>
+                  <a:lnTo>
+                    <a:pt x="567018" y="398030"/>
+                  </a:lnTo>
+                  <a:lnTo>
+                    <a:pt x="542600" y="437373"/>
+                  </a:lnTo>
+                  <a:lnTo>
+                    <a:pt x="512588" y="472360"/>
+                  </a:lnTo>
+                  <a:lnTo>
+                    <a:pt x="477601" y="502372"/>
+                  </a:lnTo>
+                  <a:lnTo>
+                    <a:pt x="438257" y="526791"/>
+                  </a:lnTo>
+                  <a:lnTo>
+                    <a:pt x="395175" y="544998"/>
+                  </a:lnTo>
+                  <a:lnTo>
+                    <a:pt x="348972" y="556376"/>
+                  </a:lnTo>
+                  <a:lnTo>
+                    <a:pt x="300266" y="560306"/>
+                  </a:lnTo>
+                  <a:lnTo>
+                    <a:pt x="251561" y="556376"/>
+                  </a:lnTo>
+                  <a:lnTo>
+                    <a:pt x="205358" y="544998"/>
+                  </a:lnTo>
+                  <a:lnTo>
+                    <a:pt x="162276" y="526791"/>
+                  </a:lnTo>
+                  <a:lnTo>
+                    <a:pt x="122932" y="502372"/>
+                  </a:lnTo>
+                  <a:lnTo>
+                    <a:pt x="87945" y="472360"/>
+                  </a:lnTo>
+                  <a:lnTo>
+                    <a:pt x="57933" y="437373"/>
+                  </a:lnTo>
+                  <a:lnTo>
+                    <a:pt x="33514" y="398030"/>
+                  </a:lnTo>
+                  <a:lnTo>
+                    <a:pt x="15307" y="354947"/>
+                  </a:lnTo>
+                  <a:lnTo>
+                    <a:pt x="3929" y="308744"/>
+                  </a:lnTo>
+                  <a:lnTo>
+                    <a:pt x="0" y="260039"/>
+                  </a:lnTo>
+                  <a:lnTo>
+                    <a:pt x="4670" y="207257"/>
+                  </a:lnTo>
+                  <a:lnTo>
+                    <a:pt x="18280" y="156867"/>
+                  </a:lnTo>
+                  <a:lnTo>
+                    <a:pt x="40232" y="109907"/>
+                  </a:lnTo>
+                  <a:lnTo>
+                    <a:pt x="69924" y="67417"/>
+                  </a:lnTo>
+                  <a:lnTo>
+                    <a:pt x="106758" y="30435"/>
+                  </a:lnTo>
+                  <a:lnTo>
+                    <a:pt x="150133" y="0"/>
+                  </a:lnTo>
+                </a:path>
+              </a:pathLst>
+            </a:custGeom>
+            <a:ln w="29700">
+              <a:solidFill>
+                <a:srgbClr val="002646"/>
+              </a:solidFill>
+            </a:ln>
+          </p:spPr>
+          <p:txBody>
+            <a:bodyPr wrap="square" lIns="0" tIns="0" rIns="0" bIns="0" rtlCol="0"/>
+            <a:lstStyle/>
+            <a:p>
+              <a:endParaRPr/>
+            </a:p>
+          </p:txBody>
+        </p:sp>
+        <p:sp>
+          <p:nvSpPr>
+            <p:cNvPr id="8" name="object 8">
+              <a:extLst>
+                <a:ext uri="{FF2B5EF4-FFF2-40B4-BE49-F238E27FC236}">
+                  <a16:creationId xmlns:a16="http://schemas.microsoft.com/office/drawing/2014/main" id="{15E96E5C-28FB-DE0D-4C7C-7C4A4DB32FFE}"/>
+                </a:ext>
+              </a:extLst>
+            </p:cNvPr>
+            <p:cNvSpPr/>
+            <p:nvPr/>
+          </p:nvSpPr>
+          <p:spPr>
+            <a:xfrm>
+              <a:off x="4053709" y="76693"/>
+              <a:ext cx="29845" cy="29845"/>
+            </a:xfrm>
+            <a:custGeom>
+              <a:avLst/>
+              <a:gdLst/>
+              <a:ahLst/>
+              <a:cxnLst/>
+              <a:rect l="l" t="t" r="r" b="b"/>
+              <a:pathLst>
+                <a:path w="29845" h="29844">
+                  <a:moveTo>
+                    <a:pt x="23051" y="0"/>
+                  </a:moveTo>
+                  <a:lnTo>
+                    <a:pt x="6648" y="0"/>
+                  </a:lnTo>
+                  <a:lnTo>
+                    <a:pt x="0" y="6648"/>
+                  </a:lnTo>
+                  <a:lnTo>
+                    <a:pt x="0" y="23051"/>
+                  </a:lnTo>
+                  <a:lnTo>
+                    <a:pt x="6648" y="29699"/>
+                  </a:lnTo>
+                  <a:lnTo>
+                    <a:pt x="23051" y="29699"/>
+                  </a:lnTo>
+                  <a:lnTo>
+                    <a:pt x="29699" y="23051"/>
+                  </a:lnTo>
+                  <a:lnTo>
+                    <a:pt x="29699" y="6648"/>
+                  </a:lnTo>
+                  <a:lnTo>
+                    <a:pt x="23051" y="0"/>
+                  </a:lnTo>
+                  <a:close/>
+                </a:path>
+              </a:pathLst>
+            </a:custGeom>
+            <a:solidFill>
+              <a:srgbClr val="002646"/>
+            </a:solidFill>
+          </p:spPr>
+          <p:txBody>
+            <a:bodyPr wrap="square" lIns="0" tIns="0" rIns="0" bIns="0" rtlCol="0"/>
+            <a:lstStyle/>
+            <a:p>
+              <a:endParaRPr/>
+            </a:p>
+          </p:txBody>
+        </p:sp>
+        <p:pic>
+          <p:nvPicPr>
+            <p:cNvPr id="9" name="object 9">
+              <a:extLst>
+                <a:ext uri="{FF2B5EF4-FFF2-40B4-BE49-F238E27FC236}">
+                  <a16:creationId xmlns:a16="http://schemas.microsoft.com/office/drawing/2014/main" id="{B0110A70-AC8D-3466-6A7E-7A4A12D07CC9}"/>
+                </a:ext>
+              </a:extLst>
+            </p:cNvPr>
+            <p:cNvPicPr/>
+            <p:nvPr/>
+          </p:nvPicPr>
+          <p:blipFill>
+            <a:blip r:embed="rId4" cstate="print"/>
+            <a:stretch>
+              <a:fillRect/>
+            </a:stretch>
+          </p:blipFill>
+          <p:spPr>
+            <a:xfrm>
+              <a:off x="4454497" y="287121"/>
+              <a:ext cx="128923" cy="128923"/>
+            </a:xfrm>
+            <a:prstGeom prst="rect">
+              <a:avLst/>
+            </a:prstGeom>
+          </p:spPr>
+        </p:pic>
+      </p:grpSp>
+      <p:sp>
+        <p:nvSpPr>
+          <p:cNvPr id="10" name="object 10">
+            <a:extLst>
+              <a:ext uri="{FF2B5EF4-FFF2-40B4-BE49-F238E27FC236}">
+                <a16:creationId xmlns:a16="http://schemas.microsoft.com/office/drawing/2014/main" id="{2AA0CF15-151D-1536-38EA-49EE35D0C470}"/>
+              </a:ext>
+            </a:extLst>
+          </p:cNvPr>
+          <p:cNvSpPr txBox="1"/>
+          <p:nvPr/>
+        </p:nvSpPr>
+        <p:spPr>
+          <a:xfrm>
+            <a:off x="4473930" y="287788"/>
+            <a:ext cx="90170" cy="113030"/>
+          </a:xfrm>
+          <a:prstGeom prst="rect">
+            <a:avLst/>
+          </a:prstGeom>
+        </p:spPr>
+        <p:txBody>
+          <a:bodyPr vert="horz" wrap="square" lIns="0" tIns="15240" rIns="0" bIns="0" rtlCol="0">
+            <a:spAutoFit/>
+          </a:bodyPr>
+          <a:lstStyle/>
+          <a:p>
+            <a:pPr marL="12700">
+              <a:lnSpc>
+                <a:spcPct val="100000"/>
+              </a:lnSpc>
+              <a:spcBef>
+                <a:spcPts val="120"/>
+              </a:spcBef>
+            </a:pPr>
+            <a:r>
+              <a:rPr sz="550" spc="-25" dirty="0">
+                <a:solidFill>
+                  <a:srgbClr val="002646"/>
+                </a:solidFill>
+                <a:latin typeface="Tahoma"/>
+                <a:cs typeface="Tahoma"/>
+              </a:rPr>
+              <a:t>10</a:t>
+            </a:r>
+            <a:endParaRPr sz="550">
+              <a:latin typeface="Tahoma"/>
+              <a:cs typeface="Tahoma"/>
+            </a:endParaRPr>
+          </a:p>
+        </p:txBody>
+      </p:sp>
+      <p:sp>
+        <p:nvSpPr>
+          <p:cNvPr id="15" name="object 11">
+            <a:extLst>
+              <a:ext uri="{FF2B5EF4-FFF2-40B4-BE49-F238E27FC236}">
+                <a16:creationId xmlns:a16="http://schemas.microsoft.com/office/drawing/2014/main" id="{D6D186CD-D147-41A3-6F4A-C6BD734DD70E}"/>
+              </a:ext>
+            </a:extLst>
+          </p:cNvPr>
+          <p:cNvSpPr txBox="1"/>
+          <p:nvPr/>
+        </p:nvSpPr>
+        <p:spPr>
+          <a:xfrm>
+            <a:off x="347294" y="131965"/>
+            <a:ext cx="2804795" cy="259045"/>
+          </a:xfrm>
+          <a:prstGeom prst="rect">
+            <a:avLst/>
+          </a:prstGeom>
+        </p:spPr>
+        <p:txBody>
+          <a:bodyPr vert="horz" wrap="square" lIns="0" tIns="12700" rIns="0" bIns="0" rtlCol="0">
+            <a:spAutoFit/>
+          </a:bodyPr>
+          <a:lstStyle/>
+          <a:p>
+            <a:pPr marL="12700">
+              <a:lnSpc>
+                <a:spcPct val="100000"/>
+              </a:lnSpc>
+              <a:spcBef>
+                <a:spcPts val="100"/>
+              </a:spcBef>
+            </a:pPr>
+            <a:r>
+              <a:rPr lang="it-IT" sz="1600" dirty="0" err="1">
+                <a:solidFill>
+                  <a:schemeClr val="bg1"/>
+                </a:solidFill>
+              </a:rPr>
+              <a:t>Experimental</a:t>
+            </a:r>
+            <a:r>
+              <a:rPr lang="it-IT" sz="1600" dirty="0">
+                <a:solidFill>
+                  <a:schemeClr val="bg1"/>
+                </a:solidFill>
+              </a:rPr>
+              <a:t> </a:t>
+            </a:r>
+            <a:r>
+              <a:rPr lang="it-IT" sz="1600" dirty="0" err="1">
+                <a:solidFill>
+                  <a:schemeClr val="bg1"/>
+                </a:solidFill>
+              </a:rPr>
+              <a:t>Visualization</a:t>
+            </a:r>
+            <a:endParaRPr lang="it-IT" sz="1650" dirty="0">
+              <a:solidFill>
+                <a:schemeClr val="bg1"/>
+              </a:solidFill>
+              <a:latin typeface="Tahoma"/>
+              <a:cs typeface="Tahoma"/>
+            </a:endParaRPr>
+          </a:p>
+        </p:txBody>
+      </p:sp>
+      <p:pic>
+        <p:nvPicPr>
+          <p:cNvPr id="12" name="Immagine 11" descr="Immagine che contiene testo, diagramma&#10;&#10;Descrizione generata automaticamente">
+            <a:extLst>
+              <a:ext uri="{FF2B5EF4-FFF2-40B4-BE49-F238E27FC236}">
+                <a16:creationId xmlns:a16="http://schemas.microsoft.com/office/drawing/2014/main" id="{908B0BA5-EE0F-6FFF-7572-37A39FEDF230}"/>
+              </a:ext>
+            </a:extLst>
+          </p:cNvPr>
+          <p:cNvPicPr>
+            <a:picLocks noChangeAspect="1"/>
+          </p:cNvPicPr>
+          <p:nvPr/>
+        </p:nvPicPr>
+        <p:blipFill>
+          <a:blip r:embed="rId5" cstate="print">
+            <a:extLst>
+              <a:ext uri="{28A0092B-C50C-407E-A947-70E740481C1C}">
+                <a14:useLocalDpi xmlns:a14="http://schemas.microsoft.com/office/drawing/2010/main" val="0"/>
+              </a:ext>
+            </a:extLst>
+          </a:blip>
+          <a:stretch>
+            <a:fillRect/>
+          </a:stretch>
+        </p:blipFill>
+        <p:spPr>
+          <a:xfrm>
+            <a:off x="933450" y="655232"/>
+            <a:ext cx="2644775" cy="2644775"/>
+          </a:xfrm>
+          <a:prstGeom prst="rect">
+            <a:avLst/>
+          </a:prstGeom>
+        </p:spPr>
+      </p:pic>
+      <p:pic>
+        <p:nvPicPr>
+          <p:cNvPr id="16" name="Immagine 15" descr="Immagine che contiene testo, diagramma, schermata, linea&#10;&#10;Descrizione generata automaticamente">
+            <a:extLst>
+              <a:ext uri="{FF2B5EF4-FFF2-40B4-BE49-F238E27FC236}">
+                <a16:creationId xmlns:a16="http://schemas.microsoft.com/office/drawing/2014/main" id="{492A9B6C-5C44-9A0A-CB1B-04B0B43D80D7}"/>
+              </a:ext>
+            </a:extLst>
+          </p:cNvPr>
+          <p:cNvPicPr>
+            <a:picLocks noChangeAspect="1"/>
+          </p:cNvPicPr>
+          <p:nvPr/>
+        </p:nvPicPr>
+        <p:blipFill>
+          <a:blip r:embed="rId6" cstate="print">
+            <a:extLst>
+              <a:ext uri="{28A0092B-C50C-407E-A947-70E740481C1C}">
+                <a14:useLocalDpi xmlns:a14="http://schemas.microsoft.com/office/drawing/2010/main" val="0"/>
+              </a:ext>
+            </a:extLst>
+          </a:blip>
+          <a:stretch>
+            <a:fillRect/>
+          </a:stretch>
+        </p:blipFill>
+        <p:spPr>
+          <a:xfrm>
+            <a:off x="933450" y="655518"/>
+            <a:ext cx="2617298" cy="2617298"/>
+          </a:xfrm>
+          <a:prstGeom prst="rect">
+            <a:avLst/>
+          </a:prstGeom>
+        </p:spPr>
+      </p:pic>
+      <p:pic>
+        <p:nvPicPr>
+          <p:cNvPr id="13" name="Immagine 12" descr="Immagine che contiene testo, diagramma, schermata, Diagramma&#10;&#10;Descrizione generata automaticamente">
+            <a:extLst>
+              <a:ext uri="{FF2B5EF4-FFF2-40B4-BE49-F238E27FC236}">
+                <a16:creationId xmlns:a16="http://schemas.microsoft.com/office/drawing/2014/main" id="{35CD5A8E-F36E-8354-4051-4082F848E88D}"/>
+              </a:ext>
+            </a:extLst>
+          </p:cNvPr>
+          <p:cNvPicPr>
+            <a:picLocks noChangeAspect="1"/>
+          </p:cNvPicPr>
+          <p:nvPr/>
+        </p:nvPicPr>
+        <p:blipFill>
+          <a:blip r:embed="rId7" cstate="print">
+            <a:extLst>
+              <a:ext uri="{28A0092B-C50C-407E-A947-70E740481C1C}">
+                <a14:useLocalDpi xmlns:a14="http://schemas.microsoft.com/office/drawing/2010/main" val="0"/>
+              </a:ext>
+            </a:extLst>
+          </a:blip>
+          <a:stretch>
+            <a:fillRect/>
+          </a:stretch>
+        </p:blipFill>
+        <p:spPr>
+          <a:xfrm>
+            <a:off x="933450" y="658364"/>
+            <a:ext cx="2617298" cy="2617298"/>
+          </a:xfrm>
+          <a:prstGeom prst="rect">
+            <a:avLst/>
+          </a:prstGeom>
+        </p:spPr>
+      </p:pic>
+      <p:pic>
+        <p:nvPicPr>
+          <p:cNvPr id="14" name="Immagine 13" descr="Immagine che contiene testo, schermata, diagramma, Diagramma&#10;&#10;Descrizione generata automaticamente">
+            <a:extLst>
+              <a:ext uri="{FF2B5EF4-FFF2-40B4-BE49-F238E27FC236}">
+                <a16:creationId xmlns:a16="http://schemas.microsoft.com/office/drawing/2014/main" id="{B9D97BFE-2361-9EAE-5582-9B7CE173B909}"/>
+              </a:ext>
+            </a:extLst>
+          </p:cNvPr>
+          <p:cNvPicPr>
+            <a:picLocks noChangeAspect="1"/>
+          </p:cNvPicPr>
+          <p:nvPr/>
+        </p:nvPicPr>
+        <p:blipFill>
+          <a:blip r:embed="rId8" cstate="print">
+            <a:extLst>
+              <a:ext uri="{28A0092B-C50C-407E-A947-70E740481C1C}">
+                <a14:useLocalDpi xmlns:a14="http://schemas.microsoft.com/office/drawing/2010/main" val="0"/>
+              </a:ext>
+            </a:extLst>
+          </a:blip>
+          <a:stretch>
+            <a:fillRect/>
+          </a:stretch>
+        </p:blipFill>
+        <p:spPr>
+          <a:xfrm>
+            <a:off x="853651" y="673566"/>
+            <a:ext cx="2720975" cy="2720975"/>
+          </a:xfrm>
+          <a:prstGeom prst="rect">
+            <a:avLst/>
+          </a:prstGeom>
+        </p:spPr>
+      </p:pic>
+      <p:pic>
+        <p:nvPicPr>
+          <p:cNvPr id="17" name="Immagine 16" descr="Immagine che contiene testo, diagramma, schermata, Diagramma&#10;&#10;Descrizione generata automaticamente">
+            <a:extLst>
+              <a:ext uri="{FF2B5EF4-FFF2-40B4-BE49-F238E27FC236}">
+                <a16:creationId xmlns:a16="http://schemas.microsoft.com/office/drawing/2014/main" id="{A6627319-4492-342A-12B5-BDD68DF57551}"/>
+              </a:ext>
+            </a:extLst>
+          </p:cNvPr>
+          <p:cNvPicPr>
+            <a:picLocks noChangeAspect="1"/>
+          </p:cNvPicPr>
+          <p:nvPr/>
+        </p:nvPicPr>
+        <p:blipFill>
+          <a:blip r:embed="rId9" cstate="print">
+            <a:extLst>
+              <a:ext uri="{28A0092B-C50C-407E-A947-70E740481C1C}">
+                <a14:useLocalDpi xmlns:a14="http://schemas.microsoft.com/office/drawing/2010/main" val="0"/>
+              </a:ext>
+            </a:extLst>
+          </a:blip>
+          <a:stretch>
+            <a:fillRect/>
+          </a:stretch>
+        </p:blipFill>
+        <p:spPr>
+          <a:xfrm>
+            <a:off x="879475" y="663574"/>
+            <a:ext cx="2720975" cy="2720975"/>
+          </a:xfrm>
+          <a:prstGeom prst="rect">
+            <a:avLst/>
+          </a:prstGeom>
+        </p:spPr>
+      </p:pic>
+    </p:spTree>
+    <p:extLst>
+      <p:ext uri="{BB962C8B-B14F-4D97-AF65-F5344CB8AC3E}">
+        <p14:creationId xmlns:p14="http://schemas.microsoft.com/office/powerpoint/2010/main" val="3986323040"/>
+      </p:ext>
+    </p:extLst>
+  </p:cSld>
+  <p:clrMapOvr>
+    <a:masterClrMapping/>
+  </p:clrMapOvr>
+  <p:transition>
+    <p:cut/>
+  </p:transition>
+</p:sld>
+</file>
+
+<file path=ppt/slides/slide17.xml><?xml version="1.0" encoding="utf-8"?>
 <p:sld xmlns:a="http://schemas.openxmlformats.org/drawingml/2006/main" xmlns:r="http://schemas.openxmlformats.org/officeDocument/2006/relationships" xmlns:p="http://schemas.openxmlformats.org/presentationml/2006/main">
   <p:cSld>
     <p:spTree>
@@ -5289,7 +9346,7 @@
 </p:sld>
 </file>
 
-<file path=ppt/slides/slide13.xml><?xml version="1.0" encoding="utf-8"?>
+<file path=ppt/slides/slide18.xml><?xml version="1.0" encoding="utf-8"?>
 <p:sld xmlns:a="http://schemas.openxmlformats.org/drawingml/2006/main" xmlns:r="http://schemas.openxmlformats.org/officeDocument/2006/relationships" xmlns:p="http://schemas.openxmlformats.org/presentationml/2006/main">
   <p:cSld>
     <p:spTree>
@@ -6138,7 +10195,7 @@
 </p:sld>
 </file>
 
-<file path=ppt/slides/slide14.xml><?xml version="1.0" encoding="utf-8"?>
+<file path=ppt/slides/slide19.xml><?xml version="1.0" encoding="utf-8"?>
 <p:sld xmlns:a="http://schemas.openxmlformats.org/drawingml/2006/main" xmlns:r="http://schemas.openxmlformats.org/officeDocument/2006/relationships" xmlns:p="http://schemas.openxmlformats.org/presentationml/2006/main">
   <p:cSld>
     <p:spTree>
@@ -7021,7 +11078,729 @@
 </p:sld>
 </file>
 
-<file path=ppt/slides/slide15.xml><?xml version="1.0" encoding="utf-8"?>
+<file path=ppt/slides/slide2.xml><?xml version="1.0" encoding="utf-8"?>
+<p:sld xmlns:a="http://schemas.openxmlformats.org/drawingml/2006/main" xmlns:r="http://schemas.openxmlformats.org/officeDocument/2006/relationships" xmlns:p="http://schemas.openxmlformats.org/presentationml/2006/main">
+  <p:cSld>
+    <p:spTree>
+      <p:nvGrpSpPr>
+        <p:cNvPr id="1" name=""/>
+        <p:cNvGrpSpPr/>
+        <p:nvPr/>
+      </p:nvGrpSpPr>
+      <p:grpSpPr>
+        <a:xfrm>
+          <a:off x="0" y="0"/>
+          <a:ext cx="0" cy="0"/>
+          <a:chOff x="0" y="0"/>
+          <a:chExt cx="0" cy="0"/>
+        </a:xfrm>
+      </p:grpSpPr>
+      <p:sp>
+        <p:nvSpPr>
+          <p:cNvPr id="2" name="object 2"/>
+          <p:cNvSpPr txBox="1"/>
+          <p:nvPr/>
+        </p:nvSpPr>
+        <p:spPr>
+          <a:xfrm>
+            <a:off x="103924" y="14509"/>
+            <a:ext cx="1229995" cy="100027"/>
+          </a:xfrm>
+          <a:prstGeom prst="rect">
+            <a:avLst/>
+          </a:prstGeom>
+        </p:spPr>
+        <p:txBody>
+          <a:bodyPr vert="horz" wrap="square" lIns="0" tIns="15240" rIns="0" bIns="0" rtlCol="0">
+            <a:spAutoFit/>
+          </a:bodyPr>
+          <a:lstStyle/>
+          <a:p>
+            <a:pPr marL="12700">
+              <a:lnSpc>
+                <a:spcPct val="100000"/>
+              </a:lnSpc>
+              <a:spcBef>
+                <a:spcPts val="120"/>
+              </a:spcBef>
+            </a:pPr>
+            <a:r>
+              <a:rPr lang="it-IT" sz="550" spc="-30" dirty="0">
+                <a:solidFill>
+                  <a:srgbClr val="434D58"/>
+                </a:solidFill>
+                <a:latin typeface="Tahoma"/>
+                <a:cs typeface="Tahoma"/>
+              </a:rPr>
+              <a:t>Francesco Gigli</a:t>
+            </a:r>
+            <a:r>
+              <a:rPr lang="it-IT" sz="550" spc="-40" dirty="0">
+                <a:solidFill>
+                  <a:srgbClr val="434D58"/>
+                </a:solidFill>
+                <a:latin typeface="Tahoma"/>
+                <a:cs typeface="Tahoma"/>
+              </a:rPr>
+              <a:t>|</a:t>
+            </a:r>
+            <a:r>
+              <a:rPr lang="it-IT" sz="550" spc="-25" dirty="0">
+                <a:solidFill>
+                  <a:srgbClr val="434D58"/>
+                </a:solidFill>
+                <a:latin typeface="Tahoma"/>
+                <a:cs typeface="Tahoma"/>
+              </a:rPr>
+              <a:t> </a:t>
+            </a:r>
+            <a:r>
+              <a:rPr lang="it-IT" sz="550" spc="-10" dirty="0">
+                <a:solidFill>
+                  <a:srgbClr val="434D58"/>
+                </a:solidFill>
+                <a:latin typeface="Tahoma"/>
+                <a:cs typeface="Tahoma"/>
+                <a:hlinkClick r:id="rId2" action="ppaction://hlinksldjump"/>
+              </a:rPr>
+              <a:t>K-Means</a:t>
+            </a:r>
+            <a:endParaRPr lang="it-IT" sz="550" dirty="0">
+              <a:latin typeface="Tahoma"/>
+              <a:cs typeface="Tahoma"/>
+            </a:endParaRPr>
+          </a:p>
+        </p:txBody>
+      </p:sp>
+      <p:grpSp>
+        <p:nvGrpSpPr>
+          <p:cNvPr id="3" name="object 3"/>
+          <p:cNvGrpSpPr/>
+          <p:nvPr/>
+        </p:nvGrpSpPr>
+        <p:grpSpPr>
+          <a:xfrm>
+            <a:off x="0" y="21616"/>
+            <a:ext cx="4608195" cy="660400"/>
+            <a:chOff x="0" y="21616"/>
+            <a:chExt cx="4608195" cy="660400"/>
+          </a:xfrm>
+        </p:grpSpPr>
+        <p:sp>
+          <p:nvSpPr>
+            <p:cNvPr id="4" name="object 4"/>
+            <p:cNvSpPr/>
+            <p:nvPr/>
+          </p:nvSpPr>
+          <p:spPr>
+            <a:xfrm>
+              <a:off x="0" y="146608"/>
+              <a:ext cx="4608195" cy="410209"/>
+            </a:xfrm>
+            <a:custGeom>
+              <a:avLst/>
+              <a:gdLst/>
+              <a:ahLst/>
+              <a:cxnLst/>
+              <a:rect l="l" t="t" r="r" b="b"/>
+              <a:pathLst>
+                <a:path w="4608195" h="410209">
+                  <a:moveTo>
+                    <a:pt x="0" y="0"/>
+                  </a:moveTo>
+                  <a:lnTo>
+                    <a:pt x="0" y="409948"/>
+                  </a:lnTo>
+                  <a:lnTo>
+                    <a:pt x="4608060" y="409948"/>
+                  </a:lnTo>
+                  <a:lnTo>
+                    <a:pt x="4608060" y="0"/>
+                  </a:lnTo>
+                  <a:lnTo>
+                    <a:pt x="0" y="0"/>
+                  </a:lnTo>
+                  <a:close/>
+                </a:path>
+              </a:pathLst>
+            </a:custGeom>
+            <a:solidFill>
+              <a:srgbClr val="002646"/>
+            </a:solidFill>
+          </p:spPr>
+          <p:txBody>
+            <a:bodyPr wrap="square" lIns="0" tIns="0" rIns="0" bIns="0" rtlCol="0"/>
+            <a:lstStyle/>
+            <a:p>
+              <a:endParaRPr/>
+            </a:p>
+          </p:txBody>
+        </p:sp>
+        <p:sp>
+          <p:nvSpPr>
+            <p:cNvPr id="5" name="object 5"/>
+            <p:cNvSpPr/>
+            <p:nvPr/>
+          </p:nvSpPr>
+          <p:spPr>
+            <a:xfrm>
+              <a:off x="3888725" y="21616"/>
+              <a:ext cx="660400" cy="660400"/>
+            </a:xfrm>
+            <a:custGeom>
+              <a:avLst/>
+              <a:gdLst/>
+              <a:ahLst/>
+              <a:cxnLst/>
+              <a:rect l="l" t="t" r="r" b="b"/>
+              <a:pathLst>
+                <a:path w="660400" h="660400">
+                  <a:moveTo>
+                    <a:pt x="329967" y="0"/>
+                  </a:moveTo>
+                  <a:lnTo>
+                    <a:pt x="281206" y="3577"/>
+                  </a:lnTo>
+                  <a:lnTo>
+                    <a:pt x="234667" y="13970"/>
+                  </a:lnTo>
+                  <a:lnTo>
+                    <a:pt x="190860" y="30667"/>
+                  </a:lnTo>
+                  <a:lnTo>
+                    <a:pt x="150295" y="53159"/>
+                  </a:lnTo>
+                  <a:lnTo>
+                    <a:pt x="113483" y="80934"/>
+                  </a:lnTo>
+                  <a:lnTo>
+                    <a:pt x="80934" y="113483"/>
+                  </a:lnTo>
+                  <a:lnTo>
+                    <a:pt x="53159" y="150295"/>
+                  </a:lnTo>
+                  <a:lnTo>
+                    <a:pt x="30667" y="190860"/>
+                  </a:lnTo>
+                  <a:lnTo>
+                    <a:pt x="13970" y="234667"/>
+                  </a:lnTo>
+                  <a:lnTo>
+                    <a:pt x="3577" y="281206"/>
+                  </a:lnTo>
+                  <a:lnTo>
+                    <a:pt x="0" y="329967"/>
+                  </a:lnTo>
+                  <a:lnTo>
+                    <a:pt x="3577" y="378727"/>
+                  </a:lnTo>
+                  <a:lnTo>
+                    <a:pt x="13970" y="425266"/>
+                  </a:lnTo>
+                  <a:lnTo>
+                    <a:pt x="30667" y="469073"/>
+                  </a:lnTo>
+                  <a:lnTo>
+                    <a:pt x="53159" y="509638"/>
+                  </a:lnTo>
+                  <a:lnTo>
+                    <a:pt x="80934" y="546450"/>
+                  </a:lnTo>
+                  <a:lnTo>
+                    <a:pt x="113483" y="578999"/>
+                  </a:lnTo>
+                  <a:lnTo>
+                    <a:pt x="150295" y="606774"/>
+                  </a:lnTo>
+                  <a:lnTo>
+                    <a:pt x="190860" y="629266"/>
+                  </a:lnTo>
+                  <a:lnTo>
+                    <a:pt x="234667" y="645963"/>
+                  </a:lnTo>
+                  <a:lnTo>
+                    <a:pt x="281206" y="656356"/>
+                  </a:lnTo>
+                  <a:lnTo>
+                    <a:pt x="329967" y="659934"/>
+                  </a:lnTo>
+                  <a:lnTo>
+                    <a:pt x="378727" y="656356"/>
+                  </a:lnTo>
+                  <a:lnTo>
+                    <a:pt x="425266" y="645963"/>
+                  </a:lnTo>
+                  <a:lnTo>
+                    <a:pt x="469074" y="629266"/>
+                  </a:lnTo>
+                  <a:lnTo>
+                    <a:pt x="509638" y="606774"/>
+                  </a:lnTo>
+                  <a:lnTo>
+                    <a:pt x="546450" y="578999"/>
+                  </a:lnTo>
+                  <a:lnTo>
+                    <a:pt x="578999" y="546450"/>
+                  </a:lnTo>
+                  <a:lnTo>
+                    <a:pt x="606775" y="509638"/>
+                  </a:lnTo>
+                  <a:lnTo>
+                    <a:pt x="629266" y="469073"/>
+                  </a:lnTo>
+                  <a:lnTo>
+                    <a:pt x="645964" y="425266"/>
+                  </a:lnTo>
+                  <a:lnTo>
+                    <a:pt x="656356" y="378727"/>
+                  </a:lnTo>
+                  <a:lnTo>
+                    <a:pt x="659934" y="329967"/>
+                  </a:lnTo>
+                  <a:lnTo>
+                    <a:pt x="656356" y="281206"/>
+                  </a:lnTo>
+                  <a:lnTo>
+                    <a:pt x="645964" y="234667"/>
+                  </a:lnTo>
+                  <a:lnTo>
+                    <a:pt x="629266" y="190860"/>
+                  </a:lnTo>
+                  <a:lnTo>
+                    <a:pt x="606775" y="150295"/>
+                  </a:lnTo>
+                  <a:lnTo>
+                    <a:pt x="578999" y="113483"/>
+                  </a:lnTo>
+                  <a:lnTo>
+                    <a:pt x="546450" y="80934"/>
+                  </a:lnTo>
+                  <a:lnTo>
+                    <a:pt x="509638" y="53159"/>
+                  </a:lnTo>
+                  <a:lnTo>
+                    <a:pt x="469074" y="30667"/>
+                  </a:lnTo>
+                  <a:lnTo>
+                    <a:pt x="425266" y="13970"/>
+                  </a:lnTo>
+                  <a:lnTo>
+                    <a:pt x="378727" y="3577"/>
+                  </a:lnTo>
+                  <a:lnTo>
+                    <a:pt x="329967" y="0"/>
+                  </a:lnTo>
+                  <a:close/>
+                </a:path>
+              </a:pathLst>
+            </a:custGeom>
+            <a:solidFill>
+              <a:srgbClr val="C1C1CC"/>
+            </a:solidFill>
+          </p:spPr>
+          <p:txBody>
+            <a:bodyPr wrap="square" lIns="0" tIns="0" rIns="0" bIns="0" rtlCol="0"/>
+            <a:lstStyle/>
+            <a:p>
+              <a:endParaRPr/>
+            </a:p>
+          </p:txBody>
+        </p:sp>
+        <p:pic>
+          <p:nvPicPr>
+            <p:cNvPr id="6" name="object 6"/>
+            <p:cNvPicPr/>
+            <p:nvPr/>
+          </p:nvPicPr>
+          <p:blipFill>
+            <a:blip r:embed="rId3" cstate="print"/>
+            <a:stretch>
+              <a:fillRect/>
+            </a:stretch>
+          </p:blipFill>
+          <p:spPr>
+            <a:xfrm>
+              <a:off x="3948125" y="81016"/>
+              <a:ext cx="541133" cy="541133"/>
+            </a:xfrm>
+            <a:prstGeom prst="rect">
+              <a:avLst/>
+            </a:prstGeom>
+          </p:spPr>
+        </p:pic>
+        <p:pic>
+          <p:nvPicPr>
+            <p:cNvPr id="7" name="object 7"/>
+            <p:cNvPicPr/>
+            <p:nvPr/>
+          </p:nvPicPr>
+          <p:blipFill>
+            <a:blip r:embed="rId4" cstate="print"/>
+            <a:stretch>
+              <a:fillRect/>
+            </a:stretch>
+          </p:blipFill>
+          <p:spPr>
+            <a:xfrm>
+              <a:off x="4454497" y="287121"/>
+              <a:ext cx="128923" cy="201441"/>
+            </a:xfrm>
+            <a:prstGeom prst="rect">
+              <a:avLst/>
+            </a:prstGeom>
+          </p:spPr>
+        </p:pic>
+      </p:grpSp>
+      <p:sp>
+        <p:nvSpPr>
+          <p:cNvPr id="8" name="object 8"/>
+          <p:cNvSpPr txBox="1"/>
+          <p:nvPr/>
+        </p:nvSpPr>
+        <p:spPr>
+          <a:xfrm>
+            <a:off x="4493247" y="287953"/>
+            <a:ext cx="51435" cy="113030"/>
+          </a:xfrm>
+          <a:prstGeom prst="rect">
+            <a:avLst/>
+          </a:prstGeom>
+        </p:spPr>
+        <p:txBody>
+          <a:bodyPr vert="horz" wrap="square" lIns="0" tIns="15240" rIns="0" bIns="0" rtlCol="0">
+            <a:spAutoFit/>
+          </a:bodyPr>
+          <a:lstStyle/>
+          <a:p>
+            <a:pPr marL="12700">
+              <a:lnSpc>
+                <a:spcPct val="100000"/>
+              </a:lnSpc>
+              <a:spcBef>
+                <a:spcPts val="120"/>
+              </a:spcBef>
+            </a:pPr>
+            <a:r>
+              <a:rPr sz="550" spc="-50" dirty="0">
+                <a:solidFill>
+                  <a:srgbClr val="002646"/>
+                </a:solidFill>
+                <a:latin typeface="Tahoma"/>
+                <a:cs typeface="Tahoma"/>
+              </a:rPr>
+              <a:t>1</a:t>
+            </a:r>
+            <a:endParaRPr sz="550" dirty="0">
+              <a:latin typeface="Tahoma"/>
+              <a:cs typeface="Tahoma"/>
+            </a:endParaRPr>
+          </a:p>
+        </p:txBody>
+      </p:sp>
+      <p:sp>
+        <p:nvSpPr>
+          <p:cNvPr id="9" name="object 9"/>
+          <p:cNvSpPr txBox="1">
+            <a:spLocks noGrp="1"/>
+          </p:cNvSpPr>
+          <p:nvPr>
+            <p:ph type="title"/>
+          </p:nvPr>
+        </p:nvSpPr>
+        <p:spPr>
+          <a:prstGeom prst="rect">
+            <a:avLst/>
+          </a:prstGeom>
+        </p:spPr>
+        <p:txBody>
+          <a:bodyPr vert="horz" wrap="square" lIns="0" tIns="12700" rIns="0" bIns="0" rtlCol="0">
+            <a:spAutoFit/>
+          </a:bodyPr>
+          <a:lstStyle/>
+          <a:p>
+            <a:pPr marL="12700">
+              <a:lnSpc>
+                <a:spcPct val="100000"/>
+              </a:lnSpc>
+              <a:spcBef>
+                <a:spcPts val="100"/>
+              </a:spcBef>
+            </a:pPr>
+            <a:r>
+              <a:rPr lang="it-IT" spc="-55" dirty="0"/>
+              <a:t>Index</a:t>
+            </a:r>
+            <a:endParaRPr spc="-55" dirty="0"/>
+          </a:p>
+        </p:txBody>
+      </p:sp>
+      <p:sp>
+        <p:nvSpPr>
+          <p:cNvPr id="11" name="CasellaDiTesto 10">
+            <a:extLst>
+              <a:ext uri="{FF2B5EF4-FFF2-40B4-BE49-F238E27FC236}">
+                <a16:creationId xmlns:a16="http://schemas.microsoft.com/office/drawing/2014/main" id="{28C930D9-45EE-3B2B-81D2-A76B7D2A6DB5}"/>
+              </a:ext>
+            </a:extLst>
+          </p:cNvPr>
+          <p:cNvSpPr txBox="1"/>
+          <p:nvPr/>
+        </p:nvSpPr>
+        <p:spPr>
+          <a:xfrm>
+            <a:off x="569861" y="681809"/>
+            <a:ext cx="2743200" cy="2547685"/>
+          </a:xfrm>
+          <a:prstGeom prst="rect">
+            <a:avLst/>
+          </a:prstGeom>
+          <a:noFill/>
+        </p:spPr>
+        <p:txBody>
+          <a:bodyPr wrap="square" rtlCol="0">
+            <a:spAutoFit/>
+          </a:bodyPr>
+          <a:lstStyle/>
+          <a:p>
+            <a:pPr marL="285750" indent="-285750">
+              <a:lnSpc>
+                <a:spcPct val="150000"/>
+              </a:lnSpc>
+              <a:buFont typeface="Wingdings" panose="05000000000000000000" pitchFamily="2" charset="2"/>
+              <a:buChar char="Ø"/>
+            </a:pPr>
+            <a:r>
+              <a:rPr lang="it-IT" sz="1200" dirty="0" err="1">
+                <a:latin typeface="Tahoma" panose="020B0604030504040204" pitchFamily="34" charset="0"/>
+                <a:ea typeface="Tahoma" panose="020B0604030504040204" pitchFamily="34" charset="0"/>
+                <a:cs typeface="Tahoma" panose="020B0604030504040204" pitchFamily="34" charset="0"/>
+              </a:rPr>
+              <a:t>Introduction</a:t>
+            </a:r>
+            <a:endParaRPr lang="it-IT" sz="1200" dirty="0">
+              <a:latin typeface="Tahoma" panose="020B0604030504040204" pitchFamily="34" charset="0"/>
+              <a:ea typeface="Tahoma" panose="020B0604030504040204" pitchFamily="34" charset="0"/>
+              <a:cs typeface="Tahoma" panose="020B0604030504040204" pitchFamily="34" charset="0"/>
+            </a:endParaRPr>
+          </a:p>
+          <a:p>
+            <a:pPr marL="285750" indent="-285750">
+              <a:lnSpc>
+                <a:spcPct val="150000"/>
+              </a:lnSpc>
+              <a:buFont typeface="Wingdings" panose="05000000000000000000" pitchFamily="2" charset="2"/>
+              <a:buChar char="Ø"/>
+            </a:pPr>
+            <a:r>
+              <a:rPr lang="it-IT" sz="1200" dirty="0" err="1">
+                <a:latin typeface="Tahoma" panose="020B0604030504040204" pitchFamily="34" charset="0"/>
+                <a:ea typeface="Tahoma" panose="020B0604030504040204" pitchFamily="34" charset="0"/>
+                <a:cs typeface="Tahoma" panose="020B0604030504040204" pitchFamily="34" charset="0"/>
+              </a:rPr>
+              <a:t>Formal</a:t>
+            </a:r>
+            <a:r>
+              <a:rPr lang="it-IT" sz="1200" dirty="0">
+                <a:latin typeface="Tahoma" panose="020B0604030504040204" pitchFamily="34" charset="0"/>
+                <a:ea typeface="Tahoma" panose="020B0604030504040204" pitchFamily="34" charset="0"/>
+                <a:cs typeface="Tahoma" panose="020B0604030504040204" pitchFamily="34" charset="0"/>
+              </a:rPr>
+              <a:t> Definition</a:t>
+            </a:r>
+          </a:p>
+          <a:p>
+            <a:pPr marL="285750" indent="-285750">
+              <a:lnSpc>
+                <a:spcPct val="150000"/>
+              </a:lnSpc>
+              <a:buFont typeface="Wingdings" panose="05000000000000000000" pitchFamily="2" charset="2"/>
+              <a:buChar char="Ø"/>
+            </a:pPr>
+            <a:r>
+              <a:rPr lang="it-IT" sz="1200" dirty="0" err="1">
+                <a:latin typeface="Tahoma" panose="020B0604030504040204" pitchFamily="34" charset="0"/>
+                <a:ea typeface="Tahoma" panose="020B0604030504040204" pitchFamily="34" charset="0"/>
+                <a:cs typeface="Tahoma" panose="020B0604030504040204" pitchFamily="34" charset="0"/>
+              </a:rPr>
+              <a:t>Proposed</a:t>
+            </a:r>
+            <a:r>
+              <a:rPr lang="it-IT" sz="1200" dirty="0">
+                <a:latin typeface="Tahoma" panose="020B0604030504040204" pitchFamily="34" charset="0"/>
+                <a:ea typeface="Tahoma" panose="020B0604030504040204" pitchFamily="34" charset="0"/>
+                <a:cs typeface="Tahoma" panose="020B0604030504040204" pitchFamily="34" charset="0"/>
+              </a:rPr>
+              <a:t> </a:t>
+            </a:r>
+            <a:r>
+              <a:rPr lang="it-IT" sz="1200" dirty="0" err="1">
+                <a:latin typeface="Tahoma" panose="020B0604030504040204" pitchFamily="34" charset="0"/>
+                <a:ea typeface="Tahoma" panose="020B0604030504040204" pitchFamily="34" charset="0"/>
+                <a:cs typeface="Tahoma" panose="020B0604030504040204" pitchFamily="34" charset="0"/>
+              </a:rPr>
+              <a:t>Implementation</a:t>
+            </a:r>
+            <a:endParaRPr lang="it-IT" sz="1200" dirty="0">
+              <a:latin typeface="Tahoma" panose="020B0604030504040204" pitchFamily="34" charset="0"/>
+              <a:ea typeface="Tahoma" panose="020B0604030504040204" pitchFamily="34" charset="0"/>
+              <a:cs typeface="Tahoma" panose="020B0604030504040204" pitchFamily="34" charset="0"/>
+            </a:endParaRPr>
+          </a:p>
+          <a:p>
+            <a:pPr marL="285750" indent="-285750">
+              <a:lnSpc>
+                <a:spcPct val="150000"/>
+              </a:lnSpc>
+              <a:buFont typeface="Wingdings" panose="05000000000000000000" pitchFamily="2" charset="2"/>
+              <a:buChar char="Ø"/>
+            </a:pPr>
+            <a:r>
+              <a:rPr lang="it-IT" sz="1200" dirty="0">
+                <a:latin typeface="Tahoma" panose="020B0604030504040204" pitchFamily="34" charset="0"/>
+                <a:ea typeface="Tahoma" panose="020B0604030504040204" pitchFamily="34" charset="0"/>
+                <a:cs typeface="Tahoma" panose="020B0604030504040204" pitchFamily="34" charset="0"/>
+              </a:rPr>
+              <a:t>Sequential Version</a:t>
+            </a:r>
+          </a:p>
+          <a:p>
+            <a:pPr marL="285750" lvl="8" indent="-285750">
+              <a:lnSpc>
+                <a:spcPct val="150000"/>
+              </a:lnSpc>
+              <a:buFont typeface="Wingdings" panose="05000000000000000000" pitchFamily="2" charset="2"/>
+              <a:buChar char="Ø"/>
+            </a:pPr>
+            <a:r>
+              <a:rPr lang="it-IT" sz="1200" dirty="0" err="1">
+                <a:latin typeface="Tahoma" panose="020B0604030504040204" pitchFamily="34" charset="0"/>
+                <a:ea typeface="Tahoma" panose="020B0604030504040204" pitchFamily="34" charset="0"/>
+                <a:cs typeface="Tahoma" panose="020B0604030504040204" pitchFamily="34" charset="0"/>
+              </a:rPr>
+              <a:t>Parallel</a:t>
+            </a:r>
+            <a:r>
+              <a:rPr lang="it-IT" sz="1200" dirty="0">
+                <a:latin typeface="Tahoma" panose="020B0604030504040204" pitchFamily="34" charset="0"/>
+                <a:ea typeface="Tahoma" panose="020B0604030504040204" pitchFamily="34" charset="0"/>
+                <a:cs typeface="Tahoma" panose="020B0604030504040204" pitchFamily="34" charset="0"/>
+              </a:rPr>
+              <a:t> Version </a:t>
+            </a:r>
+            <a:r>
+              <a:rPr lang="it-IT" sz="1200" dirty="0" err="1">
+                <a:latin typeface="Tahoma" panose="020B0604030504040204" pitchFamily="34" charset="0"/>
+                <a:ea typeface="Tahoma" panose="020B0604030504040204" pitchFamily="34" charset="0"/>
+                <a:cs typeface="Tahoma" panose="020B0604030504040204" pitchFamily="34" charset="0"/>
+              </a:rPr>
+              <a:t>OpenMP</a:t>
+            </a:r>
+            <a:endParaRPr lang="it-IT" sz="1200" dirty="0">
+              <a:latin typeface="Tahoma" panose="020B0604030504040204" pitchFamily="34" charset="0"/>
+              <a:ea typeface="Tahoma" panose="020B0604030504040204" pitchFamily="34" charset="0"/>
+              <a:cs typeface="Tahoma" panose="020B0604030504040204" pitchFamily="34" charset="0"/>
+            </a:endParaRPr>
+          </a:p>
+          <a:p>
+            <a:pPr marL="285750" lvl="8" indent="-285750">
+              <a:lnSpc>
+                <a:spcPct val="150000"/>
+              </a:lnSpc>
+              <a:buFont typeface="Wingdings" panose="05000000000000000000" pitchFamily="2" charset="2"/>
+              <a:buChar char="Ø"/>
+            </a:pPr>
+            <a:r>
+              <a:rPr lang="it-IT" sz="1200" dirty="0" err="1">
+                <a:latin typeface="Tahoma" panose="020B0604030504040204" pitchFamily="34" charset="0"/>
+                <a:ea typeface="Tahoma" panose="020B0604030504040204" pitchFamily="34" charset="0"/>
+                <a:cs typeface="Tahoma" panose="020B0604030504040204" pitchFamily="34" charset="0"/>
+              </a:rPr>
+              <a:t>Parallel</a:t>
+            </a:r>
+            <a:r>
+              <a:rPr lang="it-IT" sz="1200" dirty="0">
+                <a:latin typeface="Tahoma" panose="020B0604030504040204" pitchFamily="34" charset="0"/>
+                <a:ea typeface="Tahoma" panose="020B0604030504040204" pitchFamily="34" charset="0"/>
+                <a:cs typeface="Tahoma" panose="020B0604030504040204" pitchFamily="34" charset="0"/>
+              </a:rPr>
+              <a:t> Version Cuda</a:t>
+            </a:r>
+          </a:p>
+          <a:p>
+            <a:pPr marL="285750" lvl="8" indent="-285750">
+              <a:lnSpc>
+                <a:spcPct val="150000"/>
+              </a:lnSpc>
+              <a:buFont typeface="Wingdings" panose="05000000000000000000" pitchFamily="2" charset="2"/>
+              <a:buChar char="Ø"/>
+            </a:pPr>
+            <a:r>
+              <a:rPr lang="it-IT" sz="1200" dirty="0">
+                <a:latin typeface="Tahoma" panose="020B0604030504040204" pitchFamily="34" charset="0"/>
+                <a:ea typeface="Tahoma" panose="020B0604030504040204" pitchFamily="34" charset="0"/>
+                <a:cs typeface="Tahoma" panose="020B0604030504040204" pitchFamily="34" charset="0"/>
+              </a:rPr>
+              <a:t>Experiment</a:t>
+            </a:r>
+          </a:p>
+          <a:p>
+            <a:pPr marL="285750" lvl="8" indent="-285750">
+              <a:lnSpc>
+                <a:spcPct val="150000"/>
+              </a:lnSpc>
+              <a:buFont typeface="Wingdings" panose="05000000000000000000" pitchFamily="2" charset="2"/>
+              <a:buChar char="Ø"/>
+            </a:pPr>
+            <a:r>
+              <a:rPr lang="it-IT" sz="1200" dirty="0" err="1">
+                <a:latin typeface="Tahoma" panose="020B0604030504040204" pitchFamily="34" charset="0"/>
+                <a:ea typeface="Tahoma" panose="020B0604030504040204" pitchFamily="34" charset="0"/>
+                <a:cs typeface="Tahoma" panose="020B0604030504040204" pitchFamily="34" charset="0"/>
+              </a:rPr>
+              <a:t>Results</a:t>
+            </a:r>
+            <a:endParaRPr lang="it-IT" sz="1200" dirty="0">
+              <a:latin typeface="Tahoma" panose="020B0604030504040204" pitchFamily="34" charset="0"/>
+              <a:ea typeface="Tahoma" panose="020B0604030504040204" pitchFamily="34" charset="0"/>
+              <a:cs typeface="Tahoma" panose="020B0604030504040204" pitchFamily="34" charset="0"/>
+            </a:endParaRPr>
+          </a:p>
+          <a:p>
+            <a:pPr marL="285750" lvl="8" indent="-285750">
+              <a:lnSpc>
+                <a:spcPct val="150000"/>
+              </a:lnSpc>
+              <a:buFont typeface="Wingdings" panose="05000000000000000000" pitchFamily="2" charset="2"/>
+              <a:buChar char="Ø"/>
+            </a:pPr>
+            <a:r>
+              <a:rPr lang="it-IT" sz="1200" dirty="0" err="1">
+                <a:latin typeface="Tahoma" panose="020B0604030504040204" pitchFamily="34" charset="0"/>
+                <a:ea typeface="Tahoma" panose="020B0604030504040204" pitchFamily="34" charset="0"/>
+                <a:cs typeface="Tahoma" panose="020B0604030504040204" pitchFamily="34" charset="0"/>
+              </a:rPr>
+              <a:t>Conclusion</a:t>
+            </a:r>
+            <a:endParaRPr lang="it-IT" sz="1200" dirty="0">
+              <a:latin typeface="Tahoma" panose="020B0604030504040204" pitchFamily="34" charset="0"/>
+              <a:ea typeface="Tahoma" panose="020B0604030504040204" pitchFamily="34" charset="0"/>
+              <a:cs typeface="Tahoma" panose="020B0604030504040204" pitchFamily="34" charset="0"/>
+            </a:endParaRPr>
+          </a:p>
+        </p:txBody>
+      </p:sp>
+    </p:spTree>
+  </p:cSld>
+  <p:clrMapOvr>
+    <a:masterClrMapping/>
+  </p:clrMapOvr>
+  <p:transition>
+    <p:cut/>
+  </p:transition>
+</p:sld>
+</file>
+
+<file path=ppt/slides/slide20.xml><?xml version="1.0" encoding="utf-8"?>
 <p:sld xmlns:a="http://schemas.openxmlformats.org/drawingml/2006/main" xmlns:r="http://schemas.openxmlformats.org/officeDocument/2006/relationships" xmlns:p="http://schemas.openxmlformats.org/presentationml/2006/main">
   <p:cSld>
     <p:spTree>
@@ -7880,7 +12659,7 @@
 </p:sld>
 </file>
 
-<file path=ppt/slides/slide16.xml><?xml version="1.0" encoding="utf-8"?>
+<file path=ppt/slides/slide21.xml><?xml version="1.0" encoding="utf-8"?>
 <p:sld xmlns:a="http://schemas.openxmlformats.org/drawingml/2006/main" xmlns:r="http://schemas.openxmlformats.org/officeDocument/2006/relationships" xmlns:p="http://schemas.openxmlformats.org/presentationml/2006/main">
   <p:cSld>
     <p:spTree>
@@ -8891,734 +13670,6 @@
               </a:solidFill>
               <a:latin typeface="Tahoma"/>
               <a:cs typeface="Tahoma"/>
-            </a:endParaRPr>
-          </a:p>
-        </p:txBody>
-      </p:sp>
-    </p:spTree>
-  </p:cSld>
-  <p:clrMapOvr>
-    <a:masterClrMapping/>
-  </p:clrMapOvr>
-  <p:transition>
-    <p:cut/>
-  </p:transition>
-</p:sld>
-</file>
-
-<file path=ppt/slides/slide2.xml><?xml version="1.0" encoding="utf-8"?>
-<p:sld xmlns:a="http://schemas.openxmlformats.org/drawingml/2006/main" xmlns:r="http://schemas.openxmlformats.org/officeDocument/2006/relationships" xmlns:p="http://schemas.openxmlformats.org/presentationml/2006/main">
-  <p:cSld>
-    <p:spTree>
-      <p:nvGrpSpPr>
-        <p:cNvPr id="1" name=""/>
-        <p:cNvGrpSpPr/>
-        <p:nvPr/>
-      </p:nvGrpSpPr>
-      <p:grpSpPr>
-        <a:xfrm>
-          <a:off x="0" y="0"/>
-          <a:ext cx="0" cy="0"/>
-          <a:chOff x="0" y="0"/>
-          <a:chExt cx="0" cy="0"/>
-        </a:xfrm>
-      </p:grpSpPr>
-      <p:sp>
-        <p:nvSpPr>
-          <p:cNvPr id="2" name="object 2"/>
-          <p:cNvSpPr txBox="1"/>
-          <p:nvPr/>
-        </p:nvSpPr>
-        <p:spPr>
-          <a:xfrm>
-            <a:off x="103924" y="14509"/>
-            <a:ext cx="1229995" cy="100027"/>
-          </a:xfrm>
-          <a:prstGeom prst="rect">
-            <a:avLst/>
-          </a:prstGeom>
-        </p:spPr>
-        <p:txBody>
-          <a:bodyPr vert="horz" wrap="square" lIns="0" tIns="15240" rIns="0" bIns="0" rtlCol="0">
-            <a:spAutoFit/>
-          </a:bodyPr>
-          <a:lstStyle/>
-          <a:p>
-            <a:pPr marL="12700">
-              <a:lnSpc>
-                <a:spcPct val="100000"/>
-              </a:lnSpc>
-              <a:spcBef>
-                <a:spcPts val="120"/>
-              </a:spcBef>
-            </a:pPr>
-            <a:r>
-              <a:rPr lang="it-IT" sz="550" spc="-30" dirty="0">
-                <a:solidFill>
-                  <a:srgbClr val="434D58"/>
-                </a:solidFill>
-                <a:latin typeface="Tahoma"/>
-                <a:cs typeface="Tahoma"/>
-              </a:rPr>
-              <a:t>Francesco Gigli</a:t>
-            </a:r>
-            <a:r>
-              <a:rPr lang="it-IT" sz="550" spc="-40" dirty="0">
-                <a:solidFill>
-                  <a:srgbClr val="434D58"/>
-                </a:solidFill>
-                <a:latin typeface="Tahoma"/>
-                <a:cs typeface="Tahoma"/>
-              </a:rPr>
-              <a:t>|</a:t>
-            </a:r>
-            <a:r>
-              <a:rPr lang="it-IT" sz="550" spc="-25" dirty="0">
-                <a:solidFill>
-                  <a:srgbClr val="434D58"/>
-                </a:solidFill>
-                <a:latin typeface="Tahoma"/>
-                <a:cs typeface="Tahoma"/>
-              </a:rPr>
-              <a:t> </a:t>
-            </a:r>
-            <a:r>
-              <a:rPr lang="it-IT" sz="550" spc="-10" dirty="0">
-                <a:solidFill>
-                  <a:srgbClr val="434D58"/>
-                </a:solidFill>
-                <a:latin typeface="Tahoma"/>
-                <a:cs typeface="Tahoma"/>
-                <a:hlinkClick r:id="rId2" action="ppaction://hlinksldjump"/>
-              </a:rPr>
-              <a:t>K-Means</a:t>
-            </a:r>
-            <a:endParaRPr lang="it-IT" sz="550" dirty="0">
-              <a:latin typeface="Tahoma"/>
-              <a:cs typeface="Tahoma"/>
-            </a:endParaRPr>
-          </a:p>
-        </p:txBody>
-      </p:sp>
-      <p:grpSp>
-        <p:nvGrpSpPr>
-          <p:cNvPr id="3" name="object 3"/>
-          <p:cNvGrpSpPr/>
-          <p:nvPr/>
-        </p:nvGrpSpPr>
-        <p:grpSpPr>
-          <a:xfrm>
-            <a:off x="0" y="21616"/>
-            <a:ext cx="4608195" cy="660400"/>
-            <a:chOff x="0" y="21616"/>
-            <a:chExt cx="4608195" cy="660400"/>
-          </a:xfrm>
-        </p:grpSpPr>
-        <p:sp>
-          <p:nvSpPr>
-            <p:cNvPr id="4" name="object 4"/>
-            <p:cNvSpPr/>
-            <p:nvPr/>
-          </p:nvSpPr>
-          <p:spPr>
-            <a:xfrm>
-              <a:off x="0" y="146608"/>
-              <a:ext cx="4608195" cy="410209"/>
-            </a:xfrm>
-            <a:custGeom>
-              <a:avLst/>
-              <a:gdLst/>
-              <a:ahLst/>
-              <a:cxnLst/>
-              <a:rect l="l" t="t" r="r" b="b"/>
-              <a:pathLst>
-                <a:path w="4608195" h="410209">
-                  <a:moveTo>
-                    <a:pt x="0" y="0"/>
-                  </a:moveTo>
-                  <a:lnTo>
-                    <a:pt x="0" y="409948"/>
-                  </a:lnTo>
-                  <a:lnTo>
-                    <a:pt x="4608060" y="409948"/>
-                  </a:lnTo>
-                  <a:lnTo>
-                    <a:pt x="4608060" y="0"/>
-                  </a:lnTo>
-                  <a:lnTo>
-                    <a:pt x="0" y="0"/>
-                  </a:lnTo>
-                  <a:close/>
-                </a:path>
-              </a:pathLst>
-            </a:custGeom>
-            <a:solidFill>
-              <a:srgbClr val="002646"/>
-            </a:solidFill>
-          </p:spPr>
-          <p:txBody>
-            <a:bodyPr wrap="square" lIns="0" tIns="0" rIns="0" bIns="0" rtlCol="0"/>
-            <a:lstStyle/>
-            <a:p>
-              <a:endParaRPr/>
-            </a:p>
-          </p:txBody>
-        </p:sp>
-        <p:sp>
-          <p:nvSpPr>
-            <p:cNvPr id="5" name="object 5"/>
-            <p:cNvSpPr/>
-            <p:nvPr/>
-          </p:nvSpPr>
-          <p:spPr>
-            <a:xfrm>
-              <a:off x="3888725" y="21616"/>
-              <a:ext cx="660400" cy="660400"/>
-            </a:xfrm>
-            <a:custGeom>
-              <a:avLst/>
-              <a:gdLst/>
-              <a:ahLst/>
-              <a:cxnLst/>
-              <a:rect l="l" t="t" r="r" b="b"/>
-              <a:pathLst>
-                <a:path w="660400" h="660400">
-                  <a:moveTo>
-                    <a:pt x="329967" y="0"/>
-                  </a:moveTo>
-                  <a:lnTo>
-                    <a:pt x="281206" y="3577"/>
-                  </a:lnTo>
-                  <a:lnTo>
-                    <a:pt x="234667" y="13970"/>
-                  </a:lnTo>
-                  <a:lnTo>
-                    <a:pt x="190860" y="30667"/>
-                  </a:lnTo>
-                  <a:lnTo>
-                    <a:pt x="150295" y="53159"/>
-                  </a:lnTo>
-                  <a:lnTo>
-                    <a:pt x="113483" y="80934"/>
-                  </a:lnTo>
-                  <a:lnTo>
-                    <a:pt x="80934" y="113483"/>
-                  </a:lnTo>
-                  <a:lnTo>
-                    <a:pt x="53159" y="150295"/>
-                  </a:lnTo>
-                  <a:lnTo>
-                    <a:pt x="30667" y="190860"/>
-                  </a:lnTo>
-                  <a:lnTo>
-                    <a:pt x="13970" y="234667"/>
-                  </a:lnTo>
-                  <a:lnTo>
-                    <a:pt x="3577" y="281206"/>
-                  </a:lnTo>
-                  <a:lnTo>
-                    <a:pt x="0" y="329967"/>
-                  </a:lnTo>
-                  <a:lnTo>
-                    <a:pt x="3577" y="378727"/>
-                  </a:lnTo>
-                  <a:lnTo>
-                    <a:pt x="13970" y="425266"/>
-                  </a:lnTo>
-                  <a:lnTo>
-                    <a:pt x="30667" y="469073"/>
-                  </a:lnTo>
-                  <a:lnTo>
-                    <a:pt x="53159" y="509638"/>
-                  </a:lnTo>
-                  <a:lnTo>
-                    <a:pt x="80934" y="546450"/>
-                  </a:lnTo>
-                  <a:lnTo>
-                    <a:pt x="113483" y="578999"/>
-                  </a:lnTo>
-                  <a:lnTo>
-                    <a:pt x="150295" y="606774"/>
-                  </a:lnTo>
-                  <a:lnTo>
-                    <a:pt x="190860" y="629266"/>
-                  </a:lnTo>
-                  <a:lnTo>
-                    <a:pt x="234667" y="645963"/>
-                  </a:lnTo>
-                  <a:lnTo>
-                    <a:pt x="281206" y="656356"/>
-                  </a:lnTo>
-                  <a:lnTo>
-                    <a:pt x="329967" y="659934"/>
-                  </a:lnTo>
-                  <a:lnTo>
-                    <a:pt x="378727" y="656356"/>
-                  </a:lnTo>
-                  <a:lnTo>
-                    <a:pt x="425266" y="645963"/>
-                  </a:lnTo>
-                  <a:lnTo>
-                    <a:pt x="469074" y="629266"/>
-                  </a:lnTo>
-                  <a:lnTo>
-                    <a:pt x="509638" y="606774"/>
-                  </a:lnTo>
-                  <a:lnTo>
-                    <a:pt x="546450" y="578999"/>
-                  </a:lnTo>
-                  <a:lnTo>
-                    <a:pt x="578999" y="546450"/>
-                  </a:lnTo>
-                  <a:lnTo>
-                    <a:pt x="606775" y="509638"/>
-                  </a:lnTo>
-                  <a:lnTo>
-                    <a:pt x="629266" y="469073"/>
-                  </a:lnTo>
-                  <a:lnTo>
-                    <a:pt x="645964" y="425266"/>
-                  </a:lnTo>
-                  <a:lnTo>
-                    <a:pt x="656356" y="378727"/>
-                  </a:lnTo>
-                  <a:lnTo>
-                    <a:pt x="659934" y="329967"/>
-                  </a:lnTo>
-                  <a:lnTo>
-                    <a:pt x="656356" y="281206"/>
-                  </a:lnTo>
-                  <a:lnTo>
-                    <a:pt x="645964" y="234667"/>
-                  </a:lnTo>
-                  <a:lnTo>
-                    <a:pt x="629266" y="190860"/>
-                  </a:lnTo>
-                  <a:lnTo>
-                    <a:pt x="606775" y="150295"/>
-                  </a:lnTo>
-                  <a:lnTo>
-                    <a:pt x="578999" y="113483"/>
-                  </a:lnTo>
-                  <a:lnTo>
-                    <a:pt x="546450" y="80934"/>
-                  </a:lnTo>
-                  <a:lnTo>
-                    <a:pt x="509638" y="53159"/>
-                  </a:lnTo>
-                  <a:lnTo>
-                    <a:pt x="469074" y="30667"/>
-                  </a:lnTo>
-                  <a:lnTo>
-                    <a:pt x="425266" y="13970"/>
-                  </a:lnTo>
-                  <a:lnTo>
-                    <a:pt x="378727" y="3577"/>
-                  </a:lnTo>
-                  <a:lnTo>
-                    <a:pt x="329967" y="0"/>
-                  </a:lnTo>
-                  <a:close/>
-                </a:path>
-              </a:pathLst>
-            </a:custGeom>
-            <a:solidFill>
-              <a:srgbClr val="C1C1CC"/>
-            </a:solidFill>
-          </p:spPr>
-          <p:txBody>
-            <a:bodyPr wrap="square" lIns="0" tIns="0" rIns="0" bIns="0" rtlCol="0"/>
-            <a:lstStyle/>
-            <a:p>
-              <a:endParaRPr/>
-            </a:p>
-          </p:txBody>
-        </p:sp>
-        <p:pic>
-          <p:nvPicPr>
-            <p:cNvPr id="6" name="object 6"/>
-            <p:cNvPicPr/>
-            <p:nvPr/>
-          </p:nvPicPr>
-          <p:blipFill>
-            <a:blip r:embed="rId3" cstate="print"/>
-            <a:stretch>
-              <a:fillRect/>
-            </a:stretch>
-          </p:blipFill>
-          <p:spPr>
-            <a:xfrm>
-              <a:off x="3948125" y="81016"/>
-              <a:ext cx="541133" cy="541133"/>
-            </a:xfrm>
-            <a:prstGeom prst="rect">
-              <a:avLst/>
-            </a:prstGeom>
-          </p:spPr>
-        </p:pic>
-        <p:pic>
-          <p:nvPicPr>
-            <p:cNvPr id="7" name="object 7"/>
-            <p:cNvPicPr/>
-            <p:nvPr/>
-          </p:nvPicPr>
-          <p:blipFill>
-            <a:blip r:embed="rId4" cstate="print"/>
-            <a:stretch>
-              <a:fillRect/>
-            </a:stretch>
-          </p:blipFill>
-          <p:spPr>
-            <a:xfrm>
-              <a:off x="4454497" y="287121"/>
-              <a:ext cx="128923" cy="201441"/>
-            </a:xfrm>
-            <a:prstGeom prst="rect">
-              <a:avLst/>
-            </a:prstGeom>
-          </p:spPr>
-        </p:pic>
-      </p:grpSp>
-      <p:sp>
-        <p:nvSpPr>
-          <p:cNvPr id="8" name="object 8"/>
-          <p:cNvSpPr txBox="1"/>
-          <p:nvPr/>
-        </p:nvSpPr>
-        <p:spPr>
-          <a:xfrm>
-            <a:off x="4493247" y="287953"/>
-            <a:ext cx="51435" cy="113030"/>
-          </a:xfrm>
-          <a:prstGeom prst="rect">
-            <a:avLst/>
-          </a:prstGeom>
-        </p:spPr>
-        <p:txBody>
-          <a:bodyPr vert="horz" wrap="square" lIns="0" tIns="15240" rIns="0" bIns="0" rtlCol="0">
-            <a:spAutoFit/>
-          </a:bodyPr>
-          <a:lstStyle/>
-          <a:p>
-            <a:pPr marL="12700">
-              <a:lnSpc>
-                <a:spcPct val="100000"/>
-              </a:lnSpc>
-              <a:spcBef>
-                <a:spcPts val="120"/>
-              </a:spcBef>
-            </a:pPr>
-            <a:r>
-              <a:rPr sz="550" spc="-50" dirty="0">
-                <a:solidFill>
-                  <a:srgbClr val="002646"/>
-                </a:solidFill>
-                <a:latin typeface="Tahoma"/>
-                <a:cs typeface="Tahoma"/>
-              </a:rPr>
-              <a:t>1</a:t>
-            </a:r>
-            <a:endParaRPr sz="550" dirty="0">
-              <a:latin typeface="Tahoma"/>
-              <a:cs typeface="Tahoma"/>
-            </a:endParaRPr>
-          </a:p>
-        </p:txBody>
-      </p:sp>
-      <p:sp>
-        <p:nvSpPr>
-          <p:cNvPr id="9" name="object 9"/>
-          <p:cNvSpPr txBox="1">
-            <a:spLocks noGrp="1"/>
-          </p:cNvSpPr>
-          <p:nvPr>
-            <p:ph type="title"/>
-          </p:nvPr>
-        </p:nvSpPr>
-        <p:spPr>
-          <a:prstGeom prst="rect">
-            <a:avLst/>
-          </a:prstGeom>
-        </p:spPr>
-        <p:txBody>
-          <a:bodyPr vert="horz" wrap="square" lIns="0" tIns="12700" rIns="0" bIns="0" rtlCol="0">
-            <a:spAutoFit/>
-          </a:bodyPr>
-          <a:lstStyle/>
-          <a:p>
-            <a:pPr marL="12700">
-              <a:lnSpc>
-                <a:spcPct val="100000"/>
-              </a:lnSpc>
-              <a:spcBef>
-                <a:spcPts val="100"/>
-              </a:spcBef>
-            </a:pPr>
-            <a:r>
-              <a:rPr lang="it-IT" spc="-55" dirty="0"/>
-              <a:t>Index</a:t>
-            </a:r>
-            <a:endParaRPr spc="-55" dirty="0"/>
-          </a:p>
-        </p:txBody>
-      </p:sp>
-      <p:sp>
-        <p:nvSpPr>
-          <p:cNvPr id="11" name="CasellaDiTesto 10">
-            <a:extLst>
-              <a:ext uri="{FF2B5EF4-FFF2-40B4-BE49-F238E27FC236}">
-                <a16:creationId xmlns:a16="http://schemas.microsoft.com/office/drawing/2014/main" id="{28C930D9-45EE-3B2B-81D2-A76B7D2A6DB5}"/>
-              </a:ext>
-            </a:extLst>
-          </p:cNvPr>
-          <p:cNvSpPr txBox="1"/>
-          <p:nvPr/>
-        </p:nvSpPr>
-        <p:spPr>
-          <a:xfrm>
-            <a:off x="569861" y="815975"/>
-            <a:ext cx="2743200" cy="2677656"/>
-          </a:xfrm>
-          <a:prstGeom prst="rect">
-            <a:avLst/>
-          </a:prstGeom>
-          <a:noFill/>
-        </p:spPr>
-        <p:txBody>
-          <a:bodyPr wrap="square" rtlCol="0">
-            <a:spAutoFit/>
-          </a:bodyPr>
-          <a:lstStyle/>
-          <a:p>
-            <a:pPr marL="285750" indent="-285750">
-              <a:buFont typeface="Wingdings" panose="05000000000000000000" pitchFamily="2" charset="2"/>
-              <a:buChar char="Ø"/>
-            </a:pPr>
-            <a:r>
-              <a:rPr lang="it-IT" sz="1400" dirty="0" err="1">
-                <a:latin typeface="Tahoma" panose="020B0604030504040204" pitchFamily="34" charset="0"/>
-                <a:ea typeface="Tahoma" panose="020B0604030504040204" pitchFamily="34" charset="0"/>
-                <a:cs typeface="Tahoma" panose="020B0604030504040204" pitchFamily="34" charset="0"/>
-              </a:rPr>
-              <a:t>Introduction</a:t>
-            </a:r>
-            <a:endParaRPr lang="it-IT" sz="1400" dirty="0">
-              <a:latin typeface="Tahoma" panose="020B0604030504040204" pitchFamily="34" charset="0"/>
-              <a:ea typeface="Tahoma" panose="020B0604030504040204" pitchFamily="34" charset="0"/>
-              <a:cs typeface="Tahoma" panose="020B0604030504040204" pitchFamily="34" charset="0"/>
-            </a:endParaRPr>
-          </a:p>
-          <a:p>
-            <a:pPr marL="285750" indent="-285750">
-              <a:buFont typeface="Wingdings" panose="05000000000000000000" pitchFamily="2" charset="2"/>
-              <a:buChar char="Ø"/>
-            </a:pPr>
-            <a:r>
-              <a:rPr lang="it-IT" sz="1400" dirty="0" err="1">
-                <a:latin typeface="Tahoma" panose="020B0604030504040204" pitchFamily="34" charset="0"/>
-                <a:ea typeface="Tahoma" panose="020B0604030504040204" pitchFamily="34" charset="0"/>
-                <a:cs typeface="Tahoma" panose="020B0604030504040204" pitchFamily="34" charset="0"/>
-              </a:rPr>
-              <a:t>Formal</a:t>
-            </a:r>
-            <a:r>
-              <a:rPr lang="it-IT" sz="1400" dirty="0">
-                <a:latin typeface="Tahoma" panose="020B0604030504040204" pitchFamily="34" charset="0"/>
-                <a:ea typeface="Tahoma" panose="020B0604030504040204" pitchFamily="34" charset="0"/>
-                <a:cs typeface="Tahoma" panose="020B0604030504040204" pitchFamily="34" charset="0"/>
-              </a:rPr>
-              <a:t> Definition</a:t>
-            </a:r>
-          </a:p>
-          <a:p>
-            <a:pPr marL="285750" indent="-285750">
-              <a:buFont typeface="Wingdings" panose="05000000000000000000" pitchFamily="2" charset="2"/>
-              <a:buChar char="Ø"/>
-            </a:pPr>
-            <a:r>
-              <a:rPr lang="it-IT" sz="1400" dirty="0" err="1">
-                <a:latin typeface="Tahoma" panose="020B0604030504040204" pitchFamily="34" charset="0"/>
-                <a:ea typeface="Tahoma" panose="020B0604030504040204" pitchFamily="34" charset="0"/>
-                <a:cs typeface="Tahoma" panose="020B0604030504040204" pitchFamily="34" charset="0"/>
-              </a:rPr>
-              <a:t>Proposed</a:t>
-            </a:r>
-            <a:r>
-              <a:rPr lang="it-IT" sz="1400" dirty="0">
-                <a:latin typeface="Tahoma" panose="020B0604030504040204" pitchFamily="34" charset="0"/>
-                <a:ea typeface="Tahoma" panose="020B0604030504040204" pitchFamily="34" charset="0"/>
-                <a:cs typeface="Tahoma" panose="020B0604030504040204" pitchFamily="34" charset="0"/>
-              </a:rPr>
-              <a:t> </a:t>
-            </a:r>
-            <a:r>
-              <a:rPr lang="it-IT" sz="1400" dirty="0" err="1">
-                <a:latin typeface="Tahoma" panose="020B0604030504040204" pitchFamily="34" charset="0"/>
-                <a:ea typeface="Tahoma" panose="020B0604030504040204" pitchFamily="34" charset="0"/>
-                <a:cs typeface="Tahoma" panose="020B0604030504040204" pitchFamily="34" charset="0"/>
-              </a:rPr>
-              <a:t>Implementation</a:t>
-            </a:r>
-            <a:endParaRPr lang="it-IT" sz="1400" dirty="0">
-              <a:latin typeface="Tahoma" panose="020B0604030504040204" pitchFamily="34" charset="0"/>
-              <a:ea typeface="Tahoma" panose="020B0604030504040204" pitchFamily="34" charset="0"/>
-              <a:cs typeface="Tahoma" panose="020B0604030504040204" pitchFamily="34" charset="0"/>
-            </a:endParaRPr>
-          </a:p>
-          <a:p>
-            <a:pPr marL="285750" indent="-285750">
-              <a:buFont typeface="Wingdings" panose="05000000000000000000" pitchFamily="2" charset="2"/>
-              <a:buChar char="Ø"/>
-            </a:pPr>
-            <a:r>
-              <a:rPr lang="it-IT" sz="1400" dirty="0">
-                <a:latin typeface="Tahoma" panose="020B0604030504040204" pitchFamily="34" charset="0"/>
-                <a:ea typeface="Tahoma" panose="020B0604030504040204" pitchFamily="34" charset="0"/>
-                <a:cs typeface="Tahoma" panose="020B0604030504040204" pitchFamily="34" charset="0"/>
-              </a:rPr>
-              <a:t>Sequential Version</a:t>
-            </a:r>
-          </a:p>
-          <a:p>
-            <a:pPr marL="285750" lvl="8" indent="-285750">
-              <a:buFont typeface="Wingdings" panose="05000000000000000000" pitchFamily="2" charset="2"/>
-              <a:buChar char="Ø"/>
-            </a:pPr>
-            <a:r>
-              <a:rPr lang="it-IT" sz="1400" dirty="0" err="1">
-                <a:latin typeface="Tahoma" panose="020B0604030504040204" pitchFamily="34" charset="0"/>
-                <a:ea typeface="Tahoma" panose="020B0604030504040204" pitchFamily="34" charset="0"/>
-                <a:cs typeface="Tahoma" panose="020B0604030504040204" pitchFamily="34" charset="0"/>
-              </a:rPr>
-              <a:t>Parallel</a:t>
-            </a:r>
-            <a:r>
-              <a:rPr lang="it-IT" sz="1400" dirty="0">
-                <a:latin typeface="Tahoma" panose="020B0604030504040204" pitchFamily="34" charset="0"/>
-                <a:ea typeface="Tahoma" panose="020B0604030504040204" pitchFamily="34" charset="0"/>
-                <a:cs typeface="Tahoma" panose="020B0604030504040204" pitchFamily="34" charset="0"/>
-              </a:rPr>
-              <a:t> Version </a:t>
-            </a:r>
-            <a:r>
-              <a:rPr lang="it-IT" sz="1400" dirty="0" err="1">
-                <a:latin typeface="Tahoma" panose="020B0604030504040204" pitchFamily="34" charset="0"/>
-                <a:ea typeface="Tahoma" panose="020B0604030504040204" pitchFamily="34" charset="0"/>
-                <a:cs typeface="Tahoma" panose="020B0604030504040204" pitchFamily="34" charset="0"/>
-              </a:rPr>
-              <a:t>OpenMP</a:t>
-            </a:r>
-            <a:endParaRPr lang="it-IT" sz="1400" dirty="0">
-              <a:latin typeface="Tahoma" panose="020B0604030504040204" pitchFamily="34" charset="0"/>
-              <a:ea typeface="Tahoma" panose="020B0604030504040204" pitchFamily="34" charset="0"/>
-              <a:cs typeface="Tahoma" panose="020B0604030504040204" pitchFamily="34" charset="0"/>
-            </a:endParaRPr>
-          </a:p>
-          <a:p>
-            <a:pPr marL="285750" lvl="8" indent="-285750">
-              <a:buFont typeface="Wingdings" panose="05000000000000000000" pitchFamily="2" charset="2"/>
-              <a:buChar char="Ø"/>
-            </a:pPr>
-            <a:r>
-              <a:rPr lang="it-IT" sz="1400" dirty="0" err="1">
-                <a:latin typeface="Tahoma" panose="020B0604030504040204" pitchFamily="34" charset="0"/>
-                <a:ea typeface="Tahoma" panose="020B0604030504040204" pitchFamily="34" charset="0"/>
-                <a:cs typeface="Tahoma" panose="020B0604030504040204" pitchFamily="34" charset="0"/>
-              </a:rPr>
-              <a:t>Parallel</a:t>
-            </a:r>
-            <a:r>
-              <a:rPr lang="it-IT" sz="1400" dirty="0">
-                <a:latin typeface="Tahoma" panose="020B0604030504040204" pitchFamily="34" charset="0"/>
-                <a:ea typeface="Tahoma" panose="020B0604030504040204" pitchFamily="34" charset="0"/>
-                <a:cs typeface="Tahoma" panose="020B0604030504040204" pitchFamily="34" charset="0"/>
-              </a:rPr>
-              <a:t> Version Cuda</a:t>
-            </a:r>
-          </a:p>
-          <a:p>
-            <a:pPr marL="285750" lvl="8" indent="-285750">
-              <a:buFont typeface="Wingdings" panose="05000000000000000000" pitchFamily="2" charset="2"/>
-              <a:buChar char="Ø"/>
-            </a:pPr>
-            <a:r>
-              <a:rPr lang="it-IT" sz="1400" dirty="0">
-                <a:latin typeface="Tahoma" panose="020B0604030504040204" pitchFamily="34" charset="0"/>
-                <a:ea typeface="Tahoma" panose="020B0604030504040204" pitchFamily="34" charset="0"/>
-                <a:cs typeface="Tahoma" panose="020B0604030504040204" pitchFamily="34" charset="0"/>
-              </a:rPr>
-              <a:t>Experiment</a:t>
-            </a:r>
-          </a:p>
-          <a:p>
-            <a:pPr marL="285750" lvl="8" indent="-285750">
-              <a:buFont typeface="Wingdings" panose="05000000000000000000" pitchFamily="2" charset="2"/>
-              <a:buChar char="Ø"/>
-            </a:pPr>
-            <a:r>
-              <a:rPr lang="it-IT" sz="1400" dirty="0" err="1">
-                <a:latin typeface="Tahoma" panose="020B0604030504040204" pitchFamily="34" charset="0"/>
-                <a:ea typeface="Tahoma" panose="020B0604030504040204" pitchFamily="34" charset="0"/>
-                <a:cs typeface="Tahoma" panose="020B0604030504040204" pitchFamily="34" charset="0"/>
-              </a:rPr>
-              <a:t>Results</a:t>
-            </a:r>
-            <a:endParaRPr lang="it-IT" sz="1400" dirty="0">
-              <a:latin typeface="Tahoma" panose="020B0604030504040204" pitchFamily="34" charset="0"/>
-              <a:ea typeface="Tahoma" panose="020B0604030504040204" pitchFamily="34" charset="0"/>
-              <a:cs typeface="Tahoma" panose="020B0604030504040204" pitchFamily="34" charset="0"/>
-            </a:endParaRPr>
-          </a:p>
-          <a:p>
-            <a:pPr marL="285750" lvl="8" indent="-285750">
-              <a:buFont typeface="Wingdings" panose="05000000000000000000" pitchFamily="2" charset="2"/>
-              <a:buChar char="Ø"/>
-            </a:pPr>
-            <a:r>
-              <a:rPr lang="it-IT" sz="1400" dirty="0" err="1">
-                <a:latin typeface="Tahoma" panose="020B0604030504040204" pitchFamily="34" charset="0"/>
-                <a:ea typeface="Tahoma" panose="020B0604030504040204" pitchFamily="34" charset="0"/>
-                <a:cs typeface="Tahoma" panose="020B0604030504040204" pitchFamily="34" charset="0"/>
-              </a:rPr>
-              <a:t>Conclusion</a:t>
-            </a:r>
-            <a:endParaRPr lang="it-IT" sz="1400" dirty="0">
-              <a:latin typeface="Tahoma" panose="020B0604030504040204" pitchFamily="34" charset="0"/>
-              <a:ea typeface="Tahoma" panose="020B0604030504040204" pitchFamily="34" charset="0"/>
-              <a:cs typeface="Tahoma" panose="020B0604030504040204" pitchFamily="34" charset="0"/>
-            </a:endParaRPr>
-          </a:p>
-          <a:p>
-            <a:pPr marL="285750" lvl="8" indent="-285750">
-              <a:buFont typeface="Wingdings" panose="05000000000000000000" pitchFamily="2" charset="2"/>
-              <a:buChar char="Ø"/>
-            </a:pPr>
-            <a:endParaRPr lang="it-IT" sz="1400" dirty="0">
-              <a:latin typeface="Tahoma" panose="020B0604030504040204" pitchFamily="34" charset="0"/>
-              <a:ea typeface="Tahoma" panose="020B0604030504040204" pitchFamily="34" charset="0"/>
-              <a:cs typeface="Tahoma" panose="020B0604030504040204" pitchFamily="34" charset="0"/>
-            </a:endParaRPr>
-          </a:p>
-          <a:p>
-            <a:pPr marL="285750" indent="-285750">
-              <a:buFont typeface="Wingdings" panose="05000000000000000000" pitchFamily="2" charset="2"/>
-              <a:buChar char="Ø"/>
-            </a:pPr>
-            <a:endParaRPr lang="it-IT" sz="1400" dirty="0">
-              <a:latin typeface="Tahoma" panose="020B0604030504040204" pitchFamily="34" charset="0"/>
-              <a:ea typeface="Tahoma" panose="020B0604030504040204" pitchFamily="34" charset="0"/>
-              <a:cs typeface="Tahoma" panose="020B0604030504040204" pitchFamily="34" charset="0"/>
-            </a:endParaRPr>
-          </a:p>
-          <a:p>
-            <a:pPr marL="285750" indent="-285750">
-              <a:buFont typeface="Wingdings" panose="05000000000000000000" pitchFamily="2" charset="2"/>
-              <a:buChar char="Ø"/>
-            </a:pPr>
-            <a:endParaRPr lang="it-IT" sz="1400" dirty="0">
-              <a:latin typeface="Tahoma" panose="020B0604030504040204" pitchFamily="34" charset="0"/>
-              <a:ea typeface="Tahoma" panose="020B0604030504040204" pitchFamily="34" charset="0"/>
-              <a:cs typeface="Tahoma" panose="020B0604030504040204" pitchFamily="34" charset="0"/>
             </a:endParaRPr>
           </a:p>
         </p:txBody>
@@ -10093,8 +14144,8 @@
           </a:p>
         </p:txBody>
       </p:sp>
-      <mc:AlternateContent xmlns:mc="http://schemas.openxmlformats.org/markup-compatibility/2006" xmlns:a14="http://schemas.microsoft.com/office/drawing/2010/main">
-        <mc:Choice Requires="a14">
+      <mc:AlternateContent xmlns:mc="http://schemas.openxmlformats.org/markup-compatibility/2006">
+        <mc:Choice xmlns:a14="http://schemas.microsoft.com/office/drawing/2010/main" Requires="a14">
           <p:sp>
             <p:nvSpPr>
               <p:cNvPr id="15" name="CasellaDiTesto 14">
@@ -10695,7 +14746,7 @@
                   <a:t> points to the </a:t>
                 </a:r>
                 <a:r>
-                  <a:rPr kumimoji="0" lang="it-IT" altLang="it-IT" sz="900" b="0" i="0" u="none" strike="noStrike" cap="none" normalizeH="0" baseline="0" dirty="0" err="1">
+                  <a:rPr kumimoji="0" lang="it-IT" altLang="it-IT" sz="900" b="1" i="0" u="none" strike="noStrike" cap="none" normalizeH="0" baseline="0" dirty="0" err="1">
                     <a:ln>
                       <a:noFill/>
                     </a:ln>
@@ -10710,7 +14761,7 @@
                   <a:t>nearest</a:t>
                 </a:r>
                 <a:r>
-                  <a:rPr kumimoji="0" lang="it-IT" altLang="it-IT" sz="900" b="0" i="0" u="none" strike="noStrike" cap="none" normalizeH="0" baseline="0" dirty="0">
+                  <a:rPr kumimoji="0" lang="it-IT" altLang="it-IT" sz="900" b="1" i="0" u="none" strike="noStrike" cap="none" normalizeH="0" baseline="0" dirty="0">
                     <a:ln>
                       <a:noFill/>
                     </a:ln>
@@ -10725,7 +14776,7 @@
                   <a:t> </a:t>
                 </a:r>
                 <a:r>
-                  <a:rPr kumimoji="0" lang="it-IT" altLang="it-IT" sz="900" b="0" i="0" u="none" strike="noStrike" cap="none" normalizeH="0" baseline="0" dirty="0" err="1">
+                  <a:rPr kumimoji="0" lang="it-IT" altLang="it-IT" sz="900" b="1" i="0" u="none" strike="noStrike" cap="none" normalizeH="0" baseline="0" dirty="0" err="1">
                     <a:ln>
                       <a:noFill/>
                     </a:ln>
@@ -11562,7 +15613,7 @@
             </p:txBody>
           </p:sp>
         </mc:Choice>
-        <mc:Fallback xmlns="">
+        <mc:Fallback>
           <p:sp>
             <p:nvSpPr>
               <p:cNvPr id="15" name="CasellaDiTesto 14">
@@ -12289,8 +16340,8 @@
           </p:sp>
         </mc:Fallback>
       </mc:AlternateContent>
-      <mc:AlternateContent xmlns:mc="http://schemas.openxmlformats.org/markup-compatibility/2006" xmlns:a14="http://schemas.microsoft.com/office/drawing/2010/main">
-        <mc:Choice Requires="a14">
+      <mc:AlternateContent xmlns:mc="http://schemas.openxmlformats.org/markup-compatibility/2006">
+        <mc:Choice xmlns:a14="http://schemas.microsoft.com/office/drawing/2010/main" Requires="a14">
           <p:sp>
             <p:nvSpPr>
               <p:cNvPr id="44" name="CasellaDiTesto 43">
@@ -13597,7 +17648,7 @@
                     <a:ea typeface="Tahoma" panose="020B0604030504040204" pitchFamily="34" charset="0"/>
                     <a:cs typeface="Tahoma" panose="020B0604030504040204" pitchFamily="34" charset="0"/>
                   </a:rPr>
-                  <a:t>Stop when centroids and assignments no longer change or after a set number of iterations.</a:t>
+                  <a:t>Stop when centroids and assignments no longer change or after a set number of iterations or we reach the max iteration.</a:t>
                 </a:r>
                 <a:endParaRPr lang="it-IT" sz="900" dirty="0">
                   <a:latin typeface="Tahoma" panose="020B0604030504040204" pitchFamily="34" charset="0"/>
@@ -13608,7 +17659,7 @@
             </p:txBody>
           </p:sp>
         </mc:Choice>
-        <mc:Fallback xmlns="">
+        <mc:Fallback>
           <p:sp>
             <p:nvSpPr>
               <p:cNvPr id="44" name="CasellaDiTesto 43">
@@ -15310,96 +19361,6 @@
           </a:p>
         </p:txBody>
       </p:sp>
-      <p:pic>
-        <p:nvPicPr>
-          <p:cNvPr id="19" name="Immagine 18">
-            <a:extLst>
-              <a:ext uri="{FF2B5EF4-FFF2-40B4-BE49-F238E27FC236}">
-                <a16:creationId xmlns:a16="http://schemas.microsoft.com/office/drawing/2014/main" id="{688CDB78-8F28-E15C-3F02-B7A92834E651}"/>
-              </a:ext>
-            </a:extLst>
-          </p:cNvPr>
-          <p:cNvPicPr>
-            <a:picLocks noChangeAspect="1"/>
-          </p:cNvPicPr>
-          <p:nvPr/>
-        </p:nvPicPr>
-        <p:blipFill>
-          <a:blip r:embed="rId5"/>
-          <a:stretch>
-            <a:fillRect/>
-          </a:stretch>
-        </p:blipFill>
-        <p:spPr>
-          <a:xfrm>
-            <a:off x="299026" y="2187575"/>
-            <a:ext cx="1642487" cy="1058818"/>
-          </a:xfrm>
-          <a:prstGeom prst="rect">
-            <a:avLst/>
-          </a:prstGeom>
-        </p:spPr>
-      </p:pic>
-      <p:pic>
-        <p:nvPicPr>
-          <p:cNvPr id="21" name="Immagine 20">
-            <a:extLst>
-              <a:ext uri="{FF2B5EF4-FFF2-40B4-BE49-F238E27FC236}">
-                <a16:creationId xmlns:a16="http://schemas.microsoft.com/office/drawing/2014/main" id="{B6DC2E79-A0BD-BFDD-5434-144951330121}"/>
-              </a:ext>
-            </a:extLst>
-          </p:cNvPr>
-          <p:cNvPicPr>
-            <a:picLocks noChangeAspect="1"/>
-          </p:cNvPicPr>
-          <p:nvPr/>
-        </p:nvPicPr>
-        <p:blipFill>
-          <a:blip r:embed="rId6"/>
-          <a:stretch>
-            <a:fillRect/>
-          </a:stretch>
-        </p:blipFill>
-        <p:spPr>
-          <a:xfrm>
-            <a:off x="299026" y="1211884"/>
-            <a:ext cx="1929824" cy="674992"/>
-          </a:xfrm>
-          <a:prstGeom prst="rect">
-            <a:avLst/>
-          </a:prstGeom>
-        </p:spPr>
-      </p:pic>
-      <p:pic>
-        <p:nvPicPr>
-          <p:cNvPr id="22" name="Immagine 21">
-            <a:extLst>
-              <a:ext uri="{FF2B5EF4-FFF2-40B4-BE49-F238E27FC236}">
-                <a16:creationId xmlns:a16="http://schemas.microsoft.com/office/drawing/2014/main" id="{B7C2F84C-2E5A-530C-39B3-62C75B7BC6E4}"/>
-              </a:ext>
-            </a:extLst>
-          </p:cNvPr>
-          <p:cNvPicPr>
-            <a:picLocks noChangeAspect="1"/>
-          </p:cNvPicPr>
-          <p:nvPr/>
-        </p:nvPicPr>
-        <p:blipFill>
-          <a:blip r:embed="rId7"/>
-          <a:stretch>
-            <a:fillRect/>
-          </a:stretch>
-        </p:blipFill>
-        <p:spPr>
-          <a:xfrm>
-            <a:off x="1926250" y="1766442"/>
-            <a:ext cx="2409646" cy="1333741"/>
-          </a:xfrm>
-          <a:prstGeom prst="rect">
-            <a:avLst/>
-          </a:prstGeom>
-        </p:spPr>
-      </p:pic>
       <p:sp>
         <p:nvSpPr>
           <p:cNvPr id="23" name="CasellaDiTesto 22">
@@ -15493,6 +19454,96 @@
           </a:p>
         </p:txBody>
       </p:sp>
+      <p:pic>
+        <p:nvPicPr>
+          <p:cNvPr id="12" name="Immagine 11">
+            <a:extLst>
+              <a:ext uri="{FF2B5EF4-FFF2-40B4-BE49-F238E27FC236}">
+                <a16:creationId xmlns:a16="http://schemas.microsoft.com/office/drawing/2014/main" id="{D8E5CA83-46FC-3869-86F0-49D97D2A2D28}"/>
+              </a:ext>
+            </a:extLst>
+          </p:cNvPr>
+          <p:cNvPicPr>
+            <a:picLocks noChangeAspect="1"/>
+          </p:cNvPicPr>
+          <p:nvPr/>
+        </p:nvPicPr>
+        <p:blipFill>
+          <a:blip r:embed="rId5"/>
+          <a:stretch>
+            <a:fillRect/>
+          </a:stretch>
+        </p:blipFill>
+        <p:spPr>
+          <a:xfrm>
+            <a:off x="1162050" y="1085206"/>
+            <a:ext cx="2221187" cy="1206999"/>
+          </a:xfrm>
+          <a:prstGeom prst="rect">
+            <a:avLst/>
+          </a:prstGeom>
+        </p:spPr>
+      </p:pic>
+      <p:pic>
+        <p:nvPicPr>
+          <p:cNvPr id="16" name="Immagine 15">
+            <a:extLst>
+              <a:ext uri="{FF2B5EF4-FFF2-40B4-BE49-F238E27FC236}">
+                <a16:creationId xmlns:a16="http://schemas.microsoft.com/office/drawing/2014/main" id="{B32F5B0F-51BC-3380-9043-AEC906DDD86D}"/>
+              </a:ext>
+            </a:extLst>
+          </p:cNvPr>
+          <p:cNvPicPr>
+            <a:picLocks noChangeAspect="1"/>
+          </p:cNvPicPr>
+          <p:nvPr/>
+        </p:nvPicPr>
+        <p:blipFill>
+          <a:blip r:embed="rId6"/>
+          <a:stretch>
+            <a:fillRect/>
+          </a:stretch>
+        </p:blipFill>
+        <p:spPr>
+          <a:xfrm>
+            <a:off x="628650" y="2323854"/>
+            <a:ext cx="1543050" cy="1037533"/>
+          </a:xfrm>
+          <a:prstGeom prst="rect">
+            <a:avLst/>
+          </a:prstGeom>
+        </p:spPr>
+      </p:pic>
+      <p:pic>
+        <p:nvPicPr>
+          <p:cNvPr id="20" name="Immagine 19">
+            <a:extLst>
+              <a:ext uri="{FF2B5EF4-FFF2-40B4-BE49-F238E27FC236}">
+                <a16:creationId xmlns:a16="http://schemas.microsoft.com/office/drawing/2014/main" id="{F4D8D39A-0BDE-907F-96A1-7E876D71C7E3}"/>
+              </a:ext>
+            </a:extLst>
+          </p:cNvPr>
+          <p:cNvPicPr>
+            <a:picLocks noChangeAspect="1"/>
+          </p:cNvPicPr>
+          <p:nvPr/>
+        </p:nvPicPr>
+        <p:blipFill>
+          <a:blip r:embed="rId7"/>
+          <a:stretch>
+            <a:fillRect/>
+          </a:stretch>
+        </p:blipFill>
+        <p:spPr>
+          <a:xfrm>
+            <a:off x="2351072" y="2490427"/>
+            <a:ext cx="1848513" cy="704385"/>
+          </a:xfrm>
+          <a:prstGeom prst="rect">
+            <a:avLst/>
+          </a:prstGeom>
+        </p:spPr>
+      </p:pic>
     </p:spTree>
   </p:cSld>
   <p:clrMapOvr>
@@ -16489,10 +20540,10 @@
       </p:sp>
       <p:pic>
         <p:nvPicPr>
-          <p:cNvPr id="34" name="Immagine 33">
+          <p:cNvPr id="13" name="Immagine 12">
             <a:extLst>
               <a:ext uri="{FF2B5EF4-FFF2-40B4-BE49-F238E27FC236}">
-                <a16:creationId xmlns:a16="http://schemas.microsoft.com/office/drawing/2014/main" id="{0AF03309-63B3-4481-49F4-03DC54BC2A8A}"/>
+                <a16:creationId xmlns:a16="http://schemas.microsoft.com/office/drawing/2014/main" id="{AF6CF5BF-06DD-2742-7AE8-1F92FB4C9F10}"/>
               </a:ext>
             </a:extLst>
           </p:cNvPr>
@@ -16509,8 +20560,8 @@
         </p:blipFill>
         <p:spPr>
           <a:xfrm>
-            <a:off x="247650" y="2416175"/>
-            <a:ext cx="1838115" cy="798167"/>
+            <a:off x="1119795" y="1165007"/>
+            <a:ext cx="2370509" cy="1378826"/>
           </a:xfrm>
           <a:prstGeom prst="rect">
             <a:avLst/>
@@ -16519,10 +20570,10 @@
       </p:pic>
       <p:pic>
         <p:nvPicPr>
-          <p:cNvPr id="36" name="Immagine 35">
+          <p:cNvPr id="15" name="Immagine 14">
             <a:extLst>
               <a:ext uri="{FF2B5EF4-FFF2-40B4-BE49-F238E27FC236}">
-                <a16:creationId xmlns:a16="http://schemas.microsoft.com/office/drawing/2014/main" id="{4126AD56-5B31-55D0-EBB0-37C09127209A}"/>
+                <a16:creationId xmlns:a16="http://schemas.microsoft.com/office/drawing/2014/main" id="{D3741454-8B91-84A3-B467-4357DE4BBB84}"/>
               </a:ext>
             </a:extLst>
           </p:cNvPr>
@@ -16539,8 +20590,8 @@
         </p:blipFill>
         <p:spPr>
           <a:xfrm>
-            <a:off x="1238250" y="1164741"/>
-            <a:ext cx="1981200" cy="1251434"/>
+            <a:off x="171450" y="2543833"/>
+            <a:ext cx="2038447" cy="846623"/>
           </a:xfrm>
           <a:prstGeom prst="rect">
             <a:avLst/>
@@ -16549,10 +20600,10 @@
       </p:pic>
       <p:pic>
         <p:nvPicPr>
-          <p:cNvPr id="38" name="Immagine 37">
+          <p:cNvPr id="17" name="Immagine 16">
             <a:extLst>
               <a:ext uri="{FF2B5EF4-FFF2-40B4-BE49-F238E27FC236}">
-                <a16:creationId xmlns:a16="http://schemas.microsoft.com/office/drawing/2014/main" id="{7EF56E9D-5442-85D5-7CAF-BE7D1B53189E}"/>
+                <a16:creationId xmlns:a16="http://schemas.microsoft.com/office/drawing/2014/main" id="{C2A1473E-1A92-1310-5D2D-21D7B10108D9}"/>
               </a:ext>
             </a:extLst>
           </p:cNvPr>
@@ -16569,8 +20620,8 @@
         </p:blipFill>
         <p:spPr>
           <a:xfrm>
-            <a:off x="2363360" y="2416175"/>
-            <a:ext cx="2091137" cy="798167"/>
+            <a:off x="2457450" y="2363174"/>
+            <a:ext cx="1738255" cy="1028630"/>
           </a:xfrm>
           <a:prstGeom prst="rect">
             <a:avLst/>
@@ -17223,7 +21274,7 @@
         <p:spPr>
           <a:xfrm>
             <a:off x="287133" y="856913"/>
-            <a:ext cx="4167364" cy="2176237"/>
+            <a:ext cx="4167364" cy="1099019"/>
           </a:xfrm>
           <a:prstGeom prst="rect">
             <a:avLst/>
@@ -17305,24 +21356,6 @@
               <a:buFont typeface="Arial" panose="020B0604020202020204" pitchFamily="34" charset="0"/>
               <a:buChar char="•"/>
             </a:pPr>
-            <a:endParaRPr lang="en-US" sz="900" dirty="0">
-              <a:effectLst/>
-              <a:latin typeface="Tahoma" panose="020B0604030504040204" pitchFamily="34" charset="0"/>
-              <a:ea typeface="Tahoma" panose="020B0604030504040204" pitchFamily="34" charset="0"/>
-              <a:cs typeface="Tahoma" panose="020B0604030504040204" pitchFamily="34" charset="0"/>
-            </a:endParaRPr>
-          </a:p>
-          <a:p>
-            <a:pPr marL="171450" indent="-171450" algn="just">
-              <a:lnSpc>
-                <a:spcPts val="1200"/>
-              </a:lnSpc>
-              <a:spcAft>
-                <a:spcPts val="1200"/>
-              </a:spcAft>
-              <a:buFont typeface="Arial" panose="020B0604020202020204" pitchFamily="34" charset="0"/>
-              <a:buChar char="•"/>
-            </a:pPr>
             <a:r>
               <a:rPr lang="en-US" sz="900" b="1" dirty="0">
                 <a:effectLst/>
@@ -17330,64 +21363,9 @@
                 <a:ea typeface="Tahoma" panose="020B0604030504040204" pitchFamily="34" charset="0"/>
                 <a:cs typeface="Tahoma" panose="020B0604030504040204" pitchFamily="34" charset="0"/>
               </a:rPr>
-              <a:t>Atomic Operations:</a:t>
-            </a:r>
-          </a:p>
-          <a:p>
-            <a:pPr algn="just">
-              <a:lnSpc>
-                <a:spcPts val="1200"/>
-              </a:lnSpc>
-              <a:spcAft>
-                <a:spcPts val="1200"/>
-              </a:spcAft>
-            </a:pPr>
-            <a:r>
-              <a:rPr lang="en-US" sz="900" b="1" dirty="0">
-                <a:effectLst/>
-                <a:latin typeface="Tahoma" panose="020B0604030504040204" pitchFamily="34" charset="0"/>
-                <a:ea typeface="Tahoma" panose="020B0604030504040204" pitchFamily="34" charset="0"/>
-                <a:cs typeface="Tahoma" panose="020B0604030504040204" pitchFamily="34" charset="0"/>
-              </a:rPr>
-              <a:t>	</a:t>
+              <a:t>Atomic Operations:	</a:t>
             </a:r>
             <a:endParaRPr lang="en-US" sz="900" b="1" dirty="0">
-              <a:latin typeface="Tahoma" panose="020B0604030504040204" pitchFamily="34" charset="0"/>
-              <a:ea typeface="Tahoma" panose="020B0604030504040204" pitchFamily="34" charset="0"/>
-              <a:cs typeface="Tahoma" panose="020B0604030504040204" pitchFamily="34" charset="0"/>
-            </a:endParaRPr>
-          </a:p>
-          <a:p>
-            <a:pPr marL="171450" indent="-171450" algn="just">
-              <a:lnSpc>
-                <a:spcPts val="1200"/>
-              </a:lnSpc>
-              <a:spcAft>
-                <a:spcPts val="1200"/>
-              </a:spcAft>
-              <a:buFont typeface="Arial" panose="020B0604020202020204" pitchFamily="34" charset="0"/>
-              <a:buChar char="•"/>
-            </a:pPr>
-            <a:r>
-              <a:rPr lang="en-US" sz="900" b="1" dirty="0">
-                <a:effectLst/>
-                <a:latin typeface="Tahoma" panose="020B0604030504040204" pitchFamily="34" charset="0"/>
-                <a:ea typeface="Tahoma" panose="020B0604030504040204" pitchFamily="34" charset="0"/>
-                <a:cs typeface="Tahoma" panose="020B0604030504040204" pitchFamily="34" charset="0"/>
-              </a:rPr>
-              <a:t>Data Transfer: </a:t>
-            </a:r>
-            <a:r>
-              <a:rPr lang="en-US" sz="900" dirty="0">
-                <a:effectLst/>
-                <a:latin typeface="Tahoma" panose="020B0604030504040204" pitchFamily="34" charset="0"/>
-                <a:ea typeface="Tahoma" panose="020B0604030504040204" pitchFamily="34" charset="0"/>
-                <a:cs typeface="Tahoma" panose="020B0604030504040204" pitchFamily="34" charset="0"/>
-              </a:rPr>
-              <a:t>Data is moved between host (CPU) and device (GPU), introducing some overhead.</a:t>
-            </a:r>
-            <a:endParaRPr lang="it-IT" sz="900" dirty="0">
-              <a:effectLst/>
               <a:latin typeface="Tahoma" panose="020B0604030504040204" pitchFamily="34" charset="0"/>
               <a:ea typeface="Tahoma" panose="020B0604030504040204" pitchFamily="34" charset="0"/>
               <a:cs typeface="Tahoma" panose="020B0604030504040204" pitchFamily="34" charset="0"/>
@@ -17395,66 +21373,1116 @@
           </a:p>
         </p:txBody>
       </p:sp>
-      <p:pic>
-        <p:nvPicPr>
-          <p:cNvPr id="16" name="Immagine 15">
-            <a:extLst>
-              <a:ext uri="{FF2B5EF4-FFF2-40B4-BE49-F238E27FC236}">
-                <a16:creationId xmlns:a16="http://schemas.microsoft.com/office/drawing/2014/main" id="{8ABF0F51-EABE-FFE3-2CE4-4446C3A7722C}"/>
-              </a:ext>
-            </a:extLst>
-          </p:cNvPr>
-          <p:cNvPicPr>
-            <a:picLocks noChangeAspect="1"/>
-          </p:cNvPicPr>
-          <p:nvPr/>
-        </p:nvPicPr>
-        <p:blipFill>
-          <a:blip r:embed="rId5"/>
-          <a:stretch>
-            <a:fillRect/>
-          </a:stretch>
-        </p:blipFill>
-        <p:spPr>
-          <a:xfrm>
-            <a:off x="1770697" y="1755130"/>
-            <a:ext cx="1066800" cy="908554"/>
-          </a:xfrm>
-          <a:prstGeom prst="rect">
-            <a:avLst/>
-          </a:prstGeom>
-        </p:spPr>
-      </p:pic>
-      <p:pic>
-        <p:nvPicPr>
-          <p:cNvPr id="18" name="Immagine 17">
-            <a:extLst>
-              <a:ext uri="{FF2B5EF4-FFF2-40B4-BE49-F238E27FC236}">
-                <a16:creationId xmlns:a16="http://schemas.microsoft.com/office/drawing/2014/main" id="{BC40767E-451D-59E2-97DC-131122FF7F26}"/>
-              </a:ext>
-            </a:extLst>
-          </p:cNvPr>
-          <p:cNvPicPr>
-            <a:picLocks noChangeAspect="1"/>
-          </p:cNvPicPr>
-          <p:nvPr/>
-        </p:nvPicPr>
-        <p:blipFill>
-          <a:blip r:embed="rId6"/>
-          <a:stretch>
-            <a:fillRect/>
-          </a:stretch>
-        </p:blipFill>
-        <p:spPr>
-          <a:xfrm>
-            <a:off x="2990850" y="1789632"/>
-            <a:ext cx="1379747" cy="785248"/>
-          </a:xfrm>
-          <a:prstGeom prst="rect">
-            <a:avLst/>
-          </a:prstGeom>
-        </p:spPr>
-      </p:pic>
+      <mc:AlternateContent xmlns:mc="http://schemas.openxmlformats.org/markup-compatibility/2006">
+        <mc:Choice xmlns:a14="http://schemas.microsoft.com/office/drawing/2010/main" Requires="a14">
+          <p:sp>
+            <p:nvSpPr>
+              <p:cNvPr id="19" name="CasellaDiTesto 18">
+                <a:extLst>
+                  <a:ext uri="{FF2B5EF4-FFF2-40B4-BE49-F238E27FC236}">
+                    <a16:creationId xmlns:a16="http://schemas.microsoft.com/office/drawing/2014/main" id="{13295954-0852-5E5F-AE3C-3D43665885E1}"/>
+                  </a:ext>
+                </a:extLst>
+              </p:cNvPr>
+              <p:cNvSpPr txBox="1"/>
+              <p:nvPr/>
+            </p:nvSpPr>
+            <p:spPr>
+              <a:xfrm>
+                <a:off x="347295" y="2047429"/>
+                <a:ext cx="2414956" cy="1359346"/>
+              </a:xfrm>
+              <a:prstGeom prst="rect">
+                <a:avLst/>
+              </a:prstGeom>
+              <a:noFill/>
+            </p:spPr>
+            <p:txBody>
+              <a:bodyPr wrap="square" rtlCol="0">
+                <a:spAutoFit/>
+              </a:bodyPr>
+              <a:lstStyle/>
+              <a:p>
+                <a:pPr lvl="2" algn="just">
+                  <a:spcAft>
+                    <a:spcPts val="1200"/>
+                  </a:spcAft>
+                </a:pPr>
+                <a:r>
+                  <a:rPr lang="en-US" sz="900" b="1" dirty="0">
+                    <a:latin typeface="Tahoma" panose="020B0604030504040204" pitchFamily="34" charset="0"/>
+                    <a:ea typeface="Tahoma" panose="020B0604030504040204" pitchFamily="34" charset="0"/>
+                    <a:cs typeface="Tahoma" panose="020B0604030504040204" pitchFamily="34" charset="0"/>
+                  </a:rPr>
+                  <a:t>Point to Cluster:</a:t>
+                </a:r>
+              </a:p>
+              <a:p>
+                <a:pPr marL="171450" lvl="2" indent="-171450" algn="just">
+                  <a:spcAft>
+                    <a:spcPts val="1200"/>
+                  </a:spcAft>
+                  <a:buFont typeface="Arial" panose="020B0604020202020204" pitchFamily="34" charset="0"/>
+                  <a:buChar char="•"/>
+                </a:pPr>
+                <a14:m>
+                  <m:oMath xmlns:m="http://schemas.openxmlformats.org/officeDocument/2006/math">
+                    <m:r>
+                      <a:rPr lang="it-IT" sz="800" b="0" i="1" smtClean="0">
+                        <a:latin typeface="Cambria Math" panose="02040503050406030204" pitchFamily="18" charset="0"/>
+                        <a:ea typeface="Tahoma" panose="020B0604030504040204" pitchFamily="34" charset="0"/>
+                        <a:cs typeface="Tahoma" panose="020B0604030504040204" pitchFamily="34" charset="0"/>
+                      </a:rPr>
+                      <m:t>𝑎𝑡𝑜𝑚𝑖𝑐𝐴𝑑𝑑</m:t>
+                    </m:r>
+                    <m:d>
+                      <m:dPr>
+                        <m:ctrlPr>
+                          <a:rPr lang="it-IT" sz="800" i="1" smtClean="0">
+                            <a:latin typeface="Cambria Math" panose="02040503050406030204" pitchFamily="18" charset="0"/>
+                            <a:ea typeface="Tahoma" panose="020B0604030504040204" pitchFamily="34" charset="0"/>
+                            <a:cs typeface="Tahoma" panose="020B0604030504040204" pitchFamily="34" charset="0"/>
+                          </a:rPr>
+                        </m:ctrlPr>
+                      </m:dPr>
+                      <m:e>
+                        <m:r>
+                          <a:rPr lang="it-IT" sz="800" b="0" i="1" smtClean="0">
+                            <a:latin typeface="Cambria Math" panose="02040503050406030204" pitchFamily="18" charset="0"/>
+                            <a:ea typeface="Tahoma" panose="020B0604030504040204" pitchFamily="34" charset="0"/>
+                            <a:cs typeface="Tahoma" panose="020B0604030504040204" pitchFamily="34" charset="0"/>
+                          </a:rPr>
+                          <m:t>𝑐𝑙𝑢𝑠𝑡𝑒𝑟𝑠</m:t>
+                        </m:r>
+                        <m:d>
+                          <m:dPr>
+                            <m:begChr m:val="["/>
+                            <m:endChr m:val="]"/>
+                            <m:ctrlPr>
+                              <a:rPr lang="it-IT" sz="800" i="1" smtClean="0">
+                                <a:latin typeface="Cambria Math" panose="02040503050406030204" pitchFamily="18" charset="0"/>
+                                <a:ea typeface="Tahoma" panose="020B0604030504040204" pitchFamily="34" charset="0"/>
+                                <a:cs typeface="Tahoma" panose="020B0604030504040204" pitchFamily="34" charset="0"/>
+                              </a:rPr>
+                            </m:ctrlPr>
+                          </m:dPr>
+                          <m:e>
+                            <m:r>
+                              <a:rPr lang="it-IT" sz="800" b="0" i="1" smtClean="0">
+                                <a:latin typeface="Cambria Math" panose="02040503050406030204" pitchFamily="18" charset="0"/>
+                                <a:ea typeface="Tahoma" panose="020B0604030504040204" pitchFamily="34" charset="0"/>
+                                <a:cs typeface="Tahoma" panose="020B0604030504040204" pitchFamily="34" charset="0"/>
+                              </a:rPr>
+                              <m:t>𝑗</m:t>
+                            </m:r>
+                          </m:e>
+                        </m:d>
+                        <m:r>
+                          <a:rPr lang="it-IT" sz="800" b="0" i="1" smtClean="0">
+                            <a:latin typeface="Cambria Math" panose="02040503050406030204" pitchFamily="18" charset="0"/>
+                            <a:ea typeface="Tahoma" panose="020B0604030504040204" pitchFamily="34" charset="0"/>
+                            <a:cs typeface="Tahoma" panose="020B0604030504040204" pitchFamily="34" charset="0"/>
+                          </a:rPr>
+                          <m:t>.</m:t>
+                        </m:r>
+                        <m:r>
+                          <a:rPr lang="it-IT" sz="800" b="0" i="1" smtClean="0">
+                            <a:latin typeface="Cambria Math" panose="02040503050406030204" pitchFamily="18" charset="0"/>
+                            <a:ea typeface="Tahoma" panose="020B0604030504040204" pitchFamily="34" charset="0"/>
+                            <a:cs typeface="Tahoma" panose="020B0604030504040204" pitchFamily="34" charset="0"/>
+                          </a:rPr>
+                          <m:t>𝑛𝑒</m:t>
+                        </m:r>
+                        <m:sSub>
+                          <m:sSubPr>
+                            <m:ctrlPr>
+                              <a:rPr lang="it-IT" sz="800" i="1" smtClean="0">
+                                <a:latin typeface="Cambria Math" panose="02040503050406030204" pitchFamily="18" charset="0"/>
+                                <a:ea typeface="Tahoma" panose="020B0604030504040204" pitchFamily="34" charset="0"/>
+                                <a:cs typeface="Tahoma" panose="020B0604030504040204" pitchFamily="34" charset="0"/>
+                              </a:rPr>
+                            </m:ctrlPr>
+                          </m:sSubPr>
+                          <m:e>
+                            <m:r>
+                              <a:rPr lang="it-IT" sz="800" b="0" i="1" smtClean="0">
+                                <a:latin typeface="Cambria Math" panose="02040503050406030204" pitchFamily="18" charset="0"/>
+                                <a:ea typeface="Tahoma" panose="020B0604030504040204" pitchFamily="34" charset="0"/>
+                                <a:cs typeface="Tahoma" panose="020B0604030504040204" pitchFamily="34" charset="0"/>
+                              </a:rPr>
+                              <m:t>𝑤</m:t>
+                            </m:r>
+                          </m:e>
+                          <m:sub>
+                            <m:sSub>
+                              <m:sSubPr>
+                                <m:ctrlPr>
+                                  <a:rPr lang="it-IT" sz="800" i="1" smtClean="0">
+                                    <a:latin typeface="Cambria Math" panose="02040503050406030204" pitchFamily="18" charset="0"/>
+                                    <a:ea typeface="Tahoma" panose="020B0604030504040204" pitchFamily="34" charset="0"/>
+                                    <a:cs typeface="Tahoma" panose="020B0604030504040204" pitchFamily="34" charset="0"/>
+                                  </a:rPr>
+                                </m:ctrlPr>
+                              </m:sSubPr>
+                              <m:e>
+                                <m:r>
+                                  <a:rPr lang="it-IT" sz="800" b="0" i="1" smtClean="0">
+                                    <a:latin typeface="Cambria Math" panose="02040503050406030204" pitchFamily="18" charset="0"/>
+                                    <a:ea typeface="Tahoma" panose="020B0604030504040204" pitchFamily="34" charset="0"/>
+                                    <a:cs typeface="Tahoma" panose="020B0604030504040204" pitchFamily="34" charset="0"/>
+                                  </a:rPr>
+                                  <m:t>𝑥</m:t>
+                                </m:r>
+                              </m:e>
+                              <m:sub>
+                                <m:r>
+                                  <a:rPr lang="it-IT" sz="800" b="0" i="1" smtClean="0">
+                                    <a:latin typeface="Cambria Math" panose="02040503050406030204" pitchFamily="18" charset="0"/>
+                                    <a:ea typeface="Tahoma" panose="020B0604030504040204" pitchFamily="34" charset="0"/>
+                                    <a:cs typeface="Tahoma" panose="020B0604030504040204" pitchFamily="34" charset="0"/>
+                                  </a:rPr>
+                                  <m:t>𝑐𝑜𝑜𝑟𝑑</m:t>
+                                </m:r>
+                              </m:sub>
+                            </m:sSub>
+                          </m:sub>
+                        </m:sSub>
+                        <m:r>
+                          <a:rPr lang="it-IT" sz="800" b="0" i="1" smtClean="0">
+                            <a:latin typeface="Cambria Math" panose="02040503050406030204" pitchFamily="18" charset="0"/>
+                            <a:ea typeface="Tahoma" panose="020B0604030504040204" pitchFamily="34" charset="0"/>
+                            <a:cs typeface="Tahoma" panose="020B0604030504040204" pitchFamily="34" charset="0"/>
+                          </a:rPr>
+                          <m:t>,</m:t>
+                        </m:r>
+                        <m:r>
+                          <a:rPr lang="it-IT" sz="800" b="0" i="1" smtClean="0">
+                            <a:latin typeface="Cambria Math" panose="02040503050406030204" pitchFamily="18" charset="0"/>
+                            <a:ea typeface="Tahoma" panose="020B0604030504040204" pitchFamily="34" charset="0"/>
+                            <a:cs typeface="Tahoma" panose="020B0604030504040204" pitchFamily="34" charset="0"/>
+                          </a:rPr>
+                          <m:t>𝑝𝑜𝑖𝑛𝑡𝑠</m:t>
+                        </m:r>
+                        <m:d>
+                          <m:dPr>
+                            <m:begChr m:val="["/>
+                            <m:endChr m:val="]"/>
+                            <m:ctrlPr>
+                              <a:rPr lang="it-IT" sz="800" i="1" smtClean="0">
+                                <a:latin typeface="Cambria Math" panose="02040503050406030204" pitchFamily="18" charset="0"/>
+                                <a:ea typeface="Tahoma" panose="020B0604030504040204" pitchFamily="34" charset="0"/>
+                                <a:cs typeface="Tahoma" panose="020B0604030504040204" pitchFamily="34" charset="0"/>
+                              </a:rPr>
+                            </m:ctrlPr>
+                          </m:dPr>
+                          <m:e>
+                            <m:r>
+                              <a:rPr lang="it-IT" sz="800" b="0" i="1" smtClean="0">
+                                <a:latin typeface="Cambria Math" panose="02040503050406030204" pitchFamily="18" charset="0"/>
+                                <a:ea typeface="Tahoma" panose="020B0604030504040204" pitchFamily="34" charset="0"/>
+                                <a:cs typeface="Tahoma" panose="020B0604030504040204" pitchFamily="34" charset="0"/>
+                              </a:rPr>
+                              <m:t>𝑖</m:t>
+                            </m:r>
+                          </m:e>
+                        </m:d>
+                        <m:r>
+                          <a:rPr lang="it-IT" sz="800" b="0" i="1" smtClean="0">
+                            <a:latin typeface="Cambria Math" panose="02040503050406030204" pitchFamily="18" charset="0"/>
+                            <a:ea typeface="Tahoma" panose="020B0604030504040204" pitchFamily="34" charset="0"/>
+                            <a:cs typeface="Tahoma" panose="020B0604030504040204" pitchFamily="34" charset="0"/>
+                          </a:rPr>
+                          <m:t>.</m:t>
+                        </m:r>
+                        <m:r>
+                          <a:rPr lang="it-IT" sz="800" b="0" i="1" smtClean="0">
+                            <a:latin typeface="Cambria Math" panose="02040503050406030204" pitchFamily="18" charset="0"/>
+                            <a:ea typeface="Tahoma" panose="020B0604030504040204" pitchFamily="34" charset="0"/>
+                            <a:cs typeface="Tahoma" panose="020B0604030504040204" pitchFamily="34" charset="0"/>
+                          </a:rPr>
+                          <m:t>𝑥</m:t>
+                        </m:r>
+                      </m:e>
+                    </m:d>
+                  </m:oMath>
+                </a14:m>
+                <a:endParaRPr lang="it-IT" sz="800" dirty="0">
+                  <a:latin typeface="Cambria" panose="02040503050406030204" pitchFamily="18" charset="0"/>
+                  <a:ea typeface="Tahoma" panose="020B0604030504040204" pitchFamily="34" charset="0"/>
+                  <a:cs typeface="Tahoma" panose="020B0604030504040204" pitchFamily="34" charset="0"/>
+                </a:endParaRPr>
+              </a:p>
+              <a:p>
+                <a:pPr marL="171450" lvl="2" indent="-171450" algn="just">
+                  <a:spcAft>
+                    <a:spcPts val="1200"/>
+                  </a:spcAft>
+                  <a:buFont typeface="Arial" panose="020B0604020202020204" pitchFamily="34" charset="0"/>
+                  <a:buChar char="•"/>
+                </a:pPr>
+                <a14:m>
+                  <m:oMath xmlns:m="http://schemas.openxmlformats.org/officeDocument/2006/math">
+                    <m:r>
+                      <a:rPr lang="it-IT" sz="800" b="0" i="1" smtClean="0">
+                        <a:latin typeface="Cambria Math" panose="02040503050406030204" pitchFamily="18" charset="0"/>
+                        <a:ea typeface="Tahoma" panose="020B0604030504040204" pitchFamily="34" charset="0"/>
+                        <a:cs typeface="Tahoma" panose="020B0604030504040204" pitchFamily="34" charset="0"/>
+                      </a:rPr>
+                      <m:t>𝑎𝑡𝑜𝑚𝑖𝑐𝐴𝑑𝑑</m:t>
+                    </m:r>
+                    <m:r>
+                      <a:rPr lang="it-IT" sz="800" b="0" i="1" smtClean="0">
+                        <a:latin typeface="Cambria Math" panose="02040503050406030204" pitchFamily="18" charset="0"/>
+                        <a:ea typeface="Tahoma" panose="020B0604030504040204" pitchFamily="34" charset="0"/>
+                        <a:cs typeface="Tahoma" panose="020B0604030504040204" pitchFamily="34" charset="0"/>
+                      </a:rPr>
+                      <m:t>(</m:t>
+                    </m:r>
+                    <m:r>
+                      <a:rPr lang="it-IT" sz="800" b="0" i="1" smtClean="0">
+                        <a:latin typeface="Cambria Math" panose="02040503050406030204" pitchFamily="18" charset="0"/>
+                        <a:ea typeface="Tahoma" panose="020B0604030504040204" pitchFamily="34" charset="0"/>
+                        <a:cs typeface="Tahoma" panose="020B0604030504040204" pitchFamily="34" charset="0"/>
+                      </a:rPr>
+                      <m:t>𝑐𝑙𝑢𝑠𝑡𝑒𝑟𝑠</m:t>
+                    </m:r>
+                    <m:d>
+                      <m:dPr>
+                        <m:begChr m:val="["/>
+                        <m:endChr m:val="]"/>
+                        <m:ctrlPr>
+                          <a:rPr lang="it-IT" sz="800" i="1" smtClean="0">
+                            <a:latin typeface="Cambria Math" panose="02040503050406030204" pitchFamily="18" charset="0"/>
+                            <a:ea typeface="Tahoma" panose="020B0604030504040204" pitchFamily="34" charset="0"/>
+                            <a:cs typeface="Tahoma" panose="020B0604030504040204" pitchFamily="34" charset="0"/>
+                          </a:rPr>
+                        </m:ctrlPr>
+                      </m:dPr>
+                      <m:e>
+                        <m:r>
+                          <a:rPr lang="it-IT" sz="800" b="0" i="1" smtClean="0">
+                            <a:latin typeface="Cambria Math" panose="02040503050406030204" pitchFamily="18" charset="0"/>
+                            <a:ea typeface="Tahoma" panose="020B0604030504040204" pitchFamily="34" charset="0"/>
+                            <a:cs typeface="Tahoma" panose="020B0604030504040204" pitchFamily="34" charset="0"/>
+                          </a:rPr>
+                          <m:t>𝑗</m:t>
+                        </m:r>
+                      </m:e>
+                    </m:d>
+                    <m:r>
+                      <a:rPr lang="it-IT" sz="800" b="0" i="1" smtClean="0">
+                        <a:latin typeface="Cambria Math" panose="02040503050406030204" pitchFamily="18" charset="0"/>
+                        <a:ea typeface="Tahoma" panose="020B0604030504040204" pitchFamily="34" charset="0"/>
+                        <a:cs typeface="Tahoma" panose="020B0604030504040204" pitchFamily="34" charset="0"/>
+                      </a:rPr>
+                      <m:t>.</m:t>
+                    </m:r>
+                    <m:r>
+                      <a:rPr lang="it-IT" sz="800" b="0" i="1" smtClean="0">
+                        <a:latin typeface="Cambria Math" panose="02040503050406030204" pitchFamily="18" charset="0"/>
+                        <a:ea typeface="Tahoma" panose="020B0604030504040204" pitchFamily="34" charset="0"/>
+                        <a:cs typeface="Tahoma" panose="020B0604030504040204" pitchFamily="34" charset="0"/>
+                      </a:rPr>
+                      <m:t>𝑛𝑒𝑤</m:t>
+                    </m:r>
+                    <m:r>
+                      <a:rPr lang="it-IT" sz="800" b="0" i="1" smtClean="0">
+                        <a:latin typeface="Cambria Math" panose="02040503050406030204" pitchFamily="18" charset="0"/>
+                        <a:ea typeface="Tahoma" panose="020B0604030504040204" pitchFamily="34" charset="0"/>
+                        <a:cs typeface="Tahoma" panose="020B0604030504040204" pitchFamily="34" charset="0"/>
+                      </a:rPr>
+                      <m:t>_</m:t>
+                    </m:r>
+                    <m:r>
+                      <a:rPr lang="it-IT" sz="800" b="0" i="1" smtClean="0">
+                        <a:latin typeface="Cambria Math" panose="02040503050406030204" pitchFamily="18" charset="0"/>
+                        <a:ea typeface="Tahoma" panose="020B0604030504040204" pitchFamily="34" charset="0"/>
+                        <a:cs typeface="Tahoma" panose="020B0604030504040204" pitchFamily="34" charset="0"/>
+                      </a:rPr>
+                      <m:t>𝑥</m:t>
+                    </m:r>
+                    <m:r>
+                      <a:rPr lang="it-IT" sz="800" b="0" i="1" smtClean="0">
+                        <a:latin typeface="Cambria Math" panose="02040503050406030204" pitchFamily="18" charset="0"/>
+                        <a:ea typeface="Tahoma" panose="020B0604030504040204" pitchFamily="34" charset="0"/>
+                        <a:cs typeface="Tahoma" panose="020B0604030504040204" pitchFamily="34" charset="0"/>
+                      </a:rPr>
+                      <m:t>_</m:t>
+                    </m:r>
+                    <m:r>
+                      <a:rPr lang="it-IT" sz="800" b="0" i="1" smtClean="0">
+                        <a:latin typeface="Cambria Math" panose="02040503050406030204" pitchFamily="18" charset="0"/>
+                        <a:ea typeface="Tahoma" panose="020B0604030504040204" pitchFamily="34" charset="0"/>
+                        <a:cs typeface="Tahoma" panose="020B0604030504040204" pitchFamily="34" charset="0"/>
+                      </a:rPr>
+                      <m:t>𝑐𝑜𝑜𝑟𝑑</m:t>
+                    </m:r>
+                    <m:r>
+                      <a:rPr lang="it-IT" sz="800" b="0" i="1" smtClean="0">
+                        <a:latin typeface="Cambria Math" panose="02040503050406030204" pitchFamily="18" charset="0"/>
+                        <a:ea typeface="Tahoma" panose="020B0604030504040204" pitchFamily="34" charset="0"/>
+                        <a:cs typeface="Tahoma" panose="020B0604030504040204" pitchFamily="34" charset="0"/>
+                      </a:rPr>
+                      <m:t>,</m:t>
+                    </m:r>
+                    <m:r>
+                      <a:rPr lang="it-IT" sz="800" b="0" i="1" smtClean="0">
+                        <a:latin typeface="Cambria Math" panose="02040503050406030204" pitchFamily="18" charset="0"/>
+                        <a:ea typeface="Tahoma" panose="020B0604030504040204" pitchFamily="34" charset="0"/>
+                        <a:cs typeface="Tahoma" panose="020B0604030504040204" pitchFamily="34" charset="0"/>
+                      </a:rPr>
+                      <m:t>𝑝𝑜𝑖𝑛𝑡𝑠</m:t>
+                    </m:r>
+                    <m:d>
+                      <m:dPr>
+                        <m:begChr m:val="["/>
+                        <m:endChr m:val="]"/>
+                        <m:ctrlPr>
+                          <a:rPr lang="it-IT" sz="800" i="1" smtClean="0">
+                            <a:latin typeface="Cambria Math" panose="02040503050406030204" pitchFamily="18" charset="0"/>
+                            <a:ea typeface="Tahoma" panose="020B0604030504040204" pitchFamily="34" charset="0"/>
+                            <a:cs typeface="Tahoma" panose="020B0604030504040204" pitchFamily="34" charset="0"/>
+                          </a:rPr>
+                        </m:ctrlPr>
+                      </m:dPr>
+                      <m:e>
+                        <m:r>
+                          <a:rPr lang="it-IT" sz="800" b="0" i="1" smtClean="0">
+                            <a:latin typeface="Cambria Math" panose="02040503050406030204" pitchFamily="18" charset="0"/>
+                            <a:ea typeface="Tahoma" panose="020B0604030504040204" pitchFamily="34" charset="0"/>
+                            <a:cs typeface="Tahoma" panose="020B0604030504040204" pitchFamily="34" charset="0"/>
+                          </a:rPr>
+                          <m:t>𝑖</m:t>
+                        </m:r>
+                      </m:e>
+                    </m:d>
+                    <m:r>
+                      <a:rPr lang="it-IT" sz="800" b="0" i="1" smtClean="0">
+                        <a:latin typeface="Cambria Math" panose="02040503050406030204" pitchFamily="18" charset="0"/>
+                        <a:ea typeface="Tahoma" panose="020B0604030504040204" pitchFamily="34" charset="0"/>
+                        <a:cs typeface="Tahoma" panose="020B0604030504040204" pitchFamily="34" charset="0"/>
+                      </a:rPr>
+                      <m:t>.</m:t>
+                    </m:r>
+                    <m:r>
+                      <a:rPr lang="it-IT" sz="800" b="0" i="1" smtClean="0">
+                        <a:latin typeface="Cambria Math" panose="02040503050406030204" pitchFamily="18" charset="0"/>
+                        <a:ea typeface="Tahoma" panose="020B0604030504040204" pitchFamily="34" charset="0"/>
+                        <a:cs typeface="Tahoma" panose="020B0604030504040204" pitchFamily="34" charset="0"/>
+                      </a:rPr>
+                      <m:t>𝑥</m:t>
+                    </m:r>
+                    <m:r>
+                      <a:rPr lang="it-IT" sz="800" b="0" i="1" smtClean="0">
+                        <a:latin typeface="Cambria Math" panose="02040503050406030204" pitchFamily="18" charset="0"/>
+                        <a:ea typeface="Tahoma" panose="020B0604030504040204" pitchFamily="34" charset="0"/>
+                        <a:cs typeface="Tahoma" panose="020B0604030504040204" pitchFamily="34" charset="0"/>
+                      </a:rPr>
+                      <m:t>)</m:t>
+                    </m:r>
+                  </m:oMath>
+                </a14:m>
+                <a:endParaRPr lang="en-US" sz="800" dirty="0">
+                  <a:latin typeface="Cambria" panose="02040503050406030204" pitchFamily="18" charset="0"/>
+                  <a:ea typeface="Cambria" panose="02040503050406030204" pitchFamily="18" charset="0"/>
+                  <a:cs typeface="Tahoma" panose="020B0604030504040204" pitchFamily="34" charset="0"/>
+                </a:endParaRPr>
+              </a:p>
+              <a:p>
+                <a:pPr marL="171450" lvl="2" indent="-171450" algn="just">
+                  <a:spcAft>
+                    <a:spcPts val="1200"/>
+                  </a:spcAft>
+                  <a:buFont typeface="Arial" panose="020B0604020202020204" pitchFamily="34" charset="0"/>
+                  <a:buChar char="•"/>
+                </a:pPr>
+                <a14:m>
+                  <m:oMath xmlns:m="http://schemas.openxmlformats.org/officeDocument/2006/math">
+                    <m:r>
+                      <a:rPr lang="it-IT" sz="800" b="0" i="1" smtClean="0">
+                        <a:latin typeface="Cambria Math" panose="02040503050406030204" pitchFamily="18" charset="0"/>
+                        <a:ea typeface="Tahoma" panose="020B0604030504040204" pitchFamily="34" charset="0"/>
+                        <a:cs typeface="Tahoma" panose="020B0604030504040204" pitchFamily="34" charset="0"/>
+                      </a:rPr>
+                      <m:t>𝑎𝑡𝑜𝑚𝑖𝑐𝐴𝑑𝑑</m:t>
+                    </m:r>
+                    <m:r>
+                      <a:rPr lang="it-IT" sz="800" b="0" i="1" smtClean="0">
+                        <a:latin typeface="Cambria Math" panose="02040503050406030204" pitchFamily="18" charset="0"/>
+                        <a:ea typeface="Tahoma" panose="020B0604030504040204" pitchFamily="34" charset="0"/>
+                        <a:cs typeface="Tahoma" panose="020B0604030504040204" pitchFamily="34" charset="0"/>
+                      </a:rPr>
+                      <m:t>(</m:t>
+                    </m:r>
+                    <m:r>
+                      <a:rPr lang="it-IT" sz="800" b="0" i="1" smtClean="0">
+                        <a:latin typeface="Cambria Math" panose="02040503050406030204" pitchFamily="18" charset="0"/>
+                        <a:ea typeface="Tahoma" panose="020B0604030504040204" pitchFamily="34" charset="0"/>
+                        <a:cs typeface="Tahoma" panose="020B0604030504040204" pitchFamily="34" charset="0"/>
+                      </a:rPr>
+                      <m:t>𝑐𝑙𝑢𝑠𝑡𝑒𝑟𝑠</m:t>
+                    </m:r>
+                    <m:d>
+                      <m:dPr>
+                        <m:begChr m:val="["/>
+                        <m:endChr m:val="]"/>
+                        <m:ctrlPr>
+                          <a:rPr lang="it-IT" sz="800" i="1" smtClean="0">
+                            <a:latin typeface="Cambria Math" panose="02040503050406030204" pitchFamily="18" charset="0"/>
+                            <a:ea typeface="Tahoma" panose="020B0604030504040204" pitchFamily="34" charset="0"/>
+                            <a:cs typeface="Tahoma" panose="020B0604030504040204" pitchFamily="34" charset="0"/>
+                          </a:rPr>
+                        </m:ctrlPr>
+                      </m:dPr>
+                      <m:e>
+                        <m:r>
+                          <a:rPr lang="it-IT" sz="800" b="0" i="1" smtClean="0">
+                            <a:latin typeface="Cambria Math" panose="02040503050406030204" pitchFamily="18" charset="0"/>
+                            <a:ea typeface="Tahoma" panose="020B0604030504040204" pitchFamily="34" charset="0"/>
+                            <a:cs typeface="Tahoma" panose="020B0604030504040204" pitchFamily="34" charset="0"/>
+                          </a:rPr>
+                          <m:t>𝑗</m:t>
+                        </m:r>
+                      </m:e>
+                    </m:d>
+                    <m:r>
+                      <a:rPr lang="it-IT" sz="800" b="0" i="1" smtClean="0">
+                        <a:latin typeface="Cambria Math" panose="02040503050406030204" pitchFamily="18" charset="0"/>
+                        <a:ea typeface="Tahoma" panose="020B0604030504040204" pitchFamily="34" charset="0"/>
+                        <a:cs typeface="Tahoma" panose="020B0604030504040204" pitchFamily="34" charset="0"/>
+                      </a:rPr>
+                      <m:t>.</m:t>
+                    </m:r>
+                    <m:r>
+                      <a:rPr lang="it-IT" sz="800" b="0" i="1" smtClean="0">
+                        <a:latin typeface="Cambria Math" panose="02040503050406030204" pitchFamily="18" charset="0"/>
+                        <a:ea typeface="Tahoma" panose="020B0604030504040204" pitchFamily="34" charset="0"/>
+                        <a:cs typeface="Tahoma" panose="020B0604030504040204" pitchFamily="34" charset="0"/>
+                      </a:rPr>
+                      <m:t>𝑛𝑒𝑤</m:t>
+                    </m:r>
+                    <m:r>
+                      <a:rPr lang="it-IT" sz="800" b="0" i="1" smtClean="0">
+                        <a:latin typeface="Cambria Math" panose="02040503050406030204" pitchFamily="18" charset="0"/>
+                        <a:ea typeface="Tahoma" panose="020B0604030504040204" pitchFamily="34" charset="0"/>
+                        <a:cs typeface="Tahoma" panose="020B0604030504040204" pitchFamily="34" charset="0"/>
+                      </a:rPr>
+                      <m:t>_</m:t>
+                    </m:r>
+                    <m:r>
+                      <a:rPr lang="it-IT" sz="800" b="0" i="1" smtClean="0">
+                        <a:latin typeface="Cambria Math" panose="02040503050406030204" pitchFamily="18" charset="0"/>
+                        <a:ea typeface="Tahoma" panose="020B0604030504040204" pitchFamily="34" charset="0"/>
+                        <a:cs typeface="Tahoma" panose="020B0604030504040204" pitchFamily="34" charset="0"/>
+                      </a:rPr>
+                      <m:t>𝑥</m:t>
+                    </m:r>
+                    <m:r>
+                      <a:rPr lang="it-IT" sz="800" b="0" i="1" smtClean="0">
+                        <a:latin typeface="Cambria Math" panose="02040503050406030204" pitchFamily="18" charset="0"/>
+                        <a:ea typeface="Tahoma" panose="020B0604030504040204" pitchFamily="34" charset="0"/>
+                        <a:cs typeface="Tahoma" panose="020B0604030504040204" pitchFamily="34" charset="0"/>
+                      </a:rPr>
+                      <m:t>_</m:t>
+                    </m:r>
+                    <m:r>
+                      <a:rPr lang="it-IT" sz="800" b="0" i="1" smtClean="0">
+                        <a:latin typeface="Cambria Math" panose="02040503050406030204" pitchFamily="18" charset="0"/>
+                        <a:ea typeface="Tahoma" panose="020B0604030504040204" pitchFamily="34" charset="0"/>
+                        <a:cs typeface="Tahoma" panose="020B0604030504040204" pitchFamily="34" charset="0"/>
+                      </a:rPr>
+                      <m:t>𝑐𝑜𝑜𝑟𝑑</m:t>
+                    </m:r>
+                    <m:r>
+                      <a:rPr lang="it-IT" sz="800" b="0" i="1" smtClean="0">
+                        <a:latin typeface="Cambria Math" panose="02040503050406030204" pitchFamily="18" charset="0"/>
+                        <a:ea typeface="Tahoma" panose="020B0604030504040204" pitchFamily="34" charset="0"/>
+                        <a:cs typeface="Tahoma" panose="020B0604030504040204" pitchFamily="34" charset="0"/>
+                      </a:rPr>
+                      <m:t>,</m:t>
+                    </m:r>
+                    <m:r>
+                      <a:rPr lang="it-IT" sz="800" b="0" i="1" smtClean="0">
+                        <a:latin typeface="Cambria Math" panose="02040503050406030204" pitchFamily="18" charset="0"/>
+                        <a:ea typeface="Tahoma" panose="020B0604030504040204" pitchFamily="34" charset="0"/>
+                        <a:cs typeface="Tahoma" panose="020B0604030504040204" pitchFamily="34" charset="0"/>
+                      </a:rPr>
+                      <m:t>𝑝𝑜𝑖𝑛𝑡𝑠</m:t>
+                    </m:r>
+                    <m:d>
+                      <m:dPr>
+                        <m:begChr m:val="["/>
+                        <m:endChr m:val="]"/>
+                        <m:ctrlPr>
+                          <a:rPr lang="it-IT" sz="800" i="1" smtClean="0">
+                            <a:latin typeface="Cambria Math" panose="02040503050406030204" pitchFamily="18" charset="0"/>
+                            <a:ea typeface="Tahoma" panose="020B0604030504040204" pitchFamily="34" charset="0"/>
+                            <a:cs typeface="Tahoma" panose="020B0604030504040204" pitchFamily="34" charset="0"/>
+                          </a:rPr>
+                        </m:ctrlPr>
+                      </m:dPr>
+                      <m:e>
+                        <m:r>
+                          <a:rPr lang="it-IT" sz="800" b="0" i="1" smtClean="0">
+                            <a:latin typeface="Cambria Math" panose="02040503050406030204" pitchFamily="18" charset="0"/>
+                            <a:ea typeface="Tahoma" panose="020B0604030504040204" pitchFamily="34" charset="0"/>
+                            <a:cs typeface="Tahoma" panose="020B0604030504040204" pitchFamily="34" charset="0"/>
+                          </a:rPr>
+                          <m:t>𝑖</m:t>
+                        </m:r>
+                      </m:e>
+                    </m:d>
+                    <m:r>
+                      <a:rPr lang="it-IT" sz="800" b="0" i="1" smtClean="0">
+                        <a:latin typeface="Cambria Math" panose="02040503050406030204" pitchFamily="18" charset="0"/>
+                        <a:ea typeface="Tahoma" panose="020B0604030504040204" pitchFamily="34" charset="0"/>
+                        <a:cs typeface="Tahoma" panose="020B0604030504040204" pitchFamily="34" charset="0"/>
+                      </a:rPr>
+                      <m:t>.</m:t>
+                    </m:r>
+                    <m:r>
+                      <a:rPr lang="it-IT" sz="800" b="0" i="1" smtClean="0">
+                        <a:latin typeface="Cambria Math" panose="02040503050406030204" pitchFamily="18" charset="0"/>
+                        <a:ea typeface="Tahoma" panose="020B0604030504040204" pitchFamily="34" charset="0"/>
+                        <a:cs typeface="Tahoma" panose="020B0604030504040204" pitchFamily="34" charset="0"/>
+                      </a:rPr>
+                      <m:t>𝑥</m:t>
+                    </m:r>
+                    <m:r>
+                      <a:rPr lang="it-IT" sz="800" b="0" i="1" smtClean="0">
+                        <a:latin typeface="Cambria Math" panose="02040503050406030204" pitchFamily="18" charset="0"/>
+                        <a:ea typeface="Tahoma" panose="020B0604030504040204" pitchFamily="34" charset="0"/>
+                        <a:cs typeface="Tahoma" panose="020B0604030504040204" pitchFamily="34" charset="0"/>
+                      </a:rPr>
+                      <m:t>)</m:t>
+                    </m:r>
+                  </m:oMath>
+                </a14:m>
+                <a:endParaRPr lang="en-US" sz="800" dirty="0">
+                  <a:latin typeface="Cambria" panose="02040503050406030204" pitchFamily="18" charset="0"/>
+                  <a:ea typeface="Cambria" panose="02040503050406030204" pitchFamily="18" charset="0"/>
+                  <a:cs typeface="Tahoma" panose="020B0604030504040204" pitchFamily="34" charset="0"/>
+                </a:endParaRPr>
+              </a:p>
+              <a:p>
+                <a:endParaRPr lang="it-IT" sz="800" dirty="0"/>
+              </a:p>
+            </p:txBody>
+          </p:sp>
+        </mc:Choice>
+        <mc:Fallback>
+          <p:sp>
+            <p:nvSpPr>
+              <p:cNvPr id="19" name="CasellaDiTesto 18">
+                <a:extLst>
+                  <a:ext uri="{FF2B5EF4-FFF2-40B4-BE49-F238E27FC236}">
+                    <a16:creationId xmlns:a16="http://schemas.microsoft.com/office/drawing/2014/main" id="{13295954-0852-5E5F-AE3C-3D43665885E1}"/>
+                  </a:ext>
+                </a:extLst>
+              </p:cNvPr>
+              <p:cNvSpPr txBox="1">
+                <a:spLocks noRot="1" noChangeAspect="1" noMove="1" noResize="1" noEditPoints="1" noAdjustHandles="1" noChangeArrowheads="1" noChangeShapeType="1" noTextEdit="1"/>
+              </p:cNvSpPr>
+              <p:nvPr/>
+            </p:nvSpPr>
+            <p:spPr>
+              <a:xfrm>
+                <a:off x="347295" y="2047429"/>
+                <a:ext cx="2414956" cy="1359346"/>
+              </a:xfrm>
+              <a:prstGeom prst="rect">
+                <a:avLst/>
+              </a:prstGeom>
+              <a:blipFill>
+                <a:blip r:embed="rId5"/>
+                <a:stretch>
+                  <a:fillRect r="-4798"/>
+                </a:stretch>
+              </a:blipFill>
+            </p:spPr>
+            <p:txBody>
+              <a:bodyPr/>
+              <a:lstStyle/>
+              <a:p>
+                <a:r>
+                  <a:rPr lang="it-IT">
+                    <a:noFill/>
+                  </a:rPr>
+                  <a:t> </a:t>
+                </a:r>
+              </a:p>
+            </p:txBody>
+          </p:sp>
+        </mc:Fallback>
+      </mc:AlternateContent>
+      <mc:AlternateContent xmlns:mc="http://schemas.openxmlformats.org/markup-compatibility/2006">
+        <mc:Choice xmlns:a14="http://schemas.microsoft.com/office/drawing/2010/main" Requires="a14">
+          <p:sp>
+            <p:nvSpPr>
+              <p:cNvPr id="20" name="CasellaDiTesto 19">
+                <a:extLst>
+                  <a:ext uri="{FF2B5EF4-FFF2-40B4-BE49-F238E27FC236}">
+                    <a16:creationId xmlns:a16="http://schemas.microsoft.com/office/drawing/2014/main" id="{479315D0-2CCB-9121-5F1C-ADB09D268812}"/>
+                  </a:ext>
+                </a:extLst>
+              </p:cNvPr>
+              <p:cNvSpPr txBox="1"/>
+              <p:nvPr/>
+            </p:nvSpPr>
+            <p:spPr>
+              <a:xfrm>
+                <a:off x="2838450" y="2035175"/>
+                <a:ext cx="1650808" cy="961802"/>
+              </a:xfrm>
+              <a:prstGeom prst="rect">
+                <a:avLst/>
+              </a:prstGeom>
+              <a:noFill/>
+            </p:spPr>
+            <p:txBody>
+              <a:bodyPr wrap="square" rtlCol="0">
+                <a:spAutoFit/>
+              </a:bodyPr>
+              <a:lstStyle/>
+              <a:p>
+                <a:r>
+                  <a:rPr lang="it-IT" sz="900" b="1" dirty="0"/>
+                  <a:t>Centroid Update:</a:t>
+                </a:r>
+              </a:p>
+              <a:p>
+                <a:pPr marL="171450" indent="-171450">
+                  <a:lnSpc>
+                    <a:spcPct val="150000"/>
+                  </a:lnSpc>
+                  <a:buFont typeface="Arial" panose="020B0604020202020204" pitchFamily="34" charset="0"/>
+                  <a:buChar char="•"/>
+                </a:pPr>
+                <a14:m>
+                  <m:oMath xmlns:m="http://schemas.openxmlformats.org/officeDocument/2006/math">
+                    <m:sSub>
+                      <m:sSubPr>
+                        <m:ctrlPr>
+                          <a:rPr lang="it-IT" sz="800" i="1" smtClean="0">
+                            <a:latin typeface="Cambria Math" panose="02040503050406030204" pitchFamily="18" charset="0"/>
+                          </a:rPr>
+                        </m:ctrlPr>
+                      </m:sSubPr>
+                      <m:e>
+                        <m:r>
+                          <a:rPr lang="it-IT" sz="800" b="0" i="1" smtClean="0">
+                            <a:latin typeface="Cambria Math" panose="02040503050406030204" pitchFamily="18" charset="0"/>
+                          </a:rPr>
+                          <m:t>𝑐</m:t>
+                        </m:r>
+                      </m:e>
+                      <m:sub>
+                        <m:r>
+                          <a:rPr lang="it-IT" sz="800" b="0" i="1" smtClean="0">
+                            <a:latin typeface="Cambria Math" panose="02040503050406030204" pitchFamily="18" charset="0"/>
+                          </a:rPr>
+                          <m:t>𝑥</m:t>
+                        </m:r>
+                      </m:sub>
+                    </m:sSub>
+                    <m:d>
+                      <m:dPr>
+                        <m:begChr m:val="["/>
+                        <m:endChr m:val="]"/>
+                        <m:ctrlPr>
+                          <a:rPr lang="it-IT" sz="800" i="1" smtClean="0">
+                            <a:latin typeface="Cambria Math" panose="02040503050406030204" pitchFamily="18" charset="0"/>
+                          </a:rPr>
+                        </m:ctrlPr>
+                      </m:dPr>
+                      <m:e>
+                        <m:r>
+                          <a:rPr lang="it-IT" sz="800" b="0" i="1" smtClean="0">
+                            <a:latin typeface="Cambria Math" panose="02040503050406030204" pitchFamily="18" charset="0"/>
+                          </a:rPr>
+                          <m:t>𝑗</m:t>
+                        </m:r>
+                      </m:e>
+                    </m:d>
+                    <m:r>
+                      <a:rPr lang="it-IT" sz="800" b="0" i="1">
+                        <a:latin typeface="Cambria Math" panose="02040503050406030204" pitchFamily="18" charset="0"/>
+                        <a:ea typeface="Cambria Math" panose="02040503050406030204" pitchFamily="18" charset="0"/>
+                      </a:rPr>
+                      <m:t>←</m:t>
+                    </m:r>
+                    <m:f>
+                      <m:fPr>
+                        <m:ctrlPr>
+                          <a:rPr lang="it-IT" sz="800" i="1" smtClean="0">
+                            <a:latin typeface="Cambria Math" panose="02040503050406030204" pitchFamily="18" charset="0"/>
+                            <a:ea typeface="Cambria Math" panose="02040503050406030204" pitchFamily="18" charset="0"/>
+                          </a:rPr>
+                        </m:ctrlPr>
+                      </m:fPr>
+                      <m:num>
+                        <m:r>
+                          <a:rPr lang="it-IT" sz="800" b="0" i="1" smtClean="0">
+                            <a:latin typeface="Cambria Math" panose="02040503050406030204" pitchFamily="18" charset="0"/>
+                            <a:ea typeface="Cambria Math" panose="02040503050406030204" pitchFamily="18" charset="0"/>
+                          </a:rPr>
+                          <m:t>𝑐𝑙𝑢𝑠𝑡𝑒𝑟𝑠</m:t>
+                        </m:r>
+                        <m:d>
+                          <m:dPr>
+                            <m:begChr m:val="["/>
+                            <m:endChr m:val="]"/>
+                            <m:ctrlPr>
+                              <a:rPr lang="it-IT" sz="800" i="1" smtClean="0">
+                                <a:latin typeface="Cambria Math" panose="02040503050406030204" pitchFamily="18" charset="0"/>
+                                <a:ea typeface="Cambria Math" panose="02040503050406030204" pitchFamily="18" charset="0"/>
+                              </a:rPr>
+                            </m:ctrlPr>
+                          </m:dPr>
+                          <m:e>
+                            <m:r>
+                              <a:rPr lang="it-IT" sz="800" b="0" i="1" smtClean="0">
+                                <a:latin typeface="Cambria Math" panose="02040503050406030204" pitchFamily="18" charset="0"/>
+                                <a:ea typeface="Cambria Math" panose="02040503050406030204" pitchFamily="18" charset="0"/>
+                              </a:rPr>
+                              <m:t>𝑗</m:t>
+                            </m:r>
+                          </m:e>
+                        </m:d>
+                        <m:r>
+                          <a:rPr lang="it-IT" sz="800" b="0" i="1" smtClean="0">
+                            <a:latin typeface="Cambria Math" panose="02040503050406030204" pitchFamily="18" charset="0"/>
+                            <a:ea typeface="Cambria Math" panose="02040503050406030204" pitchFamily="18" charset="0"/>
+                          </a:rPr>
+                          <m:t>.</m:t>
+                        </m:r>
+                        <m:r>
+                          <a:rPr lang="it-IT" sz="800" b="0" i="1" smtClean="0">
+                            <a:latin typeface="Cambria Math" panose="02040503050406030204" pitchFamily="18" charset="0"/>
+                            <a:ea typeface="Cambria Math" panose="02040503050406030204" pitchFamily="18" charset="0"/>
+                          </a:rPr>
+                          <m:t>𝑛𝑒𝑤</m:t>
+                        </m:r>
+                        <m:r>
+                          <a:rPr lang="it-IT" sz="800" b="0" i="1" smtClean="0">
+                            <a:latin typeface="Cambria Math" panose="02040503050406030204" pitchFamily="18" charset="0"/>
+                            <a:ea typeface="Cambria Math" panose="02040503050406030204" pitchFamily="18" charset="0"/>
+                          </a:rPr>
+                          <m:t>_</m:t>
+                        </m:r>
+                        <m:r>
+                          <a:rPr lang="it-IT" sz="800" b="0" i="1" smtClean="0">
+                            <a:latin typeface="Cambria Math" panose="02040503050406030204" pitchFamily="18" charset="0"/>
+                            <a:ea typeface="Cambria Math" panose="02040503050406030204" pitchFamily="18" charset="0"/>
+                          </a:rPr>
+                          <m:t>𝑥</m:t>
+                        </m:r>
+                        <m:r>
+                          <a:rPr lang="it-IT" sz="800" b="0" i="1" smtClean="0">
+                            <a:latin typeface="Cambria Math" panose="02040503050406030204" pitchFamily="18" charset="0"/>
+                            <a:ea typeface="Cambria Math" panose="02040503050406030204" pitchFamily="18" charset="0"/>
+                          </a:rPr>
+                          <m:t>_</m:t>
+                        </m:r>
+                        <m:r>
+                          <a:rPr lang="it-IT" sz="800" b="0" i="1" smtClean="0">
+                            <a:latin typeface="Cambria Math" panose="02040503050406030204" pitchFamily="18" charset="0"/>
+                            <a:ea typeface="Cambria Math" panose="02040503050406030204" pitchFamily="18" charset="0"/>
+                          </a:rPr>
+                          <m:t>𝑐𝑜𝑜𝑟𝑑</m:t>
+                        </m:r>
+                      </m:num>
+                      <m:den>
+                        <m:r>
+                          <a:rPr lang="it-IT" sz="800" b="0" i="1" smtClean="0">
+                            <a:latin typeface="Cambria Math" panose="02040503050406030204" pitchFamily="18" charset="0"/>
+                            <a:ea typeface="Cambria Math" panose="02040503050406030204" pitchFamily="18" charset="0"/>
+                          </a:rPr>
+                          <m:t>𝑐𝑙𝑢𝑠𝑡𝑒𝑟𝑠</m:t>
+                        </m:r>
+                        <m:d>
+                          <m:dPr>
+                            <m:begChr m:val="["/>
+                            <m:endChr m:val="]"/>
+                            <m:ctrlPr>
+                              <a:rPr lang="it-IT" sz="800" i="1" smtClean="0">
+                                <a:latin typeface="Cambria Math" panose="02040503050406030204" pitchFamily="18" charset="0"/>
+                                <a:ea typeface="Cambria Math" panose="02040503050406030204" pitchFamily="18" charset="0"/>
+                              </a:rPr>
+                            </m:ctrlPr>
+                          </m:dPr>
+                          <m:e>
+                            <m:r>
+                              <a:rPr lang="it-IT" sz="800" b="0" i="1" smtClean="0">
+                                <a:latin typeface="Cambria Math" panose="02040503050406030204" pitchFamily="18" charset="0"/>
+                                <a:ea typeface="Cambria Math" panose="02040503050406030204" pitchFamily="18" charset="0"/>
+                              </a:rPr>
+                              <m:t>𝑗</m:t>
+                            </m:r>
+                          </m:e>
+                        </m:d>
+                        <m:r>
+                          <a:rPr lang="it-IT" sz="800" b="0" i="1" smtClean="0">
+                            <a:latin typeface="Cambria Math" panose="02040503050406030204" pitchFamily="18" charset="0"/>
+                            <a:ea typeface="Cambria Math" panose="02040503050406030204" pitchFamily="18" charset="0"/>
+                          </a:rPr>
+                          <m:t>.</m:t>
+                        </m:r>
+                        <m:r>
+                          <a:rPr lang="it-IT" sz="800" b="0" i="1" smtClean="0">
+                            <a:latin typeface="Cambria Math" panose="02040503050406030204" pitchFamily="18" charset="0"/>
+                            <a:ea typeface="Cambria Math" panose="02040503050406030204" pitchFamily="18" charset="0"/>
+                          </a:rPr>
+                          <m:t>𝑠𝑖𝑧𝑒</m:t>
+                        </m:r>
+                      </m:den>
+                    </m:f>
+                  </m:oMath>
+                </a14:m>
+                <a:endParaRPr lang="it-IT" sz="800" dirty="0"/>
+              </a:p>
+              <a:p>
+                <a:pPr marL="171450" indent="-171450">
+                  <a:lnSpc>
+                    <a:spcPct val="150000"/>
+                  </a:lnSpc>
+                  <a:buFont typeface="Arial" panose="020B0604020202020204" pitchFamily="34" charset="0"/>
+                  <a:buChar char="•"/>
+                </a:pPr>
+                <a14:m>
+                  <m:oMath xmlns:m="http://schemas.openxmlformats.org/officeDocument/2006/math">
+                    <m:sSub>
+                      <m:sSubPr>
+                        <m:ctrlPr>
+                          <a:rPr lang="it-IT" sz="800" i="1" smtClean="0">
+                            <a:latin typeface="Cambria Math" panose="02040503050406030204" pitchFamily="18" charset="0"/>
+                          </a:rPr>
+                        </m:ctrlPr>
+                      </m:sSubPr>
+                      <m:e>
+                        <m:r>
+                          <a:rPr lang="it-IT" sz="800" b="0" i="1" smtClean="0">
+                            <a:latin typeface="Cambria Math" panose="02040503050406030204" pitchFamily="18" charset="0"/>
+                          </a:rPr>
+                          <m:t>𝑐</m:t>
+                        </m:r>
+                      </m:e>
+                      <m:sub>
+                        <m:r>
+                          <a:rPr lang="it-IT" sz="800" b="0" i="1" smtClean="0">
+                            <a:latin typeface="Cambria Math" panose="02040503050406030204" pitchFamily="18" charset="0"/>
+                          </a:rPr>
+                          <m:t>𝑥</m:t>
+                        </m:r>
+                      </m:sub>
+                    </m:sSub>
+                    <m:d>
+                      <m:dPr>
+                        <m:begChr m:val="["/>
+                        <m:endChr m:val="]"/>
+                        <m:ctrlPr>
+                          <a:rPr lang="it-IT" sz="800" i="1" smtClean="0">
+                            <a:latin typeface="Cambria Math" panose="02040503050406030204" pitchFamily="18" charset="0"/>
+                          </a:rPr>
+                        </m:ctrlPr>
+                      </m:dPr>
+                      <m:e>
+                        <m:r>
+                          <a:rPr lang="it-IT" sz="800" b="0" i="1" smtClean="0">
+                            <a:latin typeface="Cambria Math" panose="02040503050406030204" pitchFamily="18" charset="0"/>
+                          </a:rPr>
+                          <m:t>𝑗</m:t>
+                        </m:r>
+                      </m:e>
+                    </m:d>
+                    <m:r>
+                      <a:rPr lang="it-IT" sz="800" b="0" i="1">
+                        <a:latin typeface="Cambria Math" panose="02040503050406030204" pitchFamily="18" charset="0"/>
+                        <a:ea typeface="Cambria Math" panose="02040503050406030204" pitchFamily="18" charset="0"/>
+                      </a:rPr>
+                      <m:t>←</m:t>
+                    </m:r>
+                    <m:f>
+                      <m:fPr>
+                        <m:ctrlPr>
+                          <a:rPr lang="it-IT" sz="800" i="1" smtClean="0">
+                            <a:latin typeface="Cambria Math" panose="02040503050406030204" pitchFamily="18" charset="0"/>
+                            <a:ea typeface="Cambria Math" panose="02040503050406030204" pitchFamily="18" charset="0"/>
+                          </a:rPr>
+                        </m:ctrlPr>
+                      </m:fPr>
+                      <m:num>
+                        <m:r>
+                          <a:rPr lang="it-IT" sz="800" b="0" i="1" smtClean="0">
+                            <a:latin typeface="Cambria Math" panose="02040503050406030204" pitchFamily="18" charset="0"/>
+                            <a:ea typeface="Cambria Math" panose="02040503050406030204" pitchFamily="18" charset="0"/>
+                          </a:rPr>
+                          <m:t>𝑐𝑙𝑢𝑠𝑡𝑒𝑟𝑠</m:t>
+                        </m:r>
+                        <m:d>
+                          <m:dPr>
+                            <m:begChr m:val="["/>
+                            <m:endChr m:val="]"/>
+                            <m:ctrlPr>
+                              <a:rPr lang="it-IT" sz="800" i="1" smtClean="0">
+                                <a:latin typeface="Cambria Math" panose="02040503050406030204" pitchFamily="18" charset="0"/>
+                                <a:ea typeface="Cambria Math" panose="02040503050406030204" pitchFamily="18" charset="0"/>
+                              </a:rPr>
+                            </m:ctrlPr>
+                          </m:dPr>
+                          <m:e>
+                            <m:r>
+                              <a:rPr lang="it-IT" sz="800" b="0" i="1" smtClean="0">
+                                <a:latin typeface="Cambria Math" panose="02040503050406030204" pitchFamily="18" charset="0"/>
+                                <a:ea typeface="Cambria Math" panose="02040503050406030204" pitchFamily="18" charset="0"/>
+                              </a:rPr>
+                              <m:t>𝑗</m:t>
+                            </m:r>
+                          </m:e>
+                        </m:d>
+                        <m:r>
+                          <a:rPr lang="it-IT" sz="800" b="0" i="1" smtClean="0">
+                            <a:latin typeface="Cambria Math" panose="02040503050406030204" pitchFamily="18" charset="0"/>
+                            <a:ea typeface="Cambria Math" panose="02040503050406030204" pitchFamily="18" charset="0"/>
+                          </a:rPr>
+                          <m:t>.</m:t>
+                        </m:r>
+                        <m:r>
+                          <a:rPr lang="it-IT" sz="800" b="0" i="1" smtClean="0">
+                            <a:latin typeface="Cambria Math" panose="02040503050406030204" pitchFamily="18" charset="0"/>
+                            <a:ea typeface="Cambria Math" panose="02040503050406030204" pitchFamily="18" charset="0"/>
+                          </a:rPr>
+                          <m:t>𝑛𝑒𝑤</m:t>
+                        </m:r>
+                        <m:r>
+                          <a:rPr lang="it-IT" sz="800" b="0" i="1" smtClean="0">
+                            <a:latin typeface="Cambria Math" panose="02040503050406030204" pitchFamily="18" charset="0"/>
+                            <a:ea typeface="Cambria Math" panose="02040503050406030204" pitchFamily="18" charset="0"/>
+                          </a:rPr>
+                          <m:t>_</m:t>
+                        </m:r>
+                        <m:r>
+                          <a:rPr lang="it-IT" sz="800" b="0" i="1" smtClean="0">
+                            <a:latin typeface="Cambria Math" panose="02040503050406030204" pitchFamily="18" charset="0"/>
+                            <a:ea typeface="Cambria Math" panose="02040503050406030204" pitchFamily="18" charset="0"/>
+                          </a:rPr>
+                          <m:t>𝑦</m:t>
+                        </m:r>
+                        <m:r>
+                          <a:rPr lang="it-IT" sz="800" b="0" i="1" smtClean="0">
+                            <a:latin typeface="Cambria Math" panose="02040503050406030204" pitchFamily="18" charset="0"/>
+                            <a:ea typeface="Cambria Math" panose="02040503050406030204" pitchFamily="18" charset="0"/>
+                          </a:rPr>
+                          <m:t>_</m:t>
+                        </m:r>
+                        <m:r>
+                          <a:rPr lang="it-IT" sz="800" b="0" i="1" smtClean="0">
+                            <a:latin typeface="Cambria Math" panose="02040503050406030204" pitchFamily="18" charset="0"/>
+                            <a:ea typeface="Cambria Math" panose="02040503050406030204" pitchFamily="18" charset="0"/>
+                          </a:rPr>
+                          <m:t>𝑐𝑜𝑜𝑟𝑑</m:t>
+                        </m:r>
+                      </m:num>
+                      <m:den>
+                        <m:r>
+                          <a:rPr lang="it-IT" sz="800" b="0" i="1" smtClean="0">
+                            <a:latin typeface="Cambria Math" panose="02040503050406030204" pitchFamily="18" charset="0"/>
+                            <a:ea typeface="Cambria Math" panose="02040503050406030204" pitchFamily="18" charset="0"/>
+                          </a:rPr>
+                          <m:t>𝑐𝑙𝑢𝑠𝑡𝑒𝑟𝑠</m:t>
+                        </m:r>
+                        <m:d>
+                          <m:dPr>
+                            <m:begChr m:val="["/>
+                            <m:endChr m:val="]"/>
+                            <m:ctrlPr>
+                              <a:rPr lang="it-IT" sz="800" i="1" smtClean="0">
+                                <a:latin typeface="Cambria Math" panose="02040503050406030204" pitchFamily="18" charset="0"/>
+                                <a:ea typeface="Cambria Math" panose="02040503050406030204" pitchFamily="18" charset="0"/>
+                              </a:rPr>
+                            </m:ctrlPr>
+                          </m:dPr>
+                          <m:e>
+                            <m:r>
+                              <a:rPr lang="it-IT" sz="800" b="0" i="1" smtClean="0">
+                                <a:latin typeface="Cambria Math" panose="02040503050406030204" pitchFamily="18" charset="0"/>
+                                <a:ea typeface="Cambria Math" panose="02040503050406030204" pitchFamily="18" charset="0"/>
+                              </a:rPr>
+                              <m:t>𝑗</m:t>
+                            </m:r>
+                          </m:e>
+                        </m:d>
+                        <m:r>
+                          <a:rPr lang="it-IT" sz="800" b="0" i="1" smtClean="0">
+                            <a:latin typeface="Cambria Math" panose="02040503050406030204" pitchFamily="18" charset="0"/>
+                            <a:ea typeface="Cambria Math" panose="02040503050406030204" pitchFamily="18" charset="0"/>
+                          </a:rPr>
+                          <m:t>.</m:t>
+                        </m:r>
+                        <m:r>
+                          <a:rPr lang="it-IT" sz="800" b="0" i="1" smtClean="0">
+                            <a:latin typeface="Cambria Math" panose="02040503050406030204" pitchFamily="18" charset="0"/>
+                            <a:ea typeface="Cambria Math" panose="02040503050406030204" pitchFamily="18" charset="0"/>
+                          </a:rPr>
+                          <m:t>𝑠𝑖𝑧𝑒</m:t>
+                        </m:r>
+                      </m:den>
+                    </m:f>
+                  </m:oMath>
+                </a14:m>
+                <a:endParaRPr lang="it-IT" sz="800" dirty="0"/>
+              </a:p>
+              <a:p>
+                <a:endParaRPr lang="it-IT" sz="900" b="1" dirty="0"/>
+              </a:p>
+            </p:txBody>
+          </p:sp>
+        </mc:Choice>
+        <mc:Fallback>
+          <p:sp>
+            <p:nvSpPr>
+              <p:cNvPr id="20" name="CasellaDiTesto 19">
+                <a:extLst>
+                  <a:ext uri="{FF2B5EF4-FFF2-40B4-BE49-F238E27FC236}">
+                    <a16:creationId xmlns:a16="http://schemas.microsoft.com/office/drawing/2014/main" id="{479315D0-2CCB-9121-5F1C-ADB09D268812}"/>
+                  </a:ext>
+                </a:extLst>
+              </p:cNvPr>
+              <p:cNvSpPr txBox="1">
+                <a:spLocks noRot="1" noChangeAspect="1" noMove="1" noResize="1" noEditPoints="1" noAdjustHandles="1" noChangeArrowheads="1" noChangeShapeType="1" noTextEdit="1"/>
+              </p:cNvSpPr>
+              <p:nvPr/>
+            </p:nvSpPr>
+            <p:spPr>
+              <a:xfrm>
+                <a:off x="2838450" y="2035175"/>
+                <a:ext cx="1650808" cy="961802"/>
+              </a:xfrm>
+              <a:prstGeom prst="rect">
+                <a:avLst/>
+              </a:prstGeom>
+              <a:blipFill>
+                <a:blip r:embed="rId6"/>
+                <a:stretch>
+                  <a:fillRect/>
+                </a:stretch>
+              </a:blipFill>
+            </p:spPr>
+            <p:txBody>
+              <a:bodyPr/>
+              <a:lstStyle/>
+              <a:p>
+                <a:r>
+                  <a:rPr lang="it-IT">
+                    <a:noFill/>
+                  </a:rPr>
+                  <a:t> </a:t>
+                </a:r>
+              </a:p>
+            </p:txBody>
+          </p:sp>
+        </mc:Fallback>
+      </mc:AlternateContent>
     </p:spTree>
   </p:cSld>
   <p:clrMapOvr>
@@ -17471,7 +22499,13 @@
   <p:cSld>
     <p:spTree>
       <p:nvGrpSpPr>
-        <p:cNvPr id="1" name=""/>
+        <p:cNvPr id="1" name="">
+          <a:extLst>
+            <a:ext uri="{FF2B5EF4-FFF2-40B4-BE49-F238E27FC236}">
+              <a16:creationId xmlns:a16="http://schemas.microsoft.com/office/drawing/2014/main" id="{1290B18C-1155-6E70-6294-A719BFB97337}"/>
+            </a:ext>
+          </a:extLst>
+        </p:cNvPr>
         <p:cNvGrpSpPr/>
         <p:nvPr/>
       </p:nvGrpSpPr>
@@ -17485,7 +22519,13 @@
       </p:grpSpPr>
       <p:sp>
         <p:nvSpPr>
-          <p:cNvPr id="2" name="object 2"/>
+          <p:cNvPr id="2" name="object 2">
+            <a:extLst>
+              <a:ext uri="{FF2B5EF4-FFF2-40B4-BE49-F238E27FC236}">
+                <a16:creationId xmlns:a16="http://schemas.microsoft.com/office/drawing/2014/main" id="{15B6AA87-80B9-1D1A-CC7D-D7EE585F62D9}"/>
+              </a:ext>
+            </a:extLst>
+          </p:cNvPr>
           <p:cNvSpPr txBox="1"/>
           <p:nvPr/>
         </p:nvSpPr>
@@ -17562,7 +22602,13 @@
       </p:sp>
       <p:grpSp>
         <p:nvGrpSpPr>
-          <p:cNvPr id="3" name="object 3"/>
+          <p:cNvPr id="3" name="object 3">
+            <a:extLst>
+              <a:ext uri="{FF2B5EF4-FFF2-40B4-BE49-F238E27FC236}">
+                <a16:creationId xmlns:a16="http://schemas.microsoft.com/office/drawing/2014/main" id="{FE5A5B0D-3BAD-C550-1F20-A0917F80CA2E}"/>
+              </a:ext>
+            </a:extLst>
+          </p:cNvPr>
           <p:cNvGrpSpPr/>
           <p:nvPr/>
         </p:nvGrpSpPr>
@@ -17576,7 +22622,13 @@
         </p:grpSpPr>
         <p:sp>
           <p:nvSpPr>
-            <p:cNvPr id="4" name="object 4"/>
+            <p:cNvPr id="4" name="object 4">
+              <a:extLst>
+                <a:ext uri="{FF2B5EF4-FFF2-40B4-BE49-F238E27FC236}">
+                  <a16:creationId xmlns:a16="http://schemas.microsoft.com/office/drawing/2014/main" id="{618CAE07-F74B-6EA3-83A6-62CDC5017A90}"/>
+                </a:ext>
+              </a:extLst>
+            </p:cNvPr>
             <p:cNvSpPr/>
             <p:nvPr/>
           </p:nvSpPr>
@@ -17626,7 +22678,13 @@
         </p:sp>
         <p:sp>
           <p:nvSpPr>
-            <p:cNvPr id="5" name="object 5"/>
+            <p:cNvPr id="5" name="object 5">
+              <a:extLst>
+                <a:ext uri="{FF2B5EF4-FFF2-40B4-BE49-F238E27FC236}">
+                  <a16:creationId xmlns:a16="http://schemas.microsoft.com/office/drawing/2014/main" id="{8A453CB3-ACC8-2E89-6A80-8E0FCEA4912A}"/>
+                </a:ext>
+              </a:extLst>
+            </p:cNvPr>
             <p:cNvSpPr/>
             <p:nvPr/>
           </p:nvSpPr>
@@ -17796,7 +22854,13 @@
         </p:sp>
         <p:pic>
           <p:nvPicPr>
-            <p:cNvPr id="6" name="object 6"/>
+            <p:cNvPr id="6" name="object 6">
+              <a:extLst>
+                <a:ext uri="{FF2B5EF4-FFF2-40B4-BE49-F238E27FC236}">
+                  <a16:creationId xmlns:a16="http://schemas.microsoft.com/office/drawing/2014/main" id="{0EC936F9-984F-463B-9A72-C89D72481E2E}"/>
+                </a:ext>
+              </a:extLst>
+            </p:cNvPr>
             <p:cNvPicPr/>
             <p:nvPr/>
           </p:nvPicPr>
@@ -17818,7 +22882,13 @@
         </p:pic>
         <p:sp>
           <p:nvSpPr>
-            <p:cNvPr id="7" name="object 7"/>
+            <p:cNvPr id="7" name="object 7">
+              <a:extLst>
+                <a:ext uri="{FF2B5EF4-FFF2-40B4-BE49-F238E27FC236}">
+                  <a16:creationId xmlns:a16="http://schemas.microsoft.com/office/drawing/2014/main" id="{C3469EC5-AFBA-7963-5EBE-DAF5391272A8}"/>
+                </a:ext>
+              </a:extLst>
+            </p:cNvPr>
             <p:cNvSpPr/>
             <p:nvPr/>
           </p:nvSpPr>
@@ -17917,7 +22987,13 @@
         </p:sp>
         <p:sp>
           <p:nvSpPr>
-            <p:cNvPr id="8" name="object 8"/>
+            <p:cNvPr id="8" name="object 8">
+              <a:extLst>
+                <a:ext uri="{FF2B5EF4-FFF2-40B4-BE49-F238E27FC236}">
+                  <a16:creationId xmlns:a16="http://schemas.microsoft.com/office/drawing/2014/main" id="{460AD62B-36E7-2689-D499-C2E2161EFA70}"/>
+                </a:ext>
+              </a:extLst>
+            </p:cNvPr>
             <p:cNvSpPr/>
             <p:nvPr/>
           </p:nvSpPr>
@@ -17979,7 +23055,13 @@
         </p:sp>
         <p:pic>
           <p:nvPicPr>
-            <p:cNvPr id="9" name="object 9"/>
+            <p:cNvPr id="9" name="object 9">
+              <a:extLst>
+                <a:ext uri="{FF2B5EF4-FFF2-40B4-BE49-F238E27FC236}">
+                  <a16:creationId xmlns:a16="http://schemas.microsoft.com/office/drawing/2014/main" id="{776C7DA7-A2CB-171C-AEBF-EAB2A002BBD3}"/>
+                </a:ext>
+              </a:extLst>
+            </p:cNvPr>
             <p:cNvPicPr/>
             <p:nvPr/>
           </p:nvPicPr>
@@ -18002,7 +23084,13 @@
       </p:grpSp>
       <p:sp>
         <p:nvSpPr>
-          <p:cNvPr id="10" name="object 10"/>
+          <p:cNvPr id="10" name="object 10">
+            <a:extLst>
+              <a:ext uri="{FF2B5EF4-FFF2-40B4-BE49-F238E27FC236}">
+                <a16:creationId xmlns:a16="http://schemas.microsoft.com/office/drawing/2014/main" id="{1C08BDC7-2CCB-8BD4-D3A5-47F1D8D963A6}"/>
+              </a:ext>
+            </a:extLst>
+          </p:cNvPr>
           <p:cNvSpPr txBox="1"/>
           <p:nvPr/>
         </p:nvSpPr>
@@ -18048,7 +23136,13 @@
       </p:sp>
       <p:sp>
         <p:nvSpPr>
-          <p:cNvPr id="11" name="object 11"/>
+          <p:cNvPr id="11" name="object 11">
+            <a:extLst>
+              <a:ext uri="{FF2B5EF4-FFF2-40B4-BE49-F238E27FC236}">
+                <a16:creationId xmlns:a16="http://schemas.microsoft.com/office/drawing/2014/main" id="{588D6E37-3B35-A5EA-0C51-D57B5A17FA70}"/>
+              </a:ext>
+            </a:extLst>
+          </p:cNvPr>
           <p:cNvSpPr txBox="1"/>
           <p:nvPr/>
         </p:nvSpPr>
@@ -18101,72 +23195,12 @@
           </a:p>
         </p:txBody>
       </p:sp>
-      <p:pic>
-        <p:nvPicPr>
-          <p:cNvPr id="21" name="Immagine 20">
-            <a:extLst>
-              <a:ext uri="{FF2B5EF4-FFF2-40B4-BE49-F238E27FC236}">
-                <a16:creationId xmlns:a16="http://schemas.microsoft.com/office/drawing/2014/main" id="{978987B9-27F3-2DA9-9832-DC48B6AA9534}"/>
-              </a:ext>
-            </a:extLst>
-          </p:cNvPr>
-          <p:cNvPicPr>
-            <a:picLocks noChangeAspect="1"/>
-          </p:cNvPicPr>
-          <p:nvPr/>
-        </p:nvPicPr>
-        <p:blipFill>
-          <a:blip r:embed="rId5"/>
-          <a:stretch>
-            <a:fillRect/>
-          </a:stretch>
-        </p:blipFill>
-        <p:spPr>
-          <a:xfrm>
-            <a:off x="308843" y="1120775"/>
-            <a:ext cx="1838520" cy="994755"/>
-          </a:xfrm>
-          <a:prstGeom prst="rect">
-            <a:avLst/>
-          </a:prstGeom>
-        </p:spPr>
-      </p:pic>
-      <p:pic>
-        <p:nvPicPr>
-          <p:cNvPr id="23" name="Immagine 22">
-            <a:extLst>
-              <a:ext uri="{FF2B5EF4-FFF2-40B4-BE49-F238E27FC236}">
-                <a16:creationId xmlns:a16="http://schemas.microsoft.com/office/drawing/2014/main" id="{5F5F0992-CBA5-17B7-A4DD-95A677728819}"/>
-              </a:ext>
-            </a:extLst>
-          </p:cNvPr>
-          <p:cNvPicPr>
-            <a:picLocks noChangeAspect="1"/>
-          </p:cNvPicPr>
-          <p:nvPr/>
-        </p:nvPicPr>
-        <p:blipFill>
-          <a:blip r:embed="rId6"/>
-          <a:stretch>
-            <a:fillRect/>
-          </a:stretch>
-        </p:blipFill>
-        <p:spPr>
-          <a:xfrm>
-            <a:off x="2305050" y="1102925"/>
-            <a:ext cx="1966482" cy="1249859"/>
-          </a:xfrm>
-          <a:prstGeom prst="rect">
-            <a:avLst/>
-          </a:prstGeom>
-        </p:spPr>
-      </p:pic>
       <p:sp>
         <p:nvSpPr>
           <p:cNvPr id="26" name="CasellaDiTesto 25">
             <a:extLst>
               <a:ext uri="{FF2B5EF4-FFF2-40B4-BE49-F238E27FC236}">
-                <a16:creationId xmlns:a16="http://schemas.microsoft.com/office/drawing/2014/main" id="{FBB03641-4912-26DC-C31E-F2792BCB3108}"/>
+                <a16:creationId xmlns:a16="http://schemas.microsoft.com/office/drawing/2014/main" id="{982FBBB3-8103-C3A3-0048-7E84B62ADCFF}"/>
               </a:ext>
             </a:extLst>
           </p:cNvPr>
@@ -18243,7 +23277,7 @@
                 <a:ea typeface="Tahoma" panose="020B0604030504040204" pitchFamily="34" charset="0"/>
                 <a:cs typeface="Tahoma" panose="020B0604030504040204" pitchFamily="34" charset="0"/>
               </a:rPr>
-              <a:t> GPU kernels for </a:t>
+              <a:t> GPU kernels for: points </a:t>
             </a:r>
             <a:r>
               <a:rPr lang="it-IT" sz="900" dirty="0" err="1">
@@ -18251,7 +23285,7 @@
                 <a:ea typeface="Tahoma" panose="020B0604030504040204" pitchFamily="34" charset="0"/>
                 <a:cs typeface="Tahoma" panose="020B0604030504040204" pitchFamily="34" charset="0"/>
               </a:rPr>
-              <a:t>efficient</a:t>
+              <a:t>assignment</a:t>
             </a:r>
             <a:r>
               <a:rPr lang="it-IT" sz="900" dirty="0">
@@ -18259,23 +23293,7 @@
                 <a:ea typeface="Tahoma" panose="020B0604030504040204" pitchFamily="34" charset="0"/>
                 <a:cs typeface="Tahoma" panose="020B0604030504040204" pitchFamily="34" charset="0"/>
               </a:rPr>
-              <a:t> point </a:t>
-            </a:r>
-            <a:r>
-              <a:rPr lang="it-IT" sz="900" dirty="0" err="1">
-                <a:latin typeface="Tahoma" panose="020B0604030504040204" pitchFamily="34" charset="0"/>
-                <a:ea typeface="Tahoma" panose="020B0604030504040204" pitchFamily="34" charset="0"/>
-                <a:cs typeface="Tahoma" panose="020B0604030504040204" pitchFamily="34" charset="0"/>
-              </a:rPr>
-              <a:t>assignment</a:t>
-            </a:r>
-            <a:r>
-              <a:rPr lang="it-IT" sz="900" dirty="0">
-                <a:latin typeface="Tahoma" panose="020B0604030504040204" pitchFamily="34" charset="0"/>
-                <a:ea typeface="Tahoma" panose="020B0604030504040204" pitchFamily="34" charset="0"/>
-                <a:cs typeface="Tahoma" panose="020B0604030504040204" pitchFamily="34" charset="0"/>
-              </a:rPr>
-              <a:t> and </a:t>
+              <a:t>, accumulate points and </a:t>
             </a:r>
             <a:r>
               <a:rPr lang="it-IT" sz="900" dirty="0" err="1">
@@ -18298,10 +23316,70 @@
       </p:sp>
       <p:pic>
         <p:nvPicPr>
-          <p:cNvPr id="28" name="Immagine 27">
+          <p:cNvPr id="13" name="Immagine 12">
             <a:extLst>
               <a:ext uri="{FF2B5EF4-FFF2-40B4-BE49-F238E27FC236}">
-                <a16:creationId xmlns:a16="http://schemas.microsoft.com/office/drawing/2014/main" id="{E599F1C5-F063-B4FD-93F5-A30512B6CC2C}"/>
+                <a16:creationId xmlns:a16="http://schemas.microsoft.com/office/drawing/2014/main" id="{52E002CD-C640-B347-D868-8DFD8B7D1938}"/>
+              </a:ext>
+            </a:extLst>
+          </p:cNvPr>
+          <p:cNvPicPr>
+            <a:picLocks noChangeAspect="1"/>
+          </p:cNvPicPr>
+          <p:nvPr/>
+        </p:nvPicPr>
+        <p:blipFill>
+          <a:blip r:embed="rId5"/>
+          <a:stretch>
+            <a:fillRect/>
+          </a:stretch>
+        </p:blipFill>
+        <p:spPr>
+          <a:xfrm>
+            <a:off x="347295" y="1100371"/>
+            <a:ext cx="2138400" cy="1239604"/>
+          </a:xfrm>
+          <a:prstGeom prst="rect">
+            <a:avLst/>
+          </a:prstGeom>
+        </p:spPr>
+      </p:pic>
+      <p:pic>
+        <p:nvPicPr>
+          <p:cNvPr id="17" name="Immagine 16">
+            <a:extLst>
+              <a:ext uri="{FF2B5EF4-FFF2-40B4-BE49-F238E27FC236}">
+                <a16:creationId xmlns:a16="http://schemas.microsoft.com/office/drawing/2014/main" id="{0D56DF61-7983-3C47-FD36-A0A02BAAAB1B}"/>
+              </a:ext>
+            </a:extLst>
+          </p:cNvPr>
+          <p:cNvPicPr>
+            <a:picLocks noChangeAspect="1"/>
+          </p:cNvPicPr>
+          <p:nvPr/>
+        </p:nvPicPr>
+        <p:blipFill>
+          <a:blip r:embed="rId6"/>
+          <a:stretch>
+            <a:fillRect/>
+          </a:stretch>
+        </p:blipFill>
+        <p:spPr>
+          <a:xfrm>
+            <a:off x="347294" y="2363792"/>
+            <a:ext cx="2179981" cy="889788"/>
+          </a:xfrm>
+          <a:prstGeom prst="rect">
+            <a:avLst/>
+          </a:prstGeom>
+        </p:spPr>
+      </p:pic>
+      <p:pic>
+        <p:nvPicPr>
+          <p:cNvPr id="15" name="Immagine 14">
+            <a:extLst>
+              <a:ext uri="{FF2B5EF4-FFF2-40B4-BE49-F238E27FC236}">
+                <a16:creationId xmlns:a16="http://schemas.microsoft.com/office/drawing/2014/main" id="{90854A40-80CB-6D18-A3F7-CA9A35A5B89A}"/>
               </a:ext>
             </a:extLst>
           </p:cNvPr>
@@ -18318,38 +23396,8 @@
         </p:blipFill>
         <p:spPr>
           <a:xfrm>
-            <a:off x="317404" y="2492375"/>
-            <a:ext cx="1829959" cy="686594"/>
-          </a:xfrm>
-          <a:prstGeom prst="rect">
-            <a:avLst/>
-          </a:prstGeom>
-        </p:spPr>
-      </p:pic>
-      <p:pic>
-        <p:nvPicPr>
-          <p:cNvPr id="30" name="Immagine 29">
-            <a:extLst>
-              <a:ext uri="{FF2B5EF4-FFF2-40B4-BE49-F238E27FC236}">
-                <a16:creationId xmlns:a16="http://schemas.microsoft.com/office/drawing/2014/main" id="{7EA6A864-051F-D66B-3239-0985884821D1}"/>
-              </a:ext>
-            </a:extLst>
-          </p:cNvPr>
-          <p:cNvPicPr>
-            <a:picLocks noChangeAspect="1"/>
-          </p:cNvPicPr>
-          <p:nvPr/>
-        </p:nvPicPr>
-        <p:blipFill>
-          <a:blip r:embed="rId8"/>
-          <a:stretch>
-            <a:fillRect/>
-          </a:stretch>
-        </p:blipFill>
-        <p:spPr>
-          <a:xfrm>
-            <a:off x="2527696" y="2418087"/>
-            <a:ext cx="1521190" cy="839740"/>
+            <a:off x="2152650" y="1770724"/>
+            <a:ext cx="2056036" cy="822336"/>
           </a:xfrm>
           <a:prstGeom prst="rect">
             <a:avLst/>
@@ -18357,6 +23405,11 @@
         </p:spPr>
       </p:pic>
     </p:spTree>
+    <p:extLst>
+      <p:ext uri="{BB962C8B-B14F-4D97-AF65-F5344CB8AC3E}">
+        <p14:creationId xmlns:p14="http://schemas.microsoft.com/office/powerpoint/2010/main" val="2835441914"/>
+      </p:ext>
+    </p:extLst>
   </p:cSld>
   <p:clrMapOvr>
     <a:masterClrMapping/>
